--- a/presentation.pptx
+++ b/presentation.pptx
@@ -133,7 +133,7 @@
 <file path=ppt/revisionInfo.xml><?xml version="1.0" encoding="utf-8"?>
 <p1510:revInfo xmlns:a="http://schemas.openxmlformats.org/drawingml/2006/main" xmlns:r="http://schemas.openxmlformats.org/officeDocument/2006/relationships" xmlns:p1510="http://schemas.microsoft.com/office/powerpoint/2015/10/main">
   <p1510:revLst>
-    <p1510:client id="{C7E98DBB-FD54-4B8D-94D4-41A506DEFA8B}" v="86" dt="2023-08-24T19:54:28.574"/>
+    <p1510:client id="{C7E98DBB-FD54-4B8D-94D4-41A506DEFA8B}" v="88" dt="2023-08-25T08:17:05.742"/>
   </p1510:revLst>
 </p1510:revInfo>
 </file>
@@ -143,7 +143,7 @@
   <pc:docChgLst>
     <pc:chgData name="alessia.pontiggia01@gmail.com" userId="9e959774152c46d2" providerId="LiveId" clId="{C7E98DBB-FD54-4B8D-94D4-41A506DEFA8B}"/>
     <pc:docChg chg="undo redo custSel addSld delSld modSld sldOrd">
-      <pc:chgData name="alessia.pontiggia01@gmail.com" userId="9e959774152c46d2" providerId="LiveId" clId="{C7E98DBB-FD54-4B8D-94D4-41A506DEFA8B}" dt="2023-08-24T19:55:12.763" v="4627" actId="1076"/>
+      <pc:chgData name="alessia.pontiggia01@gmail.com" userId="9e959774152c46d2" providerId="LiveId" clId="{C7E98DBB-FD54-4B8D-94D4-41A506DEFA8B}" dt="2023-08-25T08:45:54.393" v="4819" actId="1076"/>
       <pc:docMkLst>
         <pc:docMk/>
       </pc:docMkLst>
@@ -201,7 +201,7 @@
         </pc:sldMkLst>
       </pc:sldChg>
       <pc:sldChg chg="addSp delSp modSp new mod">
-        <pc:chgData name="alessia.pontiggia01@gmail.com" userId="9e959774152c46d2" providerId="LiveId" clId="{C7E98DBB-FD54-4B8D-94D4-41A506DEFA8B}" dt="2023-08-24T19:42:34.953" v="4260" actId="20577"/>
+        <pc:chgData name="alessia.pontiggia01@gmail.com" userId="9e959774152c46d2" providerId="LiveId" clId="{C7E98DBB-FD54-4B8D-94D4-41A506DEFA8B}" dt="2023-08-25T07:45:41.557" v="4633" actId="113"/>
         <pc:sldMkLst>
           <pc:docMk/>
           <pc:sldMk cId="4167473759" sldId="259"/>
@@ -215,7 +215,7 @@
           </ac:spMkLst>
         </pc:spChg>
         <pc:spChg chg="add mod">
-          <ac:chgData name="alessia.pontiggia01@gmail.com" userId="9e959774152c46d2" providerId="LiveId" clId="{C7E98DBB-FD54-4B8D-94D4-41A506DEFA8B}" dt="2023-08-24T19:42:34.953" v="4260" actId="20577"/>
+          <ac:chgData name="alessia.pontiggia01@gmail.com" userId="9e959774152c46d2" providerId="LiveId" clId="{C7E98DBB-FD54-4B8D-94D4-41A506DEFA8B}" dt="2023-08-25T07:45:25.587" v="4630" actId="113"/>
           <ac:spMkLst>
             <pc:docMk/>
             <pc:sldMk cId="4167473759" sldId="259"/>
@@ -223,7 +223,7 @@
           </ac:spMkLst>
         </pc:spChg>
         <pc:spChg chg="add mod">
-          <ac:chgData name="alessia.pontiggia01@gmail.com" userId="9e959774152c46d2" providerId="LiveId" clId="{C7E98DBB-FD54-4B8D-94D4-41A506DEFA8B}" dt="2023-08-24T16:13:36.277" v="3758" actId="2711"/>
+          <ac:chgData name="alessia.pontiggia01@gmail.com" userId="9e959774152c46d2" providerId="LiveId" clId="{C7E98DBB-FD54-4B8D-94D4-41A506DEFA8B}" dt="2023-08-25T07:45:41.557" v="4633" actId="113"/>
           <ac:spMkLst>
             <pc:docMk/>
             <pc:sldMk cId="4167473759" sldId="259"/>
@@ -383,7 +383,7 @@
         </pc:picChg>
       </pc:sldChg>
       <pc:sldChg chg="addSp delSp modSp new mod">
-        <pc:chgData name="alessia.pontiggia01@gmail.com" userId="9e959774152c46d2" providerId="LiveId" clId="{C7E98DBB-FD54-4B8D-94D4-41A506DEFA8B}" dt="2023-08-24T19:46:20.656" v="4271" actId="20577"/>
+        <pc:chgData name="alessia.pontiggia01@gmail.com" userId="9e959774152c46d2" providerId="LiveId" clId="{C7E98DBB-FD54-4B8D-94D4-41A506DEFA8B}" dt="2023-08-25T07:46:52.023" v="4669" actId="20577"/>
         <pc:sldMkLst>
           <pc:docMk/>
           <pc:sldMk cId="1372774501" sldId="261"/>
@@ -405,7 +405,7 @@
           </ac:spMkLst>
         </pc:spChg>
         <pc:spChg chg="add mod">
-          <ac:chgData name="alessia.pontiggia01@gmail.com" userId="9e959774152c46d2" providerId="LiveId" clId="{C7E98DBB-FD54-4B8D-94D4-41A506DEFA8B}" dt="2023-08-24T19:46:20.656" v="4271" actId="20577"/>
+          <ac:chgData name="alessia.pontiggia01@gmail.com" userId="9e959774152c46d2" providerId="LiveId" clId="{C7E98DBB-FD54-4B8D-94D4-41A506DEFA8B}" dt="2023-08-25T07:46:34.509" v="4653" actId="20577"/>
           <ac:spMkLst>
             <pc:docMk/>
             <pc:sldMk cId="1372774501" sldId="261"/>
@@ -437,7 +437,7 @@
           </ac:spMkLst>
         </pc:spChg>
         <pc:spChg chg="add mod">
-          <ac:chgData name="alessia.pontiggia01@gmail.com" userId="9e959774152c46d2" providerId="LiveId" clId="{C7E98DBB-FD54-4B8D-94D4-41A506DEFA8B}" dt="2023-08-24T19:44:20.878" v="4262" actId="20577"/>
+          <ac:chgData name="alessia.pontiggia01@gmail.com" userId="9e959774152c46d2" providerId="LiveId" clId="{C7E98DBB-FD54-4B8D-94D4-41A506DEFA8B}" dt="2023-08-25T07:46:52.023" v="4669" actId="20577"/>
           <ac:spMkLst>
             <pc:docMk/>
             <pc:sldMk cId="1372774501" sldId="261"/>
@@ -477,7 +477,7 @@
         </pc:spChg>
       </pc:sldChg>
       <pc:sldChg chg="addSp delSp modSp new mod">
-        <pc:chgData name="alessia.pontiggia01@gmail.com" userId="9e959774152c46d2" providerId="LiveId" clId="{C7E98DBB-FD54-4B8D-94D4-41A506DEFA8B}" dt="2023-08-24T19:51:29.782" v="4511" actId="20577"/>
+        <pc:chgData name="alessia.pontiggia01@gmail.com" userId="9e959774152c46d2" providerId="LiveId" clId="{C7E98DBB-FD54-4B8D-94D4-41A506DEFA8B}" dt="2023-08-25T08:42:05.912" v="4702" actId="14100"/>
         <pc:sldMkLst>
           <pc:docMk/>
           <pc:sldMk cId="4118987536" sldId="262"/>
@@ -499,7 +499,7 @@
           </ac:spMkLst>
         </pc:spChg>
         <pc:spChg chg="mod">
-          <ac:chgData name="alessia.pontiggia01@gmail.com" userId="9e959774152c46d2" providerId="LiveId" clId="{C7E98DBB-FD54-4B8D-94D4-41A506DEFA8B}" dt="2023-08-24T15:42:46.532" v="3174" actId="404"/>
+          <ac:chgData name="alessia.pontiggia01@gmail.com" userId="9e959774152c46d2" providerId="LiveId" clId="{C7E98DBB-FD54-4B8D-94D4-41A506DEFA8B}" dt="2023-08-25T08:41:55.640" v="4699" actId="5793"/>
           <ac:spMkLst>
             <pc:docMk/>
             <pc:sldMk cId="4118987536" sldId="262"/>
@@ -531,7 +531,7 @@
           </ac:spMkLst>
         </pc:spChg>
         <pc:spChg chg="add mod">
-          <ac:chgData name="alessia.pontiggia01@gmail.com" userId="9e959774152c46d2" providerId="LiveId" clId="{C7E98DBB-FD54-4B8D-94D4-41A506DEFA8B}" dt="2023-08-24T19:51:29.782" v="4511" actId="20577"/>
+          <ac:chgData name="alessia.pontiggia01@gmail.com" userId="9e959774152c46d2" providerId="LiveId" clId="{C7E98DBB-FD54-4B8D-94D4-41A506DEFA8B}" dt="2023-08-25T08:42:05.912" v="4702" actId="14100"/>
           <ac:spMkLst>
             <pc:docMk/>
             <pc:sldMk cId="4118987536" sldId="262"/>
@@ -572,7 +572,7 @@
         </pc:picChg>
       </pc:sldChg>
       <pc:sldChg chg="addSp delSp modSp new mod">
-        <pc:chgData name="alessia.pontiggia01@gmail.com" userId="9e959774152c46d2" providerId="LiveId" clId="{C7E98DBB-FD54-4B8D-94D4-41A506DEFA8B}" dt="2023-08-24T16:17:58.399" v="3840" actId="114"/>
+        <pc:chgData name="alessia.pontiggia01@gmail.com" userId="9e959774152c46d2" providerId="LiveId" clId="{C7E98DBB-FD54-4B8D-94D4-41A506DEFA8B}" dt="2023-08-25T07:48:06.753" v="4677" actId="113"/>
         <pc:sldMkLst>
           <pc:docMk/>
           <pc:sldMk cId="2860296385" sldId="263"/>
@@ -602,7 +602,7 @@
           </ac:spMkLst>
         </pc:spChg>
         <pc:spChg chg="mod">
-          <ac:chgData name="alessia.pontiggia01@gmail.com" userId="9e959774152c46d2" providerId="LiveId" clId="{C7E98DBB-FD54-4B8D-94D4-41A506DEFA8B}" dt="2023-08-24T16:11:52.152" v="3753"/>
+          <ac:chgData name="alessia.pontiggia01@gmail.com" userId="9e959774152c46d2" providerId="LiveId" clId="{C7E98DBB-FD54-4B8D-94D4-41A506DEFA8B}" dt="2023-08-25T07:48:06.753" v="4677" actId="113"/>
           <ac:spMkLst>
             <pc:docMk/>
             <pc:sldMk cId="2860296385" sldId="263"/>
@@ -643,7 +643,7 @@
         </pc:picChg>
       </pc:sldChg>
       <pc:sldChg chg="addSp delSp modSp new mod">
-        <pc:chgData name="alessia.pontiggia01@gmail.com" userId="9e959774152c46d2" providerId="LiveId" clId="{C7E98DBB-FD54-4B8D-94D4-41A506DEFA8B}" dt="2023-08-24T19:50:23.014" v="4508" actId="1076"/>
+        <pc:chgData name="alessia.pontiggia01@gmail.com" userId="9e959774152c46d2" providerId="LiveId" clId="{C7E98DBB-FD54-4B8D-94D4-41A506DEFA8B}" dt="2023-08-25T07:47:37.698" v="4676" actId="113"/>
         <pc:sldMkLst>
           <pc:docMk/>
           <pc:sldMk cId="4081111364" sldId="264"/>
@@ -681,7 +681,7 @@
           </ac:spMkLst>
         </pc:spChg>
         <pc:spChg chg="add mod">
-          <ac:chgData name="alessia.pontiggia01@gmail.com" userId="9e959774152c46d2" providerId="LiveId" clId="{C7E98DBB-FD54-4B8D-94D4-41A506DEFA8B}" dt="2023-08-24T15:22:25.393" v="2639" actId="20577"/>
+          <ac:chgData name="alessia.pontiggia01@gmail.com" userId="9e959774152c46d2" providerId="LiveId" clId="{C7E98DBB-FD54-4B8D-94D4-41A506DEFA8B}" dt="2023-08-25T07:47:37.698" v="4676" actId="113"/>
           <ac:spMkLst>
             <pc:docMk/>
             <pc:sldMk cId="4081111364" sldId="264"/>
@@ -776,7 +776,7 @@
         </pc:spChg>
       </pc:sldChg>
       <pc:sldChg chg="addSp delSp modSp new mod">
-        <pc:chgData name="alessia.pontiggia01@gmail.com" userId="9e959774152c46d2" providerId="LiveId" clId="{C7E98DBB-FD54-4B8D-94D4-41A506DEFA8B}" dt="2023-08-24T19:52:17.845" v="4517" actId="1076"/>
+        <pc:chgData name="alessia.pontiggia01@gmail.com" userId="9e959774152c46d2" providerId="LiveId" clId="{C7E98DBB-FD54-4B8D-94D4-41A506DEFA8B}" dt="2023-08-25T08:44:56.495" v="4816" actId="20577"/>
         <pc:sldMkLst>
           <pc:docMk/>
           <pc:sldMk cId="3236296477" sldId="266"/>
@@ -822,7 +822,7 @@
           </ac:spMkLst>
         </pc:spChg>
         <pc:spChg chg="add mod">
-          <ac:chgData name="alessia.pontiggia01@gmail.com" userId="9e959774152c46d2" providerId="LiveId" clId="{C7E98DBB-FD54-4B8D-94D4-41A506DEFA8B}" dt="2023-08-24T16:14:52.160" v="3838" actId="1076"/>
+          <ac:chgData name="alessia.pontiggia01@gmail.com" userId="9e959774152c46d2" providerId="LiveId" clId="{C7E98DBB-FD54-4B8D-94D4-41A506DEFA8B}" dt="2023-08-25T08:44:44.257" v="4792" actId="20577"/>
           <ac:spMkLst>
             <pc:docMk/>
             <pc:sldMk cId="3236296477" sldId="266"/>
@@ -830,7 +830,7 @@
           </ac:spMkLst>
         </pc:spChg>
         <pc:spChg chg="add mod">
-          <ac:chgData name="alessia.pontiggia01@gmail.com" userId="9e959774152c46d2" providerId="LiveId" clId="{C7E98DBB-FD54-4B8D-94D4-41A506DEFA8B}" dt="2023-08-24T16:14:45.966" v="3836" actId="14100"/>
+          <ac:chgData name="alessia.pontiggia01@gmail.com" userId="9e959774152c46d2" providerId="LiveId" clId="{C7E98DBB-FD54-4B8D-94D4-41A506DEFA8B}" dt="2023-08-25T08:44:56.495" v="4816" actId="20577"/>
           <ac:spMkLst>
             <pc:docMk/>
             <pc:sldMk cId="3236296477" sldId="266"/>
@@ -855,7 +855,7 @@
         </pc:picChg>
       </pc:sldChg>
       <pc:sldChg chg="addSp delSp modSp new mod">
-        <pc:chgData name="alessia.pontiggia01@gmail.com" userId="9e959774152c46d2" providerId="LiveId" clId="{C7E98DBB-FD54-4B8D-94D4-41A506DEFA8B}" dt="2023-08-24T19:52:57.399" v="4520" actId="20577"/>
+        <pc:chgData name="alessia.pontiggia01@gmail.com" userId="9e959774152c46d2" providerId="LiveId" clId="{C7E98DBB-FD54-4B8D-94D4-41A506DEFA8B}" dt="2023-08-25T07:56:46.933" v="4682" actId="113"/>
         <pc:sldMkLst>
           <pc:docMk/>
           <pc:sldMk cId="2939827049" sldId="267"/>
@@ -877,7 +877,7 @@
           </ac:spMkLst>
         </pc:spChg>
         <pc:spChg chg="add mod">
-          <ac:chgData name="alessia.pontiggia01@gmail.com" userId="9e959774152c46d2" providerId="LiveId" clId="{C7E98DBB-FD54-4B8D-94D4-41A506DEFA8B}" dt="2023-08-24T15:43:34.057" v="3180" actId="14100"/>
+          <ac:chgData name="alessia.pontiggia01@gmail.com" userId="9e959774152c46d2" providerId="LiveId" clId="{C7E98DBB-FD54-4B8D-94D4-41A506DEFA8B}" dt="2023-08-25T07:56:46.933" v="4682" actId="113"/>
           <ac:spMkLst>
             <pc:docMk/>
             <pc:sldMk cId="2939827049" sldId="267"/>
@@ -902,7 +902,7 @@
         </pc:graphicFrameChg>
       </pc:sldChg>
       <pc:sldChg chg="addSp delSp modSp add mod ord">
-        <pc:chgData name="alessia.pontiggia01@gmail.com" userId="9e959774152c46d2" providerId="LiveId" clId="{C7E98DBB-FD54-4B8D-94D4-41A506DEFA8B}" dt="2023-08-24T16:11:52.152" v="3753"/>
+        <pc:chgData name="alessia.pontiggia01@gmail.com" userId="9e959774152c46d2" providerId="LiveId" clId="{C7E98DBB-FD54-4B8D-94D4-41A506DEFA8B}" dt="2023-08-25T07:57:01.316" v="4683" actId="113"/>
         <pc:sldMkLst>
           <pc:docMk/>
           <pc:sldMk cId="14445732" sldId="268"/>
@@ -924,7 +924,7 @@
           </ac:spMkLst>
         </pc:spChg>
         <pc:spChg chg="mod">
-          <ac:chgData name="alessia.pontiggia01@gmail.com" userId="9e959774152c46d2" providerId="LiveId" clId="{C7E98DBB-FD54-4B8D-94D4-41A506DEFA8B}" dt="2023-08-24T16:11:52.152" v="3753"/>
+          <ac:chgData name="alessia.pontiggia01@gmail.com" userId="9e959774152c46d2" providerId="LiveId" clId="{C7E98DBB-FD54-4B8D-94D4-41A506DEFA8B}" dt="2023-08-25T07:57:01.316" v="4683" actId="113"/>
           <ac:spMkLst>
             <pc:docMk/>
             <pc:sldMk cId="14445732" sldId="268"/>
@@ -981,7 +981,7 @@
         </pc:picChg>
       </pc:sldChg>
       <pc:sldChg chg="addSp modSp new mod">
-        <pc:chgData name="alessia.pontiggia01@gmail.com" userId="9e959774152c46d2" providerId="LiveId" clId="{C7E98DBB-FD54-4B8D-94D4-41A506DEFA8B}" dt="2023-08-24T16:11:52.152" v="3753"/>
+        <pc:chgData name="alessia.pontiggia01@gmail.com" userId="9e959774152c46d2" providerId="LiveId" clId="{C7E98DBB-FD54-4B8D-94D4-41A506DEFA8B}" dt="2023-08-25T08:41:49.349" v="4698" actId="5793"/>
         <pc:sldMkLst>
           <pc:docMk/>
           <pc:sldMk cId="3887857336" sldId="269"/>
@@ -995,7 +995,7 @@
           </ac:spMkLst>
         </pc:spChg>
         <pc:spChg chg="mod">
-          <ac:chgData name="alessia.pontiggia01@gmail.com" userId="9e959774152c46d2" providerId="LiveId" clId="{C7E98DBB-FD54-4B8D-94D4-41A506DEFA8B}" dt="2023-08-24T16:11:52.152" v="3753"/>
+          <ac:chgData name="alessia.pontiggia01@gmail.com" userId="9e959774152c46d2" providerId="LiveId" clId="{C7E98DBB-FD54-4B8D-94D4-41A506DEFA8B}" dt="2023-08-25T08:41:49.349" v="4698" actId="5793"/>
           <ac:spMkLst>
             <pc:docMk/>
             <pc:sldMk cId="3887857336" sldId="269"/>
@@ -1122,7 +1122,7 @@
         </pc:picChg>
       </pc:sldChg>
       <pc:sldChg chg="addSp delSp modSp new mod">
-        <pc:chgData name="alessia.pontiggia01@gmail.com" userId="9e959774152c46d2" providerId="LiveId" clId="{C7E98DBB-FD54-4B8D-94D4-41A506DEFA8B}" dt="2023-08-24T19:55:12.763" v="4627" actId="1076"/>
+        <pc:chgData name="alessia.pontiggia01@gmail.com" userId="9e959774152c46d2" providerId="LiveId" clId="{C7E98DBB-FD54-4B8D-94D4-41A506DEFA8B}" dt="2023-08-25T08:45:54.393" v="4819" actId="1076"/>
         <pc:sldMkLst>
           <pc:docMk/>
           <pc:sldMk cId="2583540696" sldId="272"/>
@@ -1160,7 +1160,7 @@
           </ac:spMkLst>
         </pc:spChg>
         <pc:spChg chg="add mod">
-          <ac:chgData name="alessia.pontiggia01@gmail.com" userId="9e959774152c46d2" providerId="LiveId" clId="{C7E98DBB-FD54-4B8D-94D4-41A506DEFA8B}" dt="2023-08-24T16:00:06.148" v="3320" actId="20577"/>
+          <ac:chgData name="alessia.pontiggia01@gmail.com" userId="9e959774152c46d2" providerId="LiveId" clId="{C7E98DBB-FD54-4B8D-94D4-41A506DEFA8B}" dt="2023-08-25T07:57:35.463" v="4685" actId="113"/>
           <ac:spMkLst>
             <pc:docMk/>
             <pc:sldMk cId="2583540696" sldId="272"/>
@@ -1168,7 +1168,7 @@
           </ac:spMkLst>
         </pc:spChg>
         <pc:graphicFrameChg chg="add mod modGraphic">
-          <ac:chgData name="alessia.pontiggia01@gmail.com" userId="9e959774152c46d2" providerId="LiveId" clId="{C7E98DBB-FD54-4B8D-94D4-41A506DEFA8B}" dt="2023-08-24T19:54:20.005" v="4531" actId="20577"/>
+          <ac:chgData name="alessia.pontiggia01@gmail.com" userId="9e959774152c46d2" providerId="LiveId" clId="{C7E98DBB-FD54-4B8D-94D4-41A506DEFA8B}" dt="2023-08-25T08:45:51.577" v="4818" actId="1076"/>
           <ac:graphicFrameMkLst>
             <pc:docMk/>
             <pc:sldMk cId="2583540696" sldId="272"/>
@@ -1176,7 +1176,7 @@
           </ac:graphicFrameMkLst>
         </pc:graphicFrameChg>
         <pc:graphicFrameChg chg="add mod modGraphic">
-          <ac:chgData name="alessia.pontiggia01@gmail.com" userId="9e959774152c46d2" providerId="LiveId" clId="{C7E98DBB-FD54-4B8D-94D4-41A506DEFA8B}" dt="2023-08-24T16:06:12.110" v="3527" actId="1076"/>
+          <ac:chgData name="alessia.pontiggia01@gmail.com" userId="9e959774152c46d2" providerId="LiveId" clId="{C7E98DBB-FD54-4B8D-94D4-41A506DEFA8B}" dt="2023-08-25T08:45:54.393" v="4819" actId="1076"/>
           <ac:graphicFrameMkLst>
             <pc:docMk/>
             <pc:sldMk cId="2583540696" sldId="272"/>
@@ -1185,7 +1185,7 @@
         </pc:graphicFrameChg>
       </pc:sldChg>
       <pc:sldChg chg="addSp delSp modSp add mod ord">
-        <pc:chgData name="alessia.pontiggia01@gmail.com" userId="9e959774152c46d2" providerId="LiveId" clId="{C7E98DBB-FD54-4B8D-94D4-41A506DEFA8B}" dt="2023-08-24T16:11:52.152" v="3753"/>
+        <pc:chgData name="alessia.pontiggia01@gmail.com" userId="9e959774152c46d2" providerId="LiveId" clId="{C7E98DBB-FD54-4B8D-94D4-41A506DEFA8B}" dt="2023-08-25T07:58:00.273" v="4687" actId="113"/>
         <pc:sldMkLst>
           <pc:docMk/>
           <pc:sldMk cId="3454410776" sldId="273"/>
@@ -1207,7 +1207,7 @@
           </ac:spMkLst>
         </pc:spChg>
         <pc:spChg chg="mod">
-          <ac:chgData name="alessia.pontiggia01@gmail.com" userId="9e959774152c46d2" providerId="LiveId" clId="{C7E98DBB-FD54-4B8D-94D4-41A506DEFA8B}" dt="2023-08-24T16:11:52.152" v="3753"/>
+          <ac:chgData name="alessia.pontiggia01@gmail.com" userId="9e959774152c46d2" providerId="LiveId" clId="{C7E98DBB-FD54-4B8D-94D4-41A506DEFA8B}" dt="2023-08-25T07:58:00.273" v="4687" actId="113"/>
           <ac:spMkLst>
             <pc:docMk/>
             <pc:sldMk cId="3454410776" sldId="273"/>
@@ -1288,7 +1288,7 @@
         </pc:picChg>
       </pc:sldChg>
       <pc:sldChg chg="addSp delSp modSp add mod ord">
-        <pc:chgData name="alessia.pontiggia01@gmail.com" userId="9e959774152c46d2" providerId="LiveId" clId="{C7E98DBB-FD54-4B8D-94D4-41A506DEFA8B}" dt="2023-08-24T16:13:25.946" v="3757" actId="20577"/>
+        <pc:chgData name="alessia.pontiggia01@gmail.com" userId="9e959774152c46d2" providerId="LiveId" clId="{C7E98DBB-FD54-4B8D-94D4-41A506DEFA8B}" dt="2023-08-25T08:42:19.576" v="4704" actId="5793"/>
         <pc:sldMkLst>
           <pc:docMk/>
           <pc:sldMk cId="1331745789" sldId="274"/>
@@ -1302,7 +1302,7 @@
           </ac:spMkLst>
         </pc:spChg>
         <pc:spChg chg="mod">
-          <ac:chgData name="alessia.pontiggia01@gmail.com" userId="9e959774152c46d2" providerId="LiveId" clId="{C7E98DBB-FD54-4B8D-94D4-41A506DEFA8B}" dt="2023-08-24T16:13:25.946" v="3757" actId="20577"/>
+          <ac:chgData name="alessia.pontiggia01@gmail.com" userId="9e959774152c46d2" providerId="LiveId" clId="{C7E98DBB-FD54-4B8D-94D4-41A506DEFA8B}" dt="2023-08-25T08:42:19.576" v="4704" actId="5793"/>
           <ac:spMkLst>
             <pc:docMk/>
             <pc:sldMk cId="1331745789" sldId="274"/>
@@ -1414,7 +1414,7 @@
         </pc:picChg>
       </pc:sldChg>
       <pc:sldChg chg="addSp delSp modSp new mod setBg">
-        <pc:chgData name="alessia.pontiggia01@gmail.com" userId="9e959774152c46d2" providerId="LiveId" clId="{C7E98DBB-FD54-4B8D-94D4-41A506DEFA8B}" dt="2023-08-24T19:40:40.634" v="4170" actId="26606"/>
+        <pc:chgData name="alessia.pontiggia01@gmail.com" userId="9e959774152c46d2" providerId="LiveId" clId="{C7E98DBB-FD54-4B8D-94D4-41A506DEFA8B}" dt="2023-08-25T08:17:05.742" v="4697" actId="12269"/>
         <pc:sldMkLst>
           <pc:docMk/>
           <pc:sldMk cId="729707862" sldId="276"/>
@@ -1428,7 +1428,7 @@
           </ac:spMkLst>
         </pc:spChg>
         <pc:spChg chg="add del mod">
-          <ac:chgData name="alessia.pontiggia01@gmail.com" userId="9e959774152c46d2" providerId="LiveId" clId="{C7E98DBB-FD54-4B8D-94D4-41A506DEFA8B}" dt="2023-08-24T19:40:40.634" v="4170" actId="26606"/>
+          <ac:chgData name="alessia.pontiggia01@gmail.com" userId="9e959774152c46d2" providerId="LiveId" clId="{C7E98DBB-FD54-4B8D-94D4-41A506DEFA8B}" dt="2023-08-25T08:09:57.286" v="4695" actId="26606"/>
           <ac:spMkLst>
             <pc:docMk/>
             <pc:sldMk cId="729707862" sldId="276"/>
@@ -1443,8 +1443,8 @@
             <ac:spMk id="4" creationId="{256747FC-4E30-62AE-D2BB-97D2478E45B0}"/>
           </ac:spMkLst>
         </pc:spChg>
-        <pc:spChg chg="add mod">
-          <ac:chgData name="alessia.pontiggia01@gmail.com" userId="9e959774152c46d2" providerId="LiveId" clId="{C7E98DBB-FD54-4B8D-94D4-41A506DEFA8B}" dt="2023-08-24T19:40:40.634" v="4170" actId="26606"/>
+        <pc:spChg chg="add del mod">
+          <ac:chgData name="alessia.pontiggia01@gmail.com" userId="9e959774152c46d2" providerId="LiveId" clId="{C7E98DBB-FD54-4B8D-94D4-41A506DEFA8B}" dt="2023-08-25T08:09:40.651" v="4694" actId="21"/>
           <ac:spMkLst>
             <pc:docMk/>
             <pc:sldMk cId="729707862" sldId="276"/>
@@ -1523,6 +1523,14 @@
             <ac:grpSpMk id="21" creationId="{C07D05FE-3FB8-4314-A050-9AB40814D714}"/>
           </ac:grpSpMkLst>
         </pc:grpChg>
+        <pc:graphicFrameChg chg="add mod">
+          <ac:chgData name="alessia.pontiggia01@gmail.com" userId="9e959774152c46d2" providerId="LiveId" clId="{C7E98DBB-FD54-4B8D-94D4-41A506DEFA8B}" dt="2023-08-25T08:17:05.742" v="4697" actId="12269"/>
+          <ac:graphicFrameMkLst>
+            <pc:docMk/>
+            <pc:sldMk cId="729707862" sldId="276"/>
+            <ac:graphicFrameMk id="6" creationId="{F51D83C8-60E9-C2E0-8C88-D305F48BAD5B}"/>
+          </ac:graphicFrameMkLst>
+        </pc:graphicFrameChg>
         <pc:graphicFrameChg chg="add del">
           <ac:chgData name="alessia.pontiggia01@gmail.com" userId="9e959774152c46d2" providerId="LiveId" clId="{C7E98DBB-FD54-4B8D-94D4-41A506DEFA8B}" dt="2023-08-24T19:40:23.780" v="4168" actId="26606"/>
           <ac:graphicFrameMkLst>
@@ -1616,6 +1624,3522 @@
 </pc:chgInfo>
 </file>
 
+<file path=ppt/diagrams/colors1.xml><?xml version="1.0" encoding="utf-8"?>
+<dgm:colorsDef xmlns:dgm="http://schemas.openxmlformats.org/drawingml/2006/diagram" xmlns:a="http://schemas.openxmlformats.org/drawingml/2006/main" uniqueId="urn:microsoft.com/office/officeart/2005/8/colors/accent1_2">
+  <dgm:title val=""/>
+  <dgm:desc val=""/>
+  <dgm:catLst>
+    <dgm:cat type="accent1" pri="11200"/>
+  </dgm:catLst>
+  <dgm:styleLbl name="node0">
+    <dgm:fillClrLst meth="repeat">
+      <a:schemeClr val="accent1"/>
+    </dgm:fillClrLst>
+    <dgm:linClrLst meth="repeat">
+      <a:schemeClr val="lt1"/>
+    </dgm:linClrLst>
+    <dgm:effectClrLst/>
+    <dgm:txLinClrLst/>
+    <dgm:txFillClrLst/>
+    <dgm:txEffectClrLst/>
+  </dgm:styleLbl>
+  <dgm:styleLbl name="alignNode1">
+    <dgm:fillClrLst meth="repeat">
+      <a:schemeClr val="accent1"/>
+    </dgm:fillClrLst>
+    <dgm:linClrLst meth="repeat">
+      <a:schemeClr val="accent1"/>
+    </dgm:linClrLst>
+    <dgm:effectClrLst/>
+    <dgm:txLinClrLst/>
+    <dgm:txFillClrLst/>
+    <dgm:txEffectClrLst/>
+  </dgm:styleLbl>
+  <dgm:styleLbl name="node1">
+    <dgm:fillClrLst meth="repeat">
+      <a:schemeClr val="accent1"/>
+    </dgm:fillClrLst>
+    <dgm:linClrLst meth="repeat">
+      <a:schemeClr val="lt1"/>
+    </dgm:linClrLst>
+    <dgm:effectClrLst/>
+    <dgm:txLinClrLst/>
+    <dgm:txFillClrLst/>
+    <dgm:txEffectClrLst/>
+  </dgm:styleLbl>
+  <dgm:styleLbl name="lnNode1">
+    <dgm:fillClrLst meth="repeat">
+      <a:schemeClr val="accent1"/>
+    </dgm:fillClrLst>
+    <dgm:linClrLst meth="repeat">
+      <a:schemeClr val="lt1"/>
+    </dgm:linClrLst>
+    <dgm:effectClrLst/>
+    <dgm:txLinClrLst/>
+    <dgm:txFillClrLst/>
+    <dgm:txEffectClrLst/>
+  </dgm:styleLbl>
+  <dgm:styleLbl name="vennNode1">
+    <dgm:fillClrLst meth="repeat">
+      <a:schemeClr val="accent1">
+        <a:alpha val="50000"/>
+      </a:schemeClr>
+    </dgm:fillClrLst>
+    <dgm:linClrLst meth="repeat">
+      <a:schemeClr val="lt1"/>
+    </dgm:linClrLst>
+    <dgm:effectClrLst/>
+    <dgm:txLinClrLst/>
+    <dgm:txFillClrLst/>
+    <dgm:txEffectClrLst/>
+  </dgm:styleLbl>
+  <dgm:styleLbl name="node2">
+    <dgm:fillClrLst meth="repeat">
+      <a:schemeClr val="accent1"/>
+    </dgm:fillClrLst>
+    <dgm:linClrLst meth="repeat">
+      <a:schemeClr val="lt1"/>
+    </dgm:linClrLst>
+    <dgm:effectClrLst/>
+    <dgm:txLinClrLst/>
+    <dgm:txFillClrLst/>
+    <dgm:txEffectClrLst/>
+  </dgm:styleLbl>
+  <dgm:styleLbl name="node3">
+    <dgm:fillClrLst meth="repeat">
+      <a:schemeClr val="accent1"/>
+    </dgm:fillClrLst>
+    <dgm:linClrLst meth="repeat">
+      <a:schemeClr val="lt1"/>
+    </dgm:linClrLst>
+    <dgm:effectClrLst/>
+    <dgm:txLinClrLst/>
+    <dgm:txFillClrLst/>
+    <dgm:txEffectClrLst/>
+  </dgm:styleLbl>
+  <dgm:styleLbl name="node4">
+    <dgm:fillClrLst meth="repeat">
+      <a:schemeClr val="accent1"/>
+    </dgm:fillClrLst>
+    <dgm:linClrLst meth="repeat">
+      <a:schemeClr val="lt1"/>
+    </dgm:linClrLst>
+    <dgm:effectClrLst/>
+    <dgm:txLinClrLst/>
+    <dgm:txFillClrLst/>
+    <dgm:txEffectClrLst/>
+  </dgm:styleLbl>
+  <dgm:styleLbl name="fgImgPlace1">
+    <dgm:fillClrLst meth="repeat">
+      <a:schemeClr val="accent1">
+        <a:tint val="50000"/>
+      </a:schemeClr>
+    </dgm:fillClrLst>
+    <dgm:linClrLst meth="repeat">
+      <a:schemeClr val="lt1"/>
+    </dgm:linClrLst>
+    <dgm:effectClrLst/>
+    <dgm:txLinClrLst/>
+    <dgm:txFillClrLst meth="repeat">
+      <a:schemeClr val="lt1"/>
+    </dgm:txFillClrLst>
+    <dgm:txEffectClrLst/>
+  </dgm:styleLbl>
+  <dgm:styleLbl name="alignImgPlace1">
+    <dgm:fillClrLst meth="repeat">
+      <a:schemeClr val="accent1">
+        <a:tint val="50000"/>
+      </a:schemeClr>
+    </dgm:fillClrLst>
+    <dgm:linClrLst meth="repeat">
+      <a:schemeClr val="lt1"/>
+    </dgm:linClrLst>
+    <dgm:effectClrLst/>
+    <dgm:txLinClrLst/>
+    <dgm:txFillClrLst meth="repeat">
+      <a:schemeClr val="lt1"/>
+    </dgm:txFillClrLst>
+    <dgm:txEffectClrLst/>
+  </dgm:styleLbl>
+  <dgm:styleLbl name="bgImgPlace1">
+    <dgm:fillClrLst meth="repeat">
+      <a:schemeClr val="accent1">
+        <a:tint val="50000"/>
+      </a:schemeClr>
+    </dgm:fillClrLst>
+    <dgm:linClrLst meth="repeat">
+      <a:schemeClr val="lt1"/>
+    </dgm:linClrLst>
+    <dgm:effectClrLst/>
+    <dgm:txLinClrLst/>
+    <dgm:txFillClrLst meth="repeat">
+      <a:schemeClr val="lt1"/>
+    </dgm:txFillClrLst>
+    <dgm:txEffectClrLst/>
+  </dgm:styleLbl>
+  <dgm:styleLbl name="sibTrans2D1">
+    <dgm:fillClrLst meth="repeat">
+      <a:schemeClr val="accent1">
+        <a:tint val="60000"/>
+      </a:schemeClr>
+    </dgm:fillClrLst>
+    <dgm:linClrLst meth="repeat">
+      <a:schemeClr val="accent1">
+        <a:tint val="60000"/>
+      </a:schemeClr>
+    </dgm:linClrLst>
+    <dgm:effectClrLst/>
+    <dgm:txLinClrLst/>
+    <dgm:txFillClrLst/>
+    <dgm:txEffectClrLst/>
+  </dgm:styleLbl>
+  <dgm:styleLbl name="fgSibTrans2D1">
+    <dgm:fillClrLst meth="repeat">
+      <a:schemeClr val="accent1">
+        <a:tint val="60000"/>
+      </a:schemeClr>
+    </dgm:fillClrLst>
+    <dgm:linClrLst meth="repeat">
+      <a:schemeClr val="accent1">
+        <a:tint val="60000"/>
+      </a:schemeClr>
+    </dgm:linClrLst>
+    <dgm:effectClrLst/>
+    <dgm:txLinClrLst/>
+    <dgm:txFillClrLst/>
+    <dgm:txEffectClrLst/>
+  </dgm:styleLbl>
+  <dgm:styleLbl name="bgSibTrans2D1">
+    <dgm:fillClrLst meth="repeat">
+      <a:schemeClr val="accent1">
+        <a:tint val="60000"/>
+      </a:schemeClr>
+    </dgm:fillClrLst>
+    <dgm:linClrLst meth="repeat">
+      <a:schemeClr val="accent1">
+        <a:tint val="60000"/>
+      </a:schemeClr>
+    </dgm:linClrLst>
+    <dgm:effectClrLst/>
+    <dgm:txLinClrLst/>
+    <dgm:txFillClrLst/>
+    <dgm:txEffectClrLst/>
+  </dgm:styleLbl>
+  <dgm:styleLbl name="sibTrans1D1">
+    <dgm:fillClrLst meth="repeat">
+      <a:schemeClr val="accent1"/>
+    </dgm:fillClrLst>
+    <dgm:linClrLst meth="repeat">
+      <a:schemeClr val="accent1"/>
+    </dgm:linClrLst>
+    <dgm:effectClrLst/>
+    <dgm:txLinClrLst/>
+    <dgm:txFillClrLst meth="repeat">
+      <a:schemeClr val="tx1"/>
+    </dgm:txFillClrLst>
+    <dgm:txEffectClrLst/>
+  </dgm:styleLbl>
+  <dgm:styleLbl name="callout">
+    <dgm:fillClrLst meth="repeat">
+      <a:schemeClr val="accent1"/>
+    </dgm:fillClrLst>
+    <dgm:linClrLst meth="repeat">
+      <a:schemeClr val="accent1">
+        <a:tint val="50000"/>
+      </a:schemeClr>
+    </dgm:linClrLst>
+    <dgm:effectClrLst/>
+    <dgm:txLinClrLst/>
+    <dgm:txFillClrLst meth="repeat">
+      <a:schemeClr val="tx1"/>
+    </dgm:txFillClrLst>
+    <dgm:txEffectClrLst/>
+  </dgm:styleLbl>
+  <dgm:styleLbl name="asst0">
+    <dgm:fillClrLst meth="repeat">
+      <a:schemeClr val="accent1"/>
+    </dgm:fillClrLst>
+    <dgm:linClrLst meth="repeat">
+      <a:schemeClr val="lt1"/>
+    </dgm:linClrLst>
+    <dgm:effectClrLst/>
+    <dgm:txLinClrLst/>
+    <dgm:txFillClrLst/>
+    <dgm:txEffectClrLst/>
+  </dgm:styleLbl>
+  <dgm:styleLbl name="asst1">
+    <dgm:fillClrLst meth="repeat">
+      <a:schemeClr val="accent1"/>
+    </dgm:fillClrLst>
+    <dgm:linClrLst meth="repeat">
+      <a:schemeClr val="lt1"/>
+    </dgm:linClrLst>
+    <dgm:effectClrLst/>
+    <dgm:txLinClrLst/>
+    <dgm:txFillClrLst/>
+    <dgm:txEffectClrLst/>
+  </dgm:styleLbl>
+  <dgm:styleLbl name="asst2">
+    <dgm:fillClrLst meth="repeat">
+      <a:schemeClr val="accent1"/>
+    </dgm:fillClrLst>
+    <dgm:linClrLst meth="repeat">
+      <a:schemeClr val="lt1"/>
+    </dgm:linClrLst>
+    <dgm:effectClrLst/>
+    <dgm:txLinClrLst/>
+    <dgm:txFillClrLst/>
+    <dgm:txEffectClrLst/>
+  </dgm:styleLbl>
+  <dgm:styleLbl name="asst3">
+    <dgm:fillClrLst meth="repeat">
+      <a:schemeClr val="accent1"/>
+    </dgm:fillClrLst>
+    <dgm:linClrLst meth="repeat">
+      <a:schemeClr val="lt1"/>
+    </dgm:linClrLst>
+    <dgm:effectClrLst/>
+    <dgm:txLinClrLst/>
+    <dgm:txFillClrLst/>
+    <dgm:txEffectClrLst/>
+  </dgm:styleLbl>
+  <dgm:styleLbl name="asst4">
+    <dgm:fillClrLst meth="repeat">
+      <a:schemeClr val="accent1"/>
+    </dgm:fillClrLst>
+    <dgm:linClrLst meth="repeat">
+      <a:schemeClr val="lt1"/>
+    </dgm:linClrLst>
+    <dgm:effectClrLst/>
+    <dgm:txLinClrLst/>
+    <dgm:txFillClrLst/>
+    <dgm:txEffectClrLst/>
+  </dgm:styleLbl>
+  <dgm:styleLbl name="parChTrans2D1">
+    <dgm:fillClrLst meth="repeat">
+      <a:schemeClr val="accent1">
+        <a:tint val="60000"/>
+      </a:schemeClr>
+    </dgm:fillClrLst>
+    <dgm:linClrLst meth="repeat">
+      <a:schemeClr val="accent1">
+        <a:tint val="60000"/>
+      </a:schemeClr>
+    </dgm:linClrLst>
+    <dgm:effectClrLst/>
+    <dgm:txLinClrLst/>
+    <dgm:txFillClrLst meth="repeat">
+      <a:schemeClr val="lt1"/>
+    </dgm:txFillClrLst>
+    <dgm:txEffectClrLst/>
+  </dgm:styleLbl>
+  <dgm:styleLbl name="parChTrans2D2">
+    <dgm:fillClrLst meth="repeat">
+      <a:schemeClr val="accent1"/>
+    </dgm:fillClrLst>
+    <dgm:linClrLst meth="repeat">
+      <a:schemeClr val="accent1"/>
+    </dgm:linClrLst>
+    <dgm:effectClrLst/>
+    <dgm:txLinClrLst/>
+    <dgm:txFillClrLst meth="repeat">
+      <a:schemeClr val="lt1"/>
+    </dgm:txFillClrLst>
+    <dgm:txEffectClrLst/>
+  </dgm:styleLbl>
+  <dgm:styleLbl name="parChTrans2D3">
+    <dgm:fillClrLst meth="repeat">
+      <a:schemeClr val="accent1"/>
+    </dgm:fillClrLst>
+    <dgm:linClrLst meth="repeat">
+      <a:schemeClr val="accent1"/>
+    </dgm:linClrLst>
+    <dgm:effectClrLst/>
+    <dgm:txLinClrLst/>
+    <dgm:txFillClrLst meth="repeat">
+      <a:schemeClr val="lt1"/>
+    </dgm:txFillClrLst>
+    <dgm:txEffectClrLst/>
+  </dgm:styleLbl>
+  <dgm:styleLbl name="parChTrans2D4">
+    <dgm:fillClrLst meth="repeat">
+      <a:schemeClr val="accent1"/>
+    </dgm:fillClrLst>
+    <dgm:linClrLst meth="repeat">
+      <a:schemeClr val="accent1"/>
+    </dgm:linClrLst>
+    <dgm:effectClrLst/>
+    <dgm:txLinClrLst/>
+    <dgm:txFillClrLst meth="repeat">
+      <a:schemeClr val="lt1"/>
+    </dgm:txFillClrLst>
+    <dgm:txEffectClrLst/>
+  </dgm:styleLbl>
+  <dgm:styleLbl name="parChTrans1D1">
+    <dgm:fillClrLst meth="repeat">
+      <a:schemeClr val="accent1"/>
+    </dgm:fillClrLst>
+    <dgm:linClrLst meth="repeat">
+      <a:schemeClr val="accent1">
+        <a:shade val="60000"/>
+      </a:schemeClr>
+    </dgm:linClrLst>
+    <dgm:effectClrLst/>
+    <dgm:txLinClrLst/>
+    <dgm:txFillClrLst meth="repeat">
+      <a:schemeClr val="tx1"/>
+    </dgm:txFillClrLst>
+    <dgm:txEffectClrLst/>
+  </dgm:styleLbl>
+  <dgm:styleLbl name="parChTrans1D2">
+    <dgm:fillClrLst meth="repeat">
+      <a:schemeClr val="accent1"/>
+    </dgm:fillClrLst>
+    <dgm:linClrLst meth="repeat">
+      <a:schemeClr val="accent1">
+        <a:shade val="60000"/>
+      </a:schemeClr>
+    </dgm:linClrLst>
+    <dgm:effectClrLst/>
+    <dgm:txLinClrLst/>
+    <dgm:txFillClrLst meth="repeat">
+      <a:schemeClr val="tx1"/>
+    </dgm:txFillClrLst>
+    <dgm:txEffectClrLst/>
+  </dgm:styleLbl>
+  <dgm:styleLbl name="parChTrans1D3">
+    <dgm:fillClrLst meth="repeat">
+      <a:schemeClr val="accent1"/>
+    </dgm:fillClrLst>
+    <dgm:linClrLst meth="repeat">
+      <a:schemeClr val="accent1">
+        <a:shade val="80000"/>
+      </a:schemeClr>
+    </dgm:linClrLst>
+    <dgm:effectClrLst/>
+    <dgm:txLinClrLst/>
+    <dgm:txFillClrLst meth="repeat">
+      <a:schemeClr val="tx1"/>
+    </dgm:txFillClrLst>
+    <dgm:txEffectClrLst/>
+  </dgm:styleLbl>
+  <dgm:styleLbl name="parChTrans1D4">
+    <dgm:fillClrLst meth="repeat">
+      <a:schemeClr val="accent1"/>
+    </dgm:fillClrLst>
+    <dgm:linClrLst meth="repeat">
+      <a:schemeClr val="accent1">
+        <a:shade val="80000"/>
+      </a:schemeClr>
+    </dgm:linClrLst>
+    <dgm:effectClrLst/>
+    <dgm:txLinClrLst/>
+    <dgm:txFillClrLst meth="repeat">
+      <a:schemeClr val="tx1"/>
+    </dgm:txFillClrLst>
+    <dgm:txEffectClrLst/>
+  </dgm:styleLbl>
+  <dgm:styleLbl name="fgAcc1">
+    <dgm:fillClrLst meth="repeat">
+      <a:schemeClr val="lt1">
+        <a:alpha val="90000"/>
+      </a:schemeClr>
+    </dgm:fillClrLst>
+    <dgm:linClrLst meth="repeat">
+      <a:schemeClr val="accent1"/>
+    </dgm:linClrLst>
+    <dgm:effectClrLst/>
+    <dgm:txLinClrLst/>
+    <dgm:txFillClrLst meth="repeat">
+      <a:schemeClr val="dk1"/>
+    </dgm:txFillClrLst>
+    <dgm:txEffectClrLst/>
+  </dgm:styleLbl>
+  <dgm:styleLbl name="conFgAcc1">
+    <dgm:fillClrLst meth="repeat">
+      <a:schemeClr val="lt1">
+        <a:alpha val="90000"/>
+      </a:schemeClr>
+    </dgm:fillClrLst>
+    <dgm:linClrLst meth="repeat">
+      <a:schemeClr val="accent1"/>
+    </dgm:linClrLst>
+    <dgm:effectClrLst/>
+    <dgm:txLinClrLst/>
+    <dgm:txFillClrLst meth="repeat">
+      <a:schemeClr val="dk1"/>
+    </dgm:txFillClrLst>
+    <dgm:txEffectClrLst/>
+  </dgm:styleLbl>
+  <dgm:styleLbl name="alignAcc1">
+    <dgm:fillClrLst meth="repeat">
+      <a:schemeClr val="lt1">
+        <a:alpha val="90000"/>
+      </a:schemeClr>
+    </dgm:fillClrLst>
+    <dgm:linClrLst meth="repeat">
+      <a:schemeClr val="accent1"/>
+    </dgm:linClrLst>
+    <dgm:effectClrLst/>
+    <dgm:txLinClrLst/>
+    <dgm:txFillClrLst meth="repeat">
+      <a:schemeClr val="dk1"/>
+    </dgm:txFillClrLst>
+    <dgm:txEffectClrLst/>
+  </dgm:styleLbl>
+  <dgm:styleLbl name="trAlignAcc1">
+    <dgm:fillClrLst meth="repeat">
+      <a:schemeClr val="lt1">
+        <a:alpha val="40000"/>
+      </a:schemeClr>
+    </dgm:fillClrLst>
+    <dgm:linClrLst meth="repeat">
+      <a:schemeClr val="accent1"/>
+    </dgm:linClrLst>
+    <dgm:effectClrLst/>
+    <dgm:txLinClrLst/>
+    <dgm:txFillClrLst meth="repeat">
+      <a:schemeClr val="dk1"/>
+    </dgm:txFillClrLst>
+    <dgm:txEffectClrLst/>
+  </dgm:styleLbl>
+  <dgm:styleLbl name="bgAcc1">
+    <dgm:fillClrLst meth="repeat">
+      <a:schemeClr val="lt1">
+        <a:alpha val="90000"/>
+      </a:schemeClr>
+    </dgm:fillClrLst>
+    <dgm:linClrLst meth="repeat">
+      <a:schemeClr val="accent1"/>
+    </dgm:linClrLst>
+    <dgm:effectClrLst/>
+    <dgm:txLinClrLst/>
+    <dgm:txFillClrLst meth="repeat">
+      <a:schemeClr val="dk1"/>
+    </dgm:txFillClrLst>
+    <dgm:txEffectClrLst/>
+  </dgm:styleLbl>
+  <dgm:styleLbl name="solidFgAcc1">
+    <dgm:fillClrLst meth="repeat">
+      <a:schemeClr val="lt1"/>
+    </dgm:fillClrLst>
+    <dgm:linClrLst meth="repeat">
+      <a:schemeClr val="accent1"/>
+    </dgm:linClrLst>
+    <dgm:effectClrLst/>
+    <dgm:txLinClrLst/>
+    <dgm:txFillClrLst meth="repeat">
+      <a:schemeClr val="dk1"/>
+    </dgm:txFillClrLst>
+    <dgm:txEffectClrLst/>
+  </dgm:styleLbl>
+  <dgm:styleLbl name="solidAlignAcc1">
+    <dgm:fillClrLst meth="repeat">
+      <a:schemeClr val="lt1"/>
+    </dgm:fillClrLst>
+    <dgm:linClrLst meth="repeat">
+      <a:schemeClr val="accent1"/>
+    </dgm:linClrLst>
+    <dgm:effectClrLst/>
+    <dgm:txLinClrLst/>
+    <dgm:txFillClrLst meth="repeat">
+      <a:schemeClr val="dk1"/>
+    </dgm:txFillClrLst>
+    <dgm:txEffectClrLst/>
+  </dgm:styleLbl>
+  <dgm:styleLbl name="solidBgAcc1">
+    <dgm:fillClrLst meth="repeat">
+      <a:schemeClr val="lt1"/>
+    </dgm:fillClrLst>
+    <dgm:linClrLst meth="repeat">
+      <a:schemeClr val="accent1"/>
+    </dgm:linClrLst>
+    <dgm:effectClrLst/>
+    <dgm:txLinClrLst/>
+    <dgm:txFillClrLst meth="repeat">
+      <a:schemeClr val="dk1"/>
+    </dgm:txFillClrLst>
+    <dgm:txEffectClrLst/>
+  </dgm:styleLbl>
+  <dgm:styleLbl name="fgAccFollowNode1">
+    <dgm:fillClrLst meth="repeat">
+      <a:schemeClr val="accent1">
+        <a:alpha val="90000"/>
+        <a:tint val="40000"/>
+      </a:schemeClr>
+    </dgm:fillClrLst>
+    <dgm:linClrLst meth="repeat">
+      <a:schemeClr val="accent1">
+        <a:alpha val="90000"/>
+        <a:tint val="40000"/>
+      </a:schemeClr>
+    </dgm:linClrLst>
+    <dgm:effectClrLst/>
+    <dgm:txLinClrLst/>
+    <dgm:txFillClrLst meth="repeat">
+      <a:schemeClr val="dk1"/>
+    </dgm:txFillClrLst>
+    <dgm:txEffectClrLst/>
+  </dgm:styleLbl>
+  <dgm:styleLbl name="alignAccFollowNode1">
+    <dgm:fillClrLst meth="repeat">
+      <a:schemeClr val="accent1">
+        <a:alpha val="90000"/>
+        <a:tint val="40000"/>
+      </a:schemeClr>
+    </dgm:fillClrLst>
+    <dgm:linClrLst meth="repeat">
+      <a:schemeClr val="accent1">
+        <a:alpha val="90000"/>
+        <a:tint val="40000"/>
+      </a:schemeClr>
+    </dgm:linClrLst>
+    <dgm:effectClrLst/>
+    <dgm:txLinClrLst/>
+    <dgm:txFillClrLst meth="repeat">
+      <a:schemeClr val="dk1"/>
+    </dgm:txFillClrLst>
+    <dgm:txEffectClrLst/>
+  </dgm:styleLbl>
+  <dgm:styleLbl name="bgAccFollowNode1">
+    <dgm:fillClrLst meth="repeat">
+      <a:schemeClr val="accent1">
+        <a:alpha val="90000"/>
+        <a:tint val="40000"/>
+      </a:schemeClr>
+    </dgm:fillClrLst>
+    <dgm:linClrLst meth="repeat">
+      <a:schemeClr val="accent1">
+        <a:alpha val="90000"/>
+        <a:tint val="40000"/>
+      </a:schemeClr>
+    </dgm:linClrLst>
+    <dgm:effectClrLst/>
+    <dgm:txLinClrLst/>
+    <dgm:txFillClrLst meth="repeat">
+      <a:schemeClr val="dk1"/>
+    </dgm:txFillClrLst>
+    <dgm:txEffectClrLst/>
+  </dgm:styleLbl>
+  <dgm:styleLbl name="fgAcc0">
+    <dgm:fillClrLst meth="repeat">
+      <a:schemeClr val="lt1">
+        <a:alpha val="90000"/>
+      </a:schemeClr>
+    </dgm:fillClrLst>
+    <dgm:linClrLst meth="repeat">
+      <a:schemeClr val="accent1"/>
+    </dgm:linClrLst>
+    <dgm:effectClrLst/>
+    <dgm:txLinClrLst/>
+    <dgm:txFillClrLst meth="repeat">
+      <a:schemeClr val="dk1"/>
+    </dgm:txFillClrLst>
+    <dgm:txEffectClrLst/>
+  </dgm:styleLbl>
+  <dgm:styleLbl name="fgAcc2">
+    <dgm:fillClrLst meth="repeat">
+      <a:schemeClr val="lt1">
+        <a:alpha val="90000"/>
+      </a:schemeClr>
+    </dgm:fillClrLst>
+    <dgm:linClrLst meth="repeat">
+      <a:schemeClr val="accent1"/>
+    </dgm:linClrLst>
+    <dgm:effectClrLst/>
+    <dgm:txLinClrLst/>
+    <dgm:txFillClrLst meth="repeat">
+      <a:schemeClr val="dk1"/>
+    </dgm:txFillClrLst>
+    <dgm:txEffectClrLst/>
+  </dgm:styleLbl>
+  <dgm:styleLbl name="fgAcc3">
+    <dgm:fillClrLst meth="repeat">
+      <a:schemeClr val="lt1">
+        <a:alpha val="90000"/>
+      </a:schemeClr>
+    </dgm:fillClrLst>
+    <dgm:linClrLst meth="repeat">
+      <a:schemeClr val="accent1"/>
+    </dgm:linClrLst>
+    <dgm:effectClrLst/>
+    <dgm:txLinClrLst/>
+    <dgm:txFillClrLst meth="repeat">
+      <a:schemeClr val="dk1"/>
+    </dgm:txFillClrLst>
+    <dgm:txEffectClrLst/>
+  </dgm:styleLbl>
+  <dgm:styleLbl name="fgAcc4">
+    <dgm:fillClrLst meth="repeat">
+      <a:schemeClr val="lt1">
+        <a:alpha val="90000"/>
+      </a:schemeClr>
+    </dgm:fillClrLst>
+    <dgm:linClrLst meth="repeat">
+      <a:schemeClr val="accent1"/>
+    </dgm:linClrLst>
+    <dgm:effectClrLst/>
+    <dgm:txLinClrLst/>
+    <dgm:txFillClrLst meth="repeat">
+      <a:schemeClr val="dk1"/>
+    </dgm:txFillClrLst>
+    <dgm:txEffectClrLst/>
+  </dgm:styleLbl>
+  <dgm:styleLbl name="bgShp">
+    <dgm:fillClrLst meth="repeat">
+      <a:schemeClr val="accent1">
+        <a:tint val="40000"/>
+      </a:schemeClr>
+    </dgm:fillClrLst>
+    <dgm:linClrLst meth="repeat">
+      <a:schemeClr val="accent1"/>
+    </dgm:linClrLst>
+    <dgm:effectClrLst/>
+    <dgm:txLinClrLst/>
+    <dgm:txFillClrLst meth="repeat">
+      <a:schemeClr val="dk1"/>
+    </dgm:txFillClrLst>
+    <dgm:txEffectClrLst/>
+  </dgm:styleLbl>
+  <dgm:styleLbl name="dkBgShp">
+    <dgm:fillClrLst meth="repeat">
+      <a:schemeClr val="accent1">
+        <a:shade val="80000"/>
+      </a:schemeClr>
+    </dgm:fillClrLst>
+    <dgm:linClrLst meth="repeat">
+      <a:schemeClr val="accent1"/>
+    </dgm:linClrLst>
+    <dgm:effectClrLst/>
+    <dgm:txLinClrLst/>
+    <dgm:txFillClrLst meth="repeat">
+      <a:schemeClr val="lt1"/>
+    </dgm:txFillClrLst>
+    <dgm:txEffectClrLst/>
+  </dgm:styleLbl>
+  <dgm:styleLbl name="trBgShp">
+    <dgm:fillClrLst meth="repeat">
+      <a:schemeClr val="accent1">
+        <a:tint val="50000"/>
+        <a:alpha val="40000"/>
+      </a:schemeClr>
+    </dgm:fillClrLst>
+    <dgm:linClrLst meth="repeat">
+      <a:schemeClr val="accent1"/>
+    </dgm:linClrLst>
+    <dgm:effectClrLst/>
+    <dgm:txLinClrLst/>
+    <dgm:txFillClrLst meth="repeat">
+      <a:schemeClr val="lt1"/>
+    </dgm:txFillClrLst>
+    <dgm:txEffectClrLst/>
+  </dgm:styleLbl>
+  <dgm:styleLbl name="fgShp">
+    <dgm:fillClrLst meth="repeat">
+      <a:schemeClr val="accent1">
+        <a:tint val="60000"/>
+      </a:schemeClr>
+    </dgm:fillClrLst>
+    <dgm:linClrLst meth="repeat">
+      <a:schemeClr val="lt1"/>
+    </dgm:linClrLst>
+    <dgm:effectClrLst/>
+    <dgm:txLinClrLst/>
+    <dgm:txFillClrLst meth="repeat">
+      <a:schemeClr val="dk1"/>
+    </dgm:txFillClrLst>
+    <dgm:txEffectClrLst/>
+  </dgm:styleLbl>
+  <dgm:styleLbl name="revTx">
+    <dgm:fillClrLst meth="repeat">
+      <a:schemeClr val="lt1">
+        <a:alpha val="0"/>
+      </a:schemeClr>
+    </dgm:fillClrLst>
+    <dgm:linClrLst meth="repeat">
+      <a:schemeClr val="dk1">
+        <a:alpha val="0"/>
+      </a:schemeClr>
+    </dgm:linClrLst>
+    <dgm:effectClrLst/>
+    <dgm:txLinClrLst/>
+    <dgm:txFillClrLst meth="repeat">
+      <a:schemeClr val="tx1"/>
+    </dgm:txFillClrLst>
+    <dgm:txEffectClrLst/>
+  </dgm:styleLbl>
+</dgm:colorsDef>
+</file>
+
+<file path=ppt/diagrams/data1.xml><?xml version="1.0" encoding="utf-8"?>
+<dgm:dataModel xmlns:dgm="http://schemas.openxmlformats.org/drawingml/2006/diagram" xmlns:a="http://schemas.openxmlformats.org/drawingml/2006/main">
+  <dgm:ptLst>
+    <dgm:pt modelId="{B2FBF87F-794A-46FF-A232-4FB5B52DFD43}" type="doc">
+      <dgm:prSet loTypeId="urn:microsoft.com/office/officeart/2008/layout/LinedList" loCatId="list" qsTypeId="urn:microsoft.com/office/officeart/2005/8/quickstyle/3d4" qsCatId="3D" csTypeId="urn:microsoft.com/office/officeart/2005/8/colors/accent1_2" csCatId="accent1" phldr="1"/>
+      <dgm:spPr/>
+      <dgm:t>
+        <a:bodyPr/>
+        <a:lstStyle/>
+        <a:p>
+          <a:endParaRPr lang="en-US"/>
+        </a:p>
+      </dgm:t>
+    </dgm:pt>
+    <dgm:pt modelId="{76361593-30A3-4181-B6D6-98E5B711C056}">
+      <dgm:prSet/>
+      <dgm:spPr/>
+      <dgm:t>
+        <a:bodyPr/>
+        <a:lstStyle/>
+        <a:p>
+          <a:r>
+            <a:rPr lang="it-IT"/>
+            <a:t>[1] AE: 		</a:t>
+          </a:r>
+          <a:r>
+            <a:rPr lang="en-US">
+              <a:hlinkClick xmlns:r="http://schemas.openxmlformats.org/officeDocument/2006/relationships" r:id="rId1"/>
+            </a:rPr>
+            <a:t>Robust Anomaly Detection in Images using Adversarial Autoencoders</a:t>
+          </a:r>
+          <a:endParaRPr lang="en-US"/>
+        </a:p>
+      </dgm:t>
+    </dgm:pt>
+    <dgm:pt modelId="{1810E70D-B2B0-4168-9A73-D64B01314404}" type="parTrans" cxnId="{FBA56C5E-08EF-4B8D-A035-47FB00EA678D}">
+      <dgm:prSet/>
+      <dgm:spPr/>
+      <dgm:t>
+        <a:bodyPr/>
+        <a:lstStyle/>
+        <a:p>
+          <a:endParaRPr lang="en-US"/>
+        </a:p>
+      </dgm:t>
+    </dgm:pt>
+    <dgm:pt modelId="{55750761-A8B0-445A-98D4-3058028C476A}" type="sibTrans" cxnId="{FBA56C5E-08EF-4B8D-A035-47FB00EA678D}">
+      <dgm:prSet/>
+      <dgm:spPr/>
+      <dgm:t>
+        <a:bodyPr/>
+        <a:lstStyle/>
+        <a:p>
+          <a:endParaRPr lang="en-US"/>
+        </a:p>
+      </dgm:t>
+    </dgm:pt>
+    <dgm:pt modelId="{BE59AF3C-B4BF-40B4-B395-F1A882B1135B}">
+      <dgm:prSet/>
+      <dgm:spPr/>
+      <dgm:t>
+        <a:bodyPr/>
+        <a:lstStyle/>
+        <a:p>
+          <a:r>
+            <a:rPr lang="en-US"/>
+            <a:t>[2] VAE: 		</a:t>
+          </a:r>
+          <a:r>
+            <a:rPr lang="en-US">
+              <a:hlinkClick xmlns:r="http://schemas.openxmlformats.org/officeDocument/2006/relationships" r:id="rId2"/>
+            </a:rPr>
+            <a:t>Auto-Encoding Variational Bayes</a:t>
+          </a:r>
+          <a:endParaRPr lang="en-US"/>
+        </a:p>
+      </dgm:t>
+    </dgm:pt>
+    <dgm:pt modelId="{BD174DC5-1952-4D0A-89D2-EA8EF39A7EEC}" type="parTrans" cxnId="{23574FD4-7ACE-4898-9EB2-DE86D12DFC0B}">
+      <dgm:prSet/>
+      <dgm:spPr/>
+      <dgm:t>
+        <a:bodyPr/>
+        <a:lstStyle/>
+        <a:p>
+          <a:endParaRPr lang="en-US"/>
+        </a:p>
+      </dgm:t>
+    </dgm:pt>
+    <dgm:pt modelId="{998BB459-898C-4901-8D22-C3A2C3DA05BA}" type="sibTrans" cxnId="{23574FD4-7ACE-4898-9EB2-DE86D12DFC0B}">
+      <dgm:prSet/>
+      <dgm:spPr/>
+      <dgm:t>
+        <a:bodyPr/>
+        <a:lstStyle/>
+        <a:p>
+          <a:endParaRPr lang="en-US"/>
+        </a:p>
+      </dgm:t>
+    </dgm:pt>
+    <dgm:pt modelId="{07DEC6F9-FDA5-49E4-B20A-C277FB744D48}">
+      <dgm:prSet/>
+      <dgm:spPr/>
+      <dgm:t>
+        <a:bodyPr/>
+        <a:lstStyle/>
+        <a:p>
+          <a:r>
+            <a:rPr lang="en-US" dirty="0"/>
+            <a:t>[3] GAN: 	</a:t>
+          </a:r>
+          <a:r>
+            <a:rPr lang="en-US" dirty="0">
+              <a:hlinkClick xmlns:r="http://schemas.openxmlformats.org/officeDocument/2006/relationships" r:id="rId3"/>
+            </a:rPr>
+            <a:t>Gan Based Anomaly Detection in Imbalance Problems</a:t>
+          </a:r>
+          <a:endParaRPr lang="en-US" dirty="0"/>
+        </a:p>
+      </dgm:t>
+    </dgm:pt>
+    <dgm:pt modelId="{AFB2E837-BE03-4DC7-85EA-782D3C0E902D}" type="parTrans" cxnId="{C5E383C4-E75A-4D91-80F9-A9F69655CA56}">
+      <dgm:prSet/>
+      <dgm:spPr/>
+      <dgm:t>
+        <a:bodyPr/>
+        <a:lstStyle/>
+        <a:p>
+          <a:endParaRPr lang="en-US"/>
+        </a:p>
+      </dgm:t>
+    </dgm:pt>
+    <dgm:pt modelId="{52A7E483-C1D5-40EB-B9E4-75AD5E86D225}" type="sibTrans" cxnId="{C5E383C4-E75A-4D91-80F9-A9F69655CA56}">
+      <dgm:prSet/>
+      <dgm:spPr/>
+      <dgm:t>
+        <a:bodyPr/>
+        <a:lstStyle/>
+        <a:p>
+          <a:endParaRPr lang="en-US"/>
+        </a:p>
+      </dgm:t>
+    </dgm:pt>
+    <dgm:pt modelId="{F497D79E-FC8B-4459-82DE-51FA1870D325}">
+      <dgm:prSet/>
+      <dgm:spPr/>
+      <dgm:t>
+        <a:bodyPr/>
+        <a:lstStyle/>
+        <a:p>
+          <a:r>
+            <a:rPr lang="it-IT"/>
+            <a:t>Colab:  		</a:t>
+          </a:r>
+          <a:r>
+            <a:rPr lang="it-IT">
+              <a:hlinkClick xmlns:r="http://schemas.openxmlformats.org/officeDocument/2006/relationships" r:id="rId4"/>
+            </a:rPr>
+            <a:t>code</a:t>
+          </a:r>
+          <a:endParaRPr lang="en-US"/>
+        </a:p>
+      </dgm:t>
+    </dgm:pt>
+    <dgm:pt modelId="{F7FC1DBA-6746-4AE5-8DDC-5E8E165035D0}" type="parTrans" cxnId="{9379F1DF-C356-4CE7-A218-AD69E45E49E2}">
+      <dgm:prSet/>
+      <dgm:spPr/>
+      <dgm:t>
+        <a:bodyPr/>
+        <a:lstStyle/>
+        <a:p>
+          <a:endParaRPr lang="en-US"/>
+        </a:p>
+      </dgm:t>
+    </dgm:pt>
+    <dgm:pt modelId="{3A42B637-6B8F-4CBF-9277-BC93D71AEED6}" type="sibTrans" cxnId="{9379F1DF-C356-4CE7-A218-AD69E45E49E2}">
+      <dgm:prSet/>
+      <dgm:spPr/>
+      <dgm:t>
+        <a:bodyPr/>
+        <a:lstStyle/>
+        <a:p>
+          <a:endParaRPr lang="en-US"/>
+        </a:p>
+      </dgm:t>
+    </dgm:pt>
+    <dgm:pt modelId="{667836B2-54D7-43A8-8E51-87405E9DA9AA}">
+      <dgm:prSet/>
+      <dgm:spPr/>
+      <dgm:t>
+        <a:bodyPr/>
+        <a:lstStyle/>
+        <a:p>
+          <a:r>
+            <a:rPr lang="it-IT"/>
+            <a:t>GitHub: 		</a:t>
+          </a:r>
+          <a:r>
+            <a:rPr lang="it-IT">
+              <a:hlinkClick xmlns:r="http://schemas.openxmlformats.org/officeDocument/2006/relationships" r:id="rId5"/>
+            </a:rPr>
+            <a:t>repo</a:t>
+          </a:r>
+          <a:endParaRPr lang="en-US"/>
+        </a:p>
+      </dgm:t>
+    </dgm:pt>
+    <dgm:pt modelId="{36292AE4-E5C4-4BD0-918D-C166C1D18CF8}" type="parTrans" cxnId="{978AABFE-D145-45DF-AA78-E4282B9A3F6A}">
+      <dgm:prSet/>
+      <dgm:spPr/>
+      <dgm:t>
+        <a:bodyPr/>
+        <a:lstStyle/>
+        <a:p>
+          <a:endParaRPr lang="en-US"/>
+        </a:p>
+      </dgm:t>
+    </dgm:pt>
+    <dgm:pt modelId="{60E4BEF4-DEF9-4AE0-ADC3-E87656E5DFF1}" type="sibTrans" cxnId="{978AABFE-D145-45DF-AA78-E4282B9A3F6A}">
+      <dgm:prSet/>
+      <dgm:spPr/>
+      <dgm:t>
+        <a:bodyPr/>
+        <a:lstStyle/>
+        <a:p>
+          <a:endParaRPr lang="en-US"/>
+        </a:p>
+      </dgm:t>
+    </dgm:pt>
+    <dgm:pt modelId="{B3536A67-EF5C-4991-B077-08A5AE9D41CA}">
+      <dgm:prSet/>
+      <dgm:spPr/>
+      <dgm:t>
+        <a:bodyPr/>
+        <a:lstStyle/>
+        <a:p>
+          <a:r>
+            <a:rPr lang="it-IT"/>
+            <a:t>LaTex: 		</a:t>
+          </a:r>
+          <a:r>
+            <a:rPr lang="it-IT">
+              <a:hlinkClick xmlns:r="http://schemas.openxmlformats.org/officeDocument/2006/relationships" r:id="rId6"/>
+            </a:rPr>
+            <a:t>paper</a:t>
+          </a:r>
+          <a:r>
+            <a:rPr lang="it-IT"/>
+            <a:t> </a:t>
+          </a:r>
+          <a:endParaRPr lang="en-US"/>
+        </a:p>
+      </dgm:t>
+    </dgm:pt>
+    <dgm:pt modelId="{AED02338-88F3-46BA-AC0F-DCCB34E0602C}" type="parTrans" cxnId="{C2F99A98-05CA-4BC5-9199-08EC50BA4811}">
+      <dgm:prSet/>
+      <dgm:spPr/>
+      <dgm:t>
+        <a:bodyPr/>
+        <a:lstStyle/>
+        <a:p>
+          <a:endParaRPr lang="en-US"/>
+        </a:p>
+      </dgm:t>
+    </dgm:pt>
+    <dgm:pt modelId="{A21B5508-A381-4C85-88E7-11E6002DC448}" type="sibTrans" cxnId="{C2F99A98-05CA-4BC5-9199-08EC50BA4811}">
+      <dgm:prSet/>
+      <dgm:spPr/>
+      <dgm:t>
+        <a:bodyPr/>
+        <a:lstStyle/>
+        <a:p>
+          <a:endParaRPr lang="en-US"/>
+        </a:p>
+      </dgm:t>
+    </dgm:pt>
+    <dgm:pt modelId="{9F66D381-94BA-4CC6-BE09-4270F30827FD}" type="pres">
+      <dgm:prSet presAssocID="{B2FBF87F-794A-46FF-A232-4FB5B52DFD43}" presName="vert0" presStyleCnt="0">
+        <dgm:presLayoutVars>
+          <dgm:dir/>
+          <dgm:animOne val="branch"/>
+          <dgm:animLvl val="lvl"/>
+        </dgm:presLayoutVars>
+      </dgm:prSet>
+      <dgm:spPr/>
+    </dgm:pt>
+    <dgm:pt modelId="{67EE73CF-B774-4BD3-91FC-E567FEE3352B}" type="pres">
+      <dgm:prSet presAssocID="{76361593-30A3-4181-B6D6-98E5B711C056}" presName="thickLine" presStyleLbl="alignNode1" presStyleIdx="0" presStyleCnt="6"/>
+      <dgm:spPr/>
+    </dgm:pt>
+    <dgm:pt modelId="{FA093673-B377-480F-8619-C79541817BC1}" type="pres">
+      <dgm:prSet presAssocID="{76361593-30A3-4181-B6D6-98E5B711C056}" presName="horz1" presStyleCnt="0"/>
+      <dgm:spPr/>
+    </dgm:pt>
+    <dgm:pt modelId="{0DC58F3D-0650-4B6A-A472-26EE5A843519}" type="pres">
+      <dgm:prSet presAssocID="{76361593-30A3-4181-B6D6-98E5B711C056}" presName="tx1" presStyleLbl="revTx" presStyleIdx="0" presStyleCnt="6"/>
+      <dgm:spPr/>
+    </dgm:pt>
+    <dgm:pt modelId="{9AF39585-E4D3-461E-8F02-905894E162EE}" type="pres">
+      <dgm:prSet presAssocID="{76361593-30A3-4181-B6D6-98E5B711C056}" presName="vert1" presStyleCnt="0"/>
+      <dgm:spPr/>
+    </dgm:pt>
+    <dgm:pt modelId="{F3A2140A-6A44-4DF4-BC7F-4B1CBFD3AF46}" type="pres">
+      <dgm:prSet presAssocID="{BE59AF3C-B4BF-40B4-B395-F1A882B1135B}" presName="thickLine" presStyleLbl="alignNode1" presStyleIdx="1" presStyleCnt="6"/>
+      <dgm:spPr/>
+    </dgm:pt>
+    <dgm:pt modelId="{26121832-55EF-4F71-93D3-F5450ABDEFFE}" type="pres">
+      <dgm:prSet presAssocID="{BE59AF3C-B4BF-40B4-B395-F1A882B1135B}" presName="horz1" presStyleCnt="0"/>
+      <dgm:spPr/>
+    </dgm:pt>
+    <dgm:pt modelId="{9D324C4F-CAFB-40FD-A004-9579B5D85F4C}" type="pres">
+      <dgm:prSet presAssocID="{BE59AF3C-B4BF-40B4-B395-F1A882B1135B}" presName="tx1" presStyleLbl="revTx" presStyleIdx="1" presStyleCnt="6"/>
+      <dgm:spPr/>
+    </dgm:pt>
+    <dgm:pt modelId="{932CD6F2-3169-40FC-8CAC-1AF33C7920F0}" type="pres">
+      <dgm:prSet presAssocID="{BE59AF3C-B4BF-40B4-B395-F1A882B1135B}" presName="vert1" presStyleCnt="0"/>
+      <dgm:spPr/>
+    </dgm:pt>
+    <dgm:pt modelId="{80A2582C-F63A-4CA0-ADA8-6C89686ACD93}" type="pres">
+      <dgm:prSet presAssocID="{07DEC6F9-FDA5-49E4-B20A-C277FB744D48}" presName="thickLine" presStyleLbl="alignNode1" presStyleIdx="2" presStyleCnt="6"/>
+      <dgm:spPr/>
+    </dgm:pt>
+    <dgm:pt modelId="{A0C15187-4B91-4BBA-8BC2-900082CCF077}" type="pres">
+      <dgm:prSet presAssocID="{07DEC6F9-FDA5-49E4-B20A-C277FB744D48}" presName="horz1" presStyleCnt="0"/>
+      <dgm:spPr/>
+    </dgm:pt>
+    <dgm:pt modelId="{CB9FC2BD-9437-4C1B-80CD-50050391C2CC}" type="pres">
+      <dgm:prSet presAssocID="{07DEC6F9-FDA5-49E4-B20A-C277FB744D48}" presName="tx1" presStyleLbl="revTx" presStyleIdx="2" presStyleCnt="6"/>
+      <dgm:spPr/>
+    </dgm:pt>
+    <dgm:pt modelId="{1ECBC02B-FF54-43E0-B1C3-F5DACB61A0F1}" type="pres">
+      <dgm:prSet presAssocID="{07DEC6F9-FDA5-49E4-B20A-C277FB744D48}" presName="vert1" presStyleCnt="0"/>
+      <dgm:spPr/>
+    </dgm:pt>
+    <dgm:pt modelId="{C2CAD411-0570-48F2-B822-C80447642A06}" type="pres">
+      <dgm:prSet presAssocID="{F497D79E-FC8B-4459-82DE-51FA1870D325}" presName="thickLine" presStyleLbl="alignNode1" presStyleIdx="3" presStyleCnt="6"/>
+      <dgm:spPr/>
+    </dgm:pt>
+    <dgm:pt modelId="{A232869C-9067-4FCE-9CC3-9ECC20DB74FD}" type="pres">
+      <dgm:prSet presAssocID="{F497D79E-FC8B-4459-82DE-51FA1870D325}" presName="horz1" presStyleCnt="0"/>
+      <dgm:spPr/>
+    </dgm:pt>
+    <dgm:pt modelId="{C496FFAE-3A96-4070-8377-7D6C9572B841}" type="pres">
+      <dgm:prSet presAssocID="{F497D79E-FC8B-4459-82DE-51FA1870D325}" presName="tx1" presStyleLbl="revTx" presStyleIdx="3" presStyleCnt="6"/>
+      <dgm:spPr/>
+    </dgm:pt>
+    <dgm:pt modelId="{D661BAB2-E94A-4EC7-9963-881C381EFA8E}" type="pres">
+      <dgm:prSet presAssocID="{F497D79E-FC8B-4459-82DE-51FA1870D325}" presName="vert1" presStyleCnt="0"/>
+      <dgm:spPr/>
+    </dgm:pt>
+    <dgm:pt modelId="{8FF240A6-9E5A-4ABE-BE86-82F0670773E7}" type="pres">
+      <dgm:prSet presAssocID="{667836B2-54D7-43A8-8E51-87405E9DA9AA}" presName="thickLine" presStyleLbl="alignNode1" presStyleIdx="4" presStyleCnt="6"/>
+      <dgm:spPr/>
+    </dgm:pt>
+    <dgm:pt modelId="{C7F2A527-1C32-4DE6-B0A6-E29EC3DD143B}" type="pres">
+      <dgm:prSet presAssocID="{667836B2-54D7-43A8-8E51-87405E9DA9AA}" presName="horz1" presStyleCnt="0"/>
+      <dgm:spPr/>
+    </dgm:pt>
+    <dgm:pt modelId="{BD581AA0-7F50-44CA-90E7-5789CCE7984F}" type="pres">
+      <dgm:prSet presAssocID="{667836B2-54D7-43A8-8E51-87405E9DA9AA}" presName="tx1" presStyleLbl="revTx" presStyleIdx="4" presStyleCnt="6"/>
+      <dgm:spPr/>
+    </dgm:pt>
+    <dgm:pt modelId="{060C8F63-0A4C-423F-91E9-A2A0B203730B}" type="pres">
+      <dgm:prSet presAssocID="{667836B2-54D7-43A8-8E51-87405E9DA9AA}" presName="vert1" presStyleCnt="0"/>
+      <dgm:spPr/>
+    </dgm:pt>
+    <dgm:pt modelId="{F86020DB-8FEC-4BDA-9C95-65A453BCAF5D}" type="pres">
+      <dgm:prSet presAssocID="{B3536A67-EF5C-4991-B077-08A5AE9D41CA}" presName="thickLine" presStyleLbl="alignNode1" presStyleIdx="5" presStyleCnt="6"/>
+      <dgm:spPr/>
+    </dgm:pt>
+    <dgm:pt modelId="{A926AE42-7B49-412D-9401-CB9D5C1082C9}" type="pres">
+      <dgm:prSet presAssocID="{B3536A67-EF5C-4991-B077-08A5AE9D41CA}" presName="horz1" presStyleCnt="0"/>
+      <dgm:spPr/>
+    </dgm:pt>
+    <dgm:pt modelId="{A16416D9-8912-4B34-BC25-CBA8E6360E71}" type="pres">
+      <dgm:prSet presAssocID="{B3536A67-EF5C-4991-B077-08A5AE9D41CA}" presName="tx1" presStyleLbl="revTx" presStyleIdx="5" presStyleCnt="6"/>
+      <dgm:spPr/>
+    </dgm:pt>
+    <dgm:pt modelId="{BBE09686-1C33-4224-9253-CE848D8F1077}" type="pres">
+      <dgm:prSet presAssocID="{B3536A67-EF5C-4991-B077-08A5AE9D41CA}" presName="vert1" presStyleCnt="0"/>
+      <dgm:spPr/>
+    </dgm:pt>
+  </dgm:ptLst>
+  <dgm:cxnLst>
+    <dgm:cxn modelId="{99EF0B08-B3B6-4316-8191-0198A0B09B8E}" type="presOf" srcId="{667836B2-54D7-43A8-8E51-87405E9DA9AA}" destId="{BD581AA0-7F50-44CA-90E7-5789CCE7984F}" srcOrd="0" destOrd="0" presId="urn:microsoft.com/office/officeart/2008/layout/LinedList"/>
+    <dgm:cxn modelId="{6EBADF26-218E-41B8-B549-AB4BEEF29684}" type="presOf" srcId="{07DEC6F9-FDA5-49E4-B20A-C277FB744D48}" destId="{CB9FC2BD-9437-4C1B-80CD-50050391C2CC}" srcOrd="0" destOrd="0" presId="urn:microsoft.com/office/officeart/2008/layout/LinedList"/>
+    <dgm:cxn modelId="{FBA56C5E-08EF-4B8D-A035-47FB00EA678D}" srcId="{B2FBF87F-794A-46FF-A232-4FB5B52DFD43}" destId="{76361593-30A3-4181-B6D6-98E5B711C056}" srcOrd="0" destOrd="0" parTransId="{1810E70D-B2B0-4168-9A73-D64B01314404}" sibTransId="{55750761-A8B0-445A-98D4-3058028C476A}"/>
+    <dgm:cxn modelId="{18B62461-4BE2-479A-AE40-62CE6668B2E1}" type="presOf" srcId="{76361593-30A3-4181-B6D6-98E5B711C056}" destId="{0DC58F3D-0650-4B6A-A472-26EE5A843519}" srcOrd="0" destOrd="0" presId="urn:microsoft.com/office/officeart/2008/layout/LinedList"/>
+    <dgm:cxn modelId="{A538978C-28EF-48FE-BE02-DBB4842FF02F}" type="presOf" srcId="{BE59AF3C-B4BF-40B4-B395-F1A882B1135B}" destId="{9D324C4F-CAFB-40FD-A004-9579B5D85F4C}" srcOrd="0" destOrd="0" presId="urn:microsoft.com/office/officeart/2008/layout/LinedList"/>
+    <dgm:cxn modelId="{C2F99A98-05CA-4BC5-9199-08EC50BA4811}" srcId="{B2FBF87F-794A-46FF-A232-4FB5B52DFD43}" destId="{B3536A67-EF5C-4991-B077-08A5AE9D41CA}" srcOrd="5" destOrd="0" parTransId="{AED02338-88F3-46BA-AC0F-DCCB34E0602C}" sibTransId="{A21B5508-A381-4C85-88E7-11E6002DC448}"/>
+    <dgm:cxn modelId="{C5E383C4-E75A-4D91-80F9-A9F69655CA56}" srcId="{B2FBF87F-794A-46FF-A232-4FB5B52DFD43}" destId="{07DEC6F9-FDA5-49E4-B20A-C277FB744D48}" srcOrd="2" destOrd="0" parTransId="{AFB2E837-BE03-4DC7-85EA-782D3C0E902D}" sibTransId="{52A7E483-C1D5-40EB-B9E4-75AD5E86D225}"/>
+    <dgm:cxn modelId="{23574FD4-7ACE-4898-9EB2-DE86D12DFC0B}" srcId="{B2FBF87F-794A-46FF-A232-4FB5B52DFD43}" destId="{BE59AF3C-B4BF-40B4-B395-F1A882B1135B}" srcOrd="1" destOrd="0" parTransId="{BD174DC5-1952-4D0A-89D2-EA8EF39A7EEC}" sibTransId="{998BB459-898C-4901-8D22-C3A2C3DA05BA}"/>
+    <dgm:cxn modelId="{9379F1DF-C356-4CE7-A218-AD69E45E49E2}" srcId="{B2FBF87F-794A-46FF-A232-4FB5B52DFD43}" destId="{F497D79E-FC8B-4459-82DE-51FA1870D325}" srcOrd="3" destOrd="0" parTransId="{F7FC1DBA-6746-4AE5-8DDC-5E8E165035D0}" sibTransId="{3A42B637-6B8F-4CBF-9277-BC93D71AEED6}"/>
+    <dgm:cxn modelId="{6C743BE5-8220-41AE-B43D-AEB1C772127A}" type="presOf" srcId="{B3536A67-EF5C-4991-B077-08A5AE9D41CA}" destId="{A16416D9-8912-4B34-BC25-CBA8E6360E71}" srcOrd="0" destOrd="0" presId="urn:microsoft.com/office/officeart/2008/layout/LinedList"/>
+    <dgm:cxn modelId="{62E0D3E6-68A8-4A21-9CE8-666240E977AF}" type="presOf" srcId="{B2FBF87F-794A-46FF-A232-4FB5B52DFD43}" destId="{9F66D381-94BA-4CC6-BE09-4270F30827FD}" srcOrd="0" destOrd="0" presId="urn:microsoft.com/office/officeart/2008/layout/LinedList"/>
+    <dgm:cxn modelId="{D24B6CF1-B88B-4BE9-A7CC-8267773544DD}" type="presOf" srcId="{F497D79E-FC8B-4459-82DE-51FA1870D325}" destId="{C496FFAE-3A96-4070-8377-7D6C9572B841}" srcOrd="0" destOrd="0" presId="urn:microsoft.com/office/officeart/2008/layout/LinedList"/>
+    <dgm:cxn modelId="{978AABFE-D145-45DF-AA78-E4282B9A3F6A}" srcId="{B2FBF87F-794A-46FF-A232-4FB5B52DFD43}" destId="{667836B2-54D7-43A8-8E51-87405E9DA9AA}" srcOrd="4" destOrd="0" parTransId="{36292AE4-E5C4-4BD0-918D-C166C1D18CF8}" sibTransId="{60E4BEF4-DEF9-4AE0-ADC3-E87656E5DFF1}"/>
+    <dgm:cxn modelId="{E69E4301-87C1-433C-A13E-760890B5F7A1}" type="presParOf" srcId="{9F66D381-94BA-4CC6-BE09-4270F30827FD}" destId="{67EE73CF-B774-4BD3-91FC-E567FEE3352B}" srcOrd="0" destOrd="0" presId="urn:microsoft.com/office/officeart/2008/layout/LinedList"/>
+    <dgm:cxn modelId="{E7798C82-2DD0-4309-81D9-943CAC1262AE}" type="presParOf" srcId="{9F66D381-94BA-4CC6-BE09-4270F30827FD}" destId="{FA093673-B377-480F-8619-C79541817BC1}" srcOrd="1" destOrd="0" presId="urn:microsoft.com/office/officeart/2008/layout/LinedList"/>
+    <dgm:cxn modelId="{66D36993-096F-4AEE-8F36-04239161A025}" type="presParOf" srcId="{FA093673-B377-480F-8619-C79541817BC1}" destId="{0DC58F3D-0650-4B6A-A472-26EE5A843519}" srcOrd="0" destOrd="0" presId="urn:microsoft.com/office/officeart/2008/layout/LinedList"/>
+    <dgm:cxn modelId="{97721692-3301-44C4-AA65-D867E55695FE}" type="presParOf" srcId="{FA093673-B377-480F-8619-C79541817BC1}" destId="{9AF39585-E4D3-461E-8F02-905894E162EE}" srcOrd="1" destOrd="0" presId="urn:microsoft.com/office/officeart/2008/layout/LinedList"/>
+    <dgm:cxn modelId="{20322E18-2441-4B46-8C5A-ED59A65198E7}" type="presParOf" srcId="{9F66D381-94BA-4CC6-BE09-4270F30827FD}" destId="{F3A2140A-6A44-4DF4-BC7F-4B1CBFD3AF46}" srcOrd="2" destOrd="0" presId="urn:microsoft.com/office/officeart/2008/layout/LinedList"/>
+    <dgm:cxn modelId="{6E1FA363-9AE1-4A13-A3E8-07213E265F65}" type="presParOf" srcId="{9F66D381-94BA-4CC6-BE09-4270F30827FD}" destId="{26121832-55EF-4F71-93D3-F5450ABDEFFE}" srcOrd="3" destOrd="0" presId="urn:microsoft.com/office/officeart/2008/layout/LinedList"/>
+    <dgm:cxn modelId="{C32163EC-450D-496E-B52B-D3BDF5E73A31}" type="presParOf" srcId="{26121832-55EF-4F71-93D3-F5450ABDEFFE}" destId="{9D324C4F-CAFB-40FD-A004-9579B5D85F4C}" srcOrd="0" destOrd="0" presId="urn:microsoft.com/office/officeart/2008/layout/LinedList"/>
+    <dgm:cxn modelId="{C15C4BB6-72C3-46B8-A508-C8B71F527AF6}" type="presParOf" srcId="{26121832-55EF-4F71-93D3-F5450ABDEFFE}" destId="{932CD6F2-3169-40FC-8CAC-1AF33C7920F0}" srcOrd="1" destOrd="0" presId="urn:microsoft.com/office/officeart/2008/layout/LinedList"/>
+    <dgm:cxn modelId="{F8328600-3473-47F1-B113-DEC24C967878}" type="presParOf" srcId="{9F66D381-94BA-4CC6-BE09-4270F30827FD}" destId="{80A2582C-F63A-4CA0-ADA8-6C89686ACD93}" srcOrd="4" destOrd="0" presId="urn:microsoft.com/office/officeart/2008/layout/LinedList"/>
+    <dgm:cxn modelId="{AF171D9B-F173-4EAB-B054-9114906C367C}" type="presParOf" srcId="{9F66D381-94BA-4CC6-BE09-4270F30827FD}" destId="{A0C15187-4B91-4BBA-8BC2-900082CCF077}" srcOrd="5" destOrd="0" presId="urn:microsoft.com/office/officeart/2008/layout/LinedList"/>
+    <dgm:cxn modelId="{95E7F6B6-4842-48C2-8C65-72FE3CA8A01D}" type="presParOf" srcId="{A0C15187-4B91-4BBA-8BC2-900082CCF077}" destId="{CB9FC2BD-9437-4C1B-80CD-50050391C2CC}" srcOrd="0" destOrd="0" presId="urn:microsoft.com/office/officeart/2008/layout/LinedList"/>
+    <dgm:cxn modelId="{CAD9155B-B8E7-4E62-A6FF-6E6B3D534E65}" type="presParOf" srcId="{A0C15187-4B91-4BBA-8BC2-900082CCF077}" destId="{1ECBC02B-FF54-43E0-B1C3-F5DACB61A0F1}" srcOrd="1" destOrd="0" presId="urn:microsoft.com/office/officeart/2008/layout/LinedList"/>
+    <dgm:cxn modelId="{DBB467B6-1F59-44F5-BCAE-7E2E9C16E423}" type="presParOf" srcId="{9F66D381-94BA-4CC6-BE09-4270F30827FD}" destId="{C2CAD411-0570-48F2-B822-C80447642A06}" srcOrd="6" destOrd="0" presId="urn:microsoft.com/office/officeart/2008/layout/LinedList"/>
+    <dgm:cxn modelId="{A5BF4662-96EF-4B53-937B-8AB98D62AFB1}" type="presParOf" srcId="{9F66D381-94BA-4CC6-BE09-4270F30827FD}" destId="{A232869C-9067-4FCE-9CC3-9ECC20DB74FD}" srcOrd="7" destOrd="0" presId="urn:microsoft.com/office/officeart/2008/layout/LinedList"/>
+    <dgm:cxn modelId="{641A0922-B438-4DA5-90DE-8230504B3DD4}" type="presParOf" srcId="{A232869C-9067-4FCE-9CC3-9ECC20DB74FD}" destId="{C496FFAE-3A96-4070-8377-7D6C9572B841}" srcOrd="0" destOrd="0" presId="urn:microsoft.com/office/officeart/2008/layout/LinedList"/>
+    <dgm:cxn modelId="{589E82E2-BD94-488B-A8AE-A622B72061E1}" type="presParOf" srcId="{A232869C-9067-4FCE-9CC3-9ECC20DB74FD}" destId="{D661BAB2-E94A-4EC7-9963-881C381EFA8E}" srcOrd="1" destOrd="0" presId="urn:microsoft.com/office/officeart/2008/layout/LinedList"/>
+    <dgm:cxn modelId="{EE73697F-6C47-4862-A079-5FC2E0ACE4D9}" type="presParOf" srcId="{9F66D381-94BA-4CC6-BE09-4270F30827FD}" destId="{8FF240A6-9E5A-4ABE-BE86-82F0670773E7}" srcOrd="8" destOrd="0" presId="urn:microsoft.com/office/officeart/2008/layout/LinedList"/>
+    <dgm:cxn modelId="{E140C820-B164-4916-A244-A9F101F2B741}" type="presParOf" srcId="{9F66D381-94BA-4CC6-BE09-4270F30827FD}" destId="{C7F2A527-1C32-4DE6-B0A6-E29EC3DD143B}" srcOrd="9" destOrd="0" presId="urn:microsoft.com/office/officeart/2008/layout/LinedList"/>
+    <dgm:cxn modelId="{EBA19B52-1C67-4EBF-8C18-9A496CDE356F}" type="presParOf" srcId="{C7F2A527-1C32-4DE6-B0A6-E29EC3DD143B}" destId="{BD581AA0-7F50-44CA-90E7-5789CCE7984F}" srcOrd="0" destOrd="0" presId="urn:microsoft.com/office/officeart/2008/layout/LinedList"/>
+    <dgm:cxn modelId="{3DC0F42F-2771-42BC-8C08-58EEDCBC0D6C}" type="presParOf" srcId="{C7F2A527-1C32-4DE6-B0A6-E29EC3DD143B}" destId="{060C8F63-0A4C-423F-91E9-A2A0B203730B}" srcOrd="1" destOrd="0" presId="urn:microsoft.com/office/officeart/2008/layout/LinedList"/>
+    <dgm:cxn modelId="{0C18FE4E-2472-49B4-A131-69827C4C828D}" type="presParOf" srcId="{9F66D381-94BA-4CC6-BE09-4270F30827FD}" destId="{F86020DB-8FEC-4BDA-9C95-65A453BCAF5D}" srcOrd="10" destOrd="0" presId="urn:microsoft.com/office/officeart/2008/layout/LinedList"/>
+    <dgm:cxn modelId="{CFBB5C55-3FC1-4E11-B93E-EF6DF2D8EB86}" type="presParOf" srcId="{9F66D381-94BA-4CC6-BE09-4270F30827FD}" destId="{A926AE42-7B49-412D-9401-CB9D5C1082C9}" srcOrd="11" destOrd="0" presId="urn:microsoft.com/office/officeart/2008/layout/LinedList"/>
+    <dgm:cxn modelId="{817BE326-88EB-4AA4-B30B-CC8D8C8AC231}" type="presParOf" srcId="{A926AE42-7B49-412D-9401-CB9D5C1082C9}" destId="{A16416D9-8912-4B34-BC25-CBA8E6360E71}" srcOrd="0" destOrd="0" presId="urn:microsoft.com/office/officeart/2008/layout/LinedList"/>
+    <dgm:cxn modelId="{AAFD8135-092A-43B4-ABCC-A97B22A04D3B}" type="presParOf" srcId="{A926AE42-7B49-412D-9401-CB9D5C1082C9}" destId="{BBE09686-1C33-4224-9253-CE848D8F1077}" srcOrd="1" destOrd="0" presId="urn:microsoft.com/office/officeart/2008/layout/LinedList"/>
+  </dgm:cxnLst>
+  <dgm:bg/>
+  <dgm:whole/>
+  <dgm:extLst>
+    <a:ext uri="http://schemas.microsoft.com/office/drawing/2008/diagram">
+      <dsp:dataModelExt xmlns:dsp="http://schemas.microsoft.com/office/drawing/2008/diagram" relId="rId6" minVer="http://schemas.openxmlformats.org/drawingml/2006/diagram"/>
+    </a:ext>
+  </dgm:extLst>
+</dgm:dataModel>
+</file>
+
+<file path=ppt/diagrams/drawing1.xml><?xml version="1.0" encoding="utf-8"?>
+<dsp:drawing xmlns:dgm="http://schemas.openxmlformats.org/drawingml/2006/diagram" xmlns:dsp="http://schemas.microsoft.com/office/drawing/2008/diagram" xmlns:a="http://schemas.openxmlformats.org/drawingml/2006/main">
+  <dsp:spTree>
+    <dsp:nvGrpSpPr>
+      <dsp:cNvPr id="0" name=""/>
+      <dsp:cNvGrpSpPr/>
+    </dsp:nvGrpSpPr>
+    <dsp:grpSpPr/>
+    <dsp:sp modelId="{67EE73CF-B774-4BD3-91FC-E567FEE3352B}">
+      <dsp:nvSpPr>
+        <dsp:cNvPr id="0" name=""/>
+        <dsp:cNvSpPr/>
+      </dsp:nvSpPr>
+      <dsp:spPr>
+        <a:xfrm>
+          <a:off x="0" y="1668"/>
+          <a:ext cx="9857509" cy="0"/>
+        </a:xfrm>
+        <a:prstGeom prst="line">
+          <a:avLst/>
+        </a:prstGeom>
+        <a:solidFill>
+          <a:schemeClr val="accent1">
+            <a:hueOff val="0"/>
+            <a:satOff val="0"/>
+            <a:lumOff val="0"/>
+            <a:alphaOff val="0"/>
+          </a:schemeClr>
+        </a:solidFill>
+        <a:ln w="6350" cap="flat" cmpd="sng" algn="ctr">
+          <a:solidFill>
+            <a:schemeClr val="accent1">
+              <a:hueOff val="0"/>
+              <a:satOff val="0"/>
+              <a:lumOff val="0"/>
+              <a:alphaOff val="0"/>
+            </a:schemeClr>
+          </a:solidFill>
+          <a:prstDash val="solid"/>
+          <a:miter lim="800000"/>
+        </a:ln>
+        <a:effectLst/>
+        <a:scene3d>
+          <a:camera prst="orthographicFront"/>
+          <a:lightRig rig="chilly" dir="t"/>
+        </a:scene3d>
+        <a:sp3d prstMaterial="translucentPowder">
+          <a:bevelT w="127000" h="25400" prst="softRound"/>
+        </a:sp3d>
+      </dsp:spPr>
+      <dsp:style>
+        <a:lnRef idx="1">
+          <a:scrgbClr r="0" g="0" b="0"/>
+        </a:lnRef>
+        <a:fillRef idx="1">
+          <a:scrgbClr r="0" g="0" b="0"/>
+        </a:fillRef>
+        <a:effectRef idx="0">
+          <a:scrgbClr r="0" g="0" b="0"/>
+        </a:effectRef>
+        <a:fontRef idx="minor">
+          <a:schemeClr val="lt1"/>
+        </a:fontRef>
+      </dsp:style>
+    </dsp:sp>
+    <dsp:sp modelId="{0DC58F3D-0650-4B6A-A472-26EE5A843519}">
+      <dsp:nvSpPr>
+        <dsp:cNvPr id="0" name=""/>
+        <dsp:cNvSpPr/>
+      </dsp:nvSpPr>
+      <dsp:spPr>
+        <a:xfrm>
+          <a:off x="0" y="1668"/>
+          <a:ext cx="9857509" cy="568830"/>
+        </a:xfrm>
+        <a:prstGeom prst="rect">
+          <a:avLst/>
+        </a:prstGeom>
+        <a:noFill/>
+        <a:ln>
+          <a:noFill/>
+        </a:ln>
+        <a:effectLst/>
+      </dsp:spPr>
+      <dsp:style>
+        <a:lnRef idx="0">
+          <a:scrgbClr r="0" g="0" b="0"/>
+        </a:lnRef>
+        <a:fillRef idx="0">
+          <a:scrgbClr r="0" g="0" b="0"/>
+        </a:fillRef>
+        <a:effectRef idx="0">
+          <a:scrgbClr r="0" g="0" b="0"/>
+        </a:effectRef>
+        <a:fontRef idx="minor"/>
+      </dsp:style>
+      <dsp:txBody>
+        <a:bodyPr spcFirstLastPara="0" vert="horz" wrap="square" lIns="80010" tIns="80010" rIns="80010" bIns="80010" numCol="1" spcCol="1270" anchor="t" anchorCtr="0">
+          <a:noAutofit/>
+        </a:bodyPr>
+        <a:lstStyle/>
+        <a:p>
+          <a:pPr marL="0" lvl="0" indent="0" algn="l" defTabSz="933450">
+            <a:lnSpc>
+              <a:spcPct val="90000"/>
+            </a:lnSpc>
+            <a:spcBef>
+              <a:spcPct val="0"/>
+            </a:spcBef>
+            <a:spcAft>
+              <a:spcPct val="35000"/>
+            </a:spcAft>
+            <a:buNone/>
+          </a:pPr>
+          <a:r>
+            <a:rPr lang="it-IT" sz="2100" kern="1200"/>
+            <a:t>[1] AE: 		</a:t>
+          </a:r>
+          <a:r>
+            <a:rPr lang="en-US" sz="2100" kern="1200">
+              <a:hlinkClick xmlns:r="http://schemas.openxmlformats.org/officeDocument/2006/relationships" r:id="rId1"/>
+            </a:rPr>
+            <a:t>Robust Anomaly Detection in Images using Adversarial Autoencoders</a:t>
+          </a:r>
+          <a:endParaRPr lang="en-US" sz="2100" kern="1200"/>
+        </a:p>
+      </dsp:txBody>
+      <dsp:txXfrm>
+        <a:off x="0" y="1668"/>
+        <a:ext cx="9857509" cy="568830"/>
+      </dsp:txXfrm>
+    </dsp:sp>
+    <dsp:sp modelId="{F3A2140A-6A44-4DF4-BC7F-4B1CBFD3AF46}">
+      <dsp:nvSpPr>
+        <dsp:cNvPr id="0" name=""/>
+        <dsp:cNvSpPr/>
+      </dsp:nvSpPr>
+      <dsp:spPr>
+        <a:xfrm>
+          <a:off x="0" y="570498"/>
+          <a:ext cx="9857509" cy="0"/>
+        </a:xfrm>
+        <a:prstGeom prst="line">
+          <a:avLst/>
+        </a:prstGeom>
+        <a:solidFill>
+          <a:schemeClr val="accent1">
+            <a:hueOff val="0"/>
+            <a:satOff val="0"/>
+            <a:lumOff val="0"/>
+            <a:alphaOff val="0"/>
+          </a:schemeClr>
+        </a:solidFill>
+        <a:ln w="6350" cap="flat" cmpd="sng" algn="ctr">
+          <a:solidFill>
+            <a:schemeClr val="accent1">
+              <a:hueOff val="0"/>
+              <a:satOff val="0"/>
+              <a:lumOff val="0"/>
+              <a:alphaOff val="0"/>
+            </a:schemeClr>
+          </a:solidFill>
+          <a:prstDash val="solid"/>
+          <a:miter lim="800000"/>
+        </a:ln>
+        <a:effectLst/>
+        <a:scene3d>
+          <a:camera prst="orthographicFront"/>
+          <a:lightRig rig="chilly" dir="t"/>
+        </a:scene3d>
+        <a:sp3d prstMaterial="translucentPowder">
+          <a:bevelT w="127000" h="25400" prst="softRound"/>
+        </a:sp3d>
+      </dsp:spPr>
+      <dsp:style>
+        <a:lnRef idx="1">
+          <a:scrgbClr r="0" g="0" b="0"/>
+        </a:lnRef>
+        <a:fillRef idx="1">
+          <a:scrgbClr r="0" g="0" b="0"/>
+        </a:fillRef>
+        <a:effectRef idx="0">
+          <a:scrgbClr r="0" g="0" b="0"/>
+        </a:effectRef>
+        <a:fontRef idx="minor">
+          <a:schemeClr val="lt1"/>
+        </a:fontRef>
+      </dsp:style>
+    </dsp:sp>
+    <dsp:sp modelId="{9D324C4F-CAFB-40FD-A004-9579B5D85F4C}">
+      <dsp:nvSpPr>
+        <dsp:cNvPr id="0" name=""/>
+        <dsp:cNvSpPr/>
+      </dsp:nvSpPr>
+      <dsp:spPr>
+        <a:xfrm>
+          <a:off x="0" y="570498"/>
+          <a:ext cx="9857509" cy="568830"/>
+        </a:xfrm>
+        <a:prstGeom prst="rect">
+          <a:avLst/>
+        </a:prstGeom>
+        <a:noFill/>
+        <a:ln>
+          <a:noFill/>
+        </a:ln>
+        <a:effectLst/>
+      </dsp:spPr>
+      <dsp:style>
+        <a:lnRef idx="0">
+          <a:scrgbClr r="0" g="0" b="0"/>
+        </a:lnRef>
+        <a:fillRef idx="0">
+          <a:scrgbClr r="0" g="0" b="0"/>
+        </a:fillRef>
+        <a:effectRef idx="0">
+          <a:scrgbClr r="0" g="0" b="0"/>
+        </a:effectRef>
+        <a:fontRef idx="minor"/>
+      </dsp:style>
+      <dsp:txBody>
+        <a:bodyPr spcFirstLastPara="0" vert="horz" wrap="square" lIns="80010" tIns="80010" rIns="80010" bIns="80010" numCol="1" spcCol="1270" anchor="t" anchorCtr="0">
+          <a:noAutofit/>
+        </a:bodyPr>
+        <a:lstStyle/>
+        <a:p>
+          <a:pPr marL="0" lvl="0" indent="0" algn="l" defTabSz="933450">
+            <a:lnSpc>
+              <a:spcPct val="90000"/>
+            </a:lnSpc>
+            <a:spcBef>
+              <a:spcPct val="0"/>
+            </a:spcBef>
+            <a:spcAft>
+              <a:spcPct val="35000"/>
+            </a:spcAft>
+            <a:buNone/>
+          </a:pPr>
+          <a:r>
+            <a:rPr lang="en-US" sz="2100" kern="1200"/>
+            <a:t>[2] VAE: 		</a:t>
+          </a:r>
+          <a:r>
+            <a:rPr lang="en-US" sz="2100" kern="1200">
+              <a:hlinkClick xmlns:r="http://schemas.openxmlformats.org/officeDocument/2006/relationships" r:id="rId2"/>
+            </a:rPr>
+            <a:t>Auto-Encoding Variational Bayes</a:t>
+          </a:r>
+          <a:endParaRPr lang="en-US" sz="2100" kern="1200"/>
+        </a:p>
+      </dsp:txBody>
+      <dsp:txXfrm>
+        <a:off x="0" y="570498"/>
+        <a:ext cx="9857509" cy="568830"/>
+      </dsp:txXfrm>
+    </dsp:sp>
+    <dsp:sp modelId="{80A2582C-F63A-4CA0-ADA8-6C89686ACD93}">
+      <dsp:nvSpPr>
+        <dsp:cNvPr id="0" name=""/>
+        <dsp:cNvSpPr/>
+      </dsp:nvSpPr>
+      <dsp:spPr>
+        <a:xfrm>
+          <a:off x="0" y="1139329"/>
+          <a:ext cx="9857509" cy="0"/>
+        </a:xfrm>
+        <a:prstGeom prst="line">
+          <a:avLst/>
+        </a:prstGeom>
+        <a:solidFill>
+          <a:schemeClr val="accent1">
+            <a:hueOff val="0"/>
+            <a:satOff val="0"/>
+            <a:lumOff val="0"/>
+            <a:alphaOff val="0"/>
+          </a:schemeClr>
+        </a:solidFill>
+        <a:ln w="6350" cap="flat" cmpd="sng" algn="ctr">
+          <a:solidFill>
+            <a:schemeClr val="accent1">
+              <a:hueOff val="0"/>
+              <a:satOff val="0"/>
+              <a:lumOff val="0"/>
+              <a:alphaOff val="0"/>
+            </a:schemeClr>
+          </a:solidFill>
+          <a:prstDash val="solid"/>
+          <a:miter lim="800000"/>
+        </a:ln>
+        <a:effectLst/>
+        <a:scene3d>
+          <a:camera prst="orthographicFront"/>
+          <a:lightRig rig="chilly" dir="t"/>
+        </a:scene3d>
+        <a:sp3d prstMaterial="translucentPowder">
+          <a:bevelT w="127000" h="25400" prst="softRound"/>
+        </a:sp3d>
+      </dsp:spPr>
+      <dsp:style>
+        <a:lnRef idx="1">
+          <a:scrgbClr r="0" g="0" b="0"/>
+        </a:lnRef>
+        <a:fillRef idx="1">
+          <a:scrgbClr r="0" g="0" b="0"/>
+        </a:fillRef>
+        <a:effectRef idx="0">
+          <a:scrgbClr r="0" g="0" b="0"/>
+        </a:effectRef>
+        <a:fontRef idx="minor">
+          <a:schemeClr val="lt1"/>
+        </a:fontRef>
+      </dsp:style>
+    </dsp:sp>
+    <dsp:sp modelId="{CB9FC2BD-9437-4C1B-80CD-50050391C2CC}">
+      <dsp:nvSpPr>
+        <dsp:cNvPr id="0" name=""/>
+        <dsp:cNvSpPr/>
+      </dsp:nvSpPr>
+      <dsp:spPr>
+        <a:xfrm>
+          <a:off x="0" y="1139329"/>
+          <a:ext cx="9857509" cy="568830"/>
+        </a:xfrm>
+        <a:prstGeom prst="rect">
+          <a:avLst/>
+        </a:prstGeom>
+        <a:noFill/>
+        <a:ln>
+          <a:noFill/>
+        </a:ln>
+        <a:effectLst/>
+      </dsp:spPr>
+      <dsp:style>
+        <a:lnRef idx="0">
+          <a:scrgbClr r="0" g="0" b="0"/>
+        </a:lnRef>
+        <a:fillRef idx="0">
+          <a:scrgbClr r="0" g="0" b="0"/>
+        </a:fillRef>
+        <a:effectRef idx="0">
+          <a:scrgbClr r="0" g="0" b="0"/>
+        </a:effectRef>
+        <a:fontRef idx="minor"/>
+      </dsp:style>
+      <dsp:txBody>
+        <a:bodyPr spcFirstLastPara="0" vert="horz" wrap="square" lIns="80010" tIns="80010" rIns="80010" bIns="80010" numCol="1" spcCol="1270" anchor="t" anchorCtr="0">
+          <a:noAutofit/>
+        </a:bodyPr>
+        <a:lstStyle/>
+        <a:p>
+          <a:pPr marL="0" lvl="0" indent="0" algn="l" defTabSz="933450">
+            <a:lnSpc>
+              <a:spcPct val="90000"/>
+            </a:lnSpc>
+            <a:spcBef>
+              <a:spcPct val="0"/>
+            </a:spcBef>
+            <a:spcAft>
+              <a:spcPct val="35000"/>
+            </a:spcAft>
+            <a:buNone/>
+          </a:pPr>
+          <a:r>
+            <a:rPr lang="en-US" sz="2100" kern="1200" dirty="0"/>
+            <a:t>[3] GAN: 	</a:t>
+          </a:r>
+          <a:r>
+            <a:rPr lang="en-US" sz="2100" kern="1200" dirty="0">
+              <a:hlinkClick xmlns:r="http://schemas.openxmlformats.org/officeDocument/2006/relationships" r:id="rId3"/>
+            </a:rPr>
+            <a:t>Gan Based Anomaly Detection in Imbalance Problems</a:t>
+          </a:r>
+          <a:endParaRPr lang="en-US" sz="2100" kern="1200" dirty="0"/>
+        </a:p>
+      </dsp:txBody>
+      <dsp:txXfrm>
+        <a:off x="0" y="1139329"/>
+        <a:ext cx="9857509" cy="568830"/>
+      </dsp:txXfrm>
+    </dsp:sp>
+    <dsp:sp modelId="{C2CAD411-0570-48F2-B822-C80447642A06}">
+      <dsp:nvSpPr>
+        <dsp:cNvPr id="0" name=""/>
+        <dsp:cNvSpPr/>
+      </dsp:nvSpPr>
+      <dsp:spPr>
+        <a:xfrm>
+          <a:off x="0" y="1708160"/>
+          <a:ext cx="9857509" cy="0"/>
+        </a:xfrm>
+        <a:prstGeom prst="line">
+          <a:avLst/>
+        </a:prstGeom>
+        <a:solidFill>
+          <a:schemeClr val="accent1">
+            <a:hueOff val="0"/>
+            <a:satOff val="0"/>
+            <a:lumOff val="0"/>
+            <a:alphaOff val="0"/>
+          </a:schemeClr>
+        </a:solidFill>
+        <a:ln w="6350" cap="flat" cmpd="sng" algn="ctr">
+          <a:solidFill>
+            <a:schemeClr val="accent1">
+              <a:hueOff val="0"/>
+              <a:satOff val="0"/>
+              <a:lumOff val="0"/>
+              <a:alphaOff val="0"/>
+            </a:schemeClr>
+          </a:solidFill>
+          <a:prstDash val="solid"/>
+          <a:miter lim="800000"/>
+        </a:ln>
+        <a:effectLst/>
+        <a:scene3d>
+          <a:camera prst="orthographicFront"/>
+          <a:lightRig rig="chilly" dir="t"/>
+        </a:scene3d>
+        <a:sp3d prstMaterial="translucentPowder">
+          <a:bevelT w="127000" h="25400" prst="softRound"/>
+        </a:sp3d>
+      </dsp:spPr>
+      <dsp:style>
+        <a:lnRef idx="1">
+          <a:scrgbClr r="0" g="0" b="0"/>
+        </a:lnRef>
+        <a:fillRef idx="1">
+          <a:scrgbClr r="0" g="0" b="0"/>
+        </a:fillRef>
+        <a:effectRef idx="0">
+          <a:scrgbClr r="0" g="0" b="0"/>
+        </a:effectRef>
+        <a:fontRef idx="minor">
+          <a:schemeClr val="lt1"/>
+        </a:fontRef>
+      </dsp:style>
+    </dsp:sp>
+    <dsp:sp modelId="{C496FFAE-3A96-4070-8377-7D6C9572B841}">
+      <dsp:nvSpPr>
+        <dsp:cNvPr id="0" name=""/>
+        <dsp:cNvSpPr/>
+      </dsp:nvSpPr>
+      <dsp:spPr>
+        <a:xfrm>
+          <a:off x="0" y="1708160"/>
+          <a:ext cx="9857509" cy="568830"/>
+        </a:xfrm>
+        <a:prstGeom prst="rect">
+          <a:avLst/>
+        </a:prstGeom>
+        <a:noFill/>
+        <a:ln>
+          <a:noFill/>
+        </a:ln>
+        <a:effectLst/>
+      </dsp:spPr>
+      <dsp:style>
+        <a:lnRef idx="0">
+          <a:scrgbClr r="0" g="0" b="0"/>
+        </a:lnRef>
+        <a:fillRef idx="0">
+          <a:scrgbClr r="0" g="0" b="0"/>
+        </a:fillRef>
+        <a:effectRef idx="0">
+          <a:scrgbClr r="0" g="0" b="0"/>
+        </a:effectRef>
+        <a:fontRef idx="minor"/>
+      </dsp:style>
+      <dsp:txBody>
+        <a:bodyPr spcFirstLastPara="0" vert="horz" wrap="square" lIns="80010" tIns="80010" rIns="80010" bIns="80010" numCol="1" spcCol="1270" anchor="t" anchorCtr="0">
+          <a:noAutofit/>
+        </a:bodyPr>
+        <a:lstStyle/>
+        <a:p>
+          <a:pPr marL="0" lvl="0" indent="0" algn="l" defTabSz="933450">
+            <a:lnSpc>
+              <a:spcPct val="90000"/>
+            </a:lnSpc>
+            <a:spcBef>
+              <a:spcPct val="0"/>
+            </a:spcBef>
+            <a:spcAft>
+              <a:spcPct val="35000"/>
+            </a:spcAft>
+            <a:buNone/>
+          </a:pPr>
+          <a:r>
+            <a:rPr lang="it-IT" sz="2100" kern="1200"/>
+            <a:t>Colab:  		</a:t>
+          </a:r>
+          <a:r>
+            <a:rPr lang="it-IT" sz="2100" kern="1200">
+              <a:hlinkClick xmlns:r="http://schemas.openxmlformats.org/officeDocument/2006/relationships" r:id="rId4"/>
+            </a:rPr>
+            <a:t>code</a:t>
+          </a:r>
+          <a:endParaRPr lang="en-US" sz="2100" kern="1200"/>
+        </a:p>
+      </dsp:txBody>
+      <dsp:txXfrm>
+        <a:off x="0" y="1708160"/>
+        <a:ext cx="9857509" cy="568830"/>
+      </dsp:txXfrm>
+    </dsp:sp>
+    <dsp:sp modelId="{8FF240A6-9E5A-4ABE-BE86-82F0670773E7}">
+      <dsp:nvSpPr>
+        <dsp:cNvPr id="0" name=""/>
+        <dsp:cNvSpPr/>
+      </dsp:nvSpPr>
+      <dsp:spPr>
+        <a:xfrm>
+          <a:off x="0" y="2276990"/>
+          <a:ext cx="9857509" cy="0"/>
+        </a:xfrm>
+        <a:prstGeom prst="line">
+          <a:avLst/>
+        </a:prstGeom>
+        <a:solidFill>
+          <a:schemeClr val="accent1">
+            <a:hueOff val="0"/>
+            <a:satOff val="0"/>
+            <a:lumOff val="0"/>
+            <a:alphaOff val="0"/>
+          </a:schemeClr>
+        </a:solidFill>
+        <a:ln w="6350" cap="flat" cmpd="sng" algn="ctr">
+          <a:solidFill>
+            <a:schemeClr val="accent1">
+              <a:hueOff val="0"/>
+              <a:satOff val="0"/>
+              <a:lumOff val="0"/>
+              <a:alphaOff val="0"/>
+            </a:schemeClr>
+          </a:solidFill>
+          <a:prstDash val="solid"/>
+          <a:miter lim="800000"/>
+        </a:ln>
+        <a:effectLst/>
+        <a:scene3d>
+          <a:camera prst="orthographicFront"/>
+          <a:lightRig rig="chilly" dir="t"/>
+        </a:scene3d>
+        <a:sp3d prstMaterial="translucentPowder">
+          <a:bevelT w="127000" h="25400" prst="softRound"/>
+        </a:sp3d>
+      </dsp:spPr>
+      <dsp:style>
+        <a:lnRef idx="1">
+          <a:scrgbClr r="0" g="0" b="0"/>
+        </a:lnRef>
+        <a:fillRef idx="1">
+          <a:scrgbClr r="0" g="0" b="0"/>
+        </a:fillRef>
+        <a:effectRef idx="0">
+          <a:scrgbClr r="0" g="0" b="0"/>
+        </a:effectRef>
+        <a:fontRef idx="minor">
+          <a:schemeClr val="lt1"/>
+        </a:fontRef>
+      </dsp:style>
+    </dsp:sp>
+    <dsp:sp modelId="{BD581AA0-7F50-44CA-90E7-5789CCE7984F}">
+      <dsp:nvSpPr>
+        <dsp:cNvPr id="0" name=""/>
+        <dsp:cNvSpPr/>
+      </dsp:nvSpPr>
+      <dsp:spPr>
+        <a:xfrm>
+          <a:off x="0" y="2276990"/>
+          <a:ext cx="9857509" cy="568830"/>
+        </a:xfrm>
+        <a:prstGeom prst="rect">
+          <a:avLst/>
+        </a:prstGeom>
+        <a:noFill/>
+        <a:ln>
+          <a:noFill/>
+        </a:ln>
+        <a:effectLst/>
+      </dsp:spPr>
+      <dsp:style>
+        <a:lnRef idx="0">
+          <a:scrgbClr r="0" g="0" b="0"/>
+        </a:lnRef>
+        <a:fillRef idx="0">
+          <a:scrgbClr r="0" g="0" b="0"/>
+        </a:fillRef>
+        <a:effectRef idx="0">
+          <a:scrgbClr r="0" g="0" b="0"/>
+        </a:effectRef>
+        <a:fontRef idx="minor"/>
+      </dsp:style>
+      <dsp:txBody>
+        <a:bodyPr spcFirstLastPara="0" vert="horz" wrap="square" lIns="80010" tIns="80010" rIns="80010" bIns="80010" numCol="1" spcCol="1270" anchor="t" anchorCtr="0">
+          <a:noAutofit/>
+        </a:bodyPr>
+        <a:lstStyle/>
+        <a:p>
+          <a:pPr marL="0" lvl="0" indent="0" algn="l" defTabSz="933450">
+            <a:lnSpc>
+              <a:spcPct val="90000"/>
+            </a:lnSpc>
+            <a:spcBef>
+              <a:spcPct val="0"/>
+            </a:spcBef>
+            <a:spcAft>
+              <a:spcPct val="35000"/>
+            </a:spcAft>
+            <a:buNone/>
+          </a:pPr>
+          <a:r>
+            <a:rPr lang="it-IT" sz="2100" kern="1200"/>
+            <a:t>GitHub: 		</a:t>
+          </a:r>
+          <a:r>
+            <a:rPr lang="it-IT" sz="2100" kern="1200">
+              <a:hlinkClick xmlns:r="http://schemas.openxmlformats.org/officeDocument/2006/relationships" r:id="rId5"/>
+            </a:rPr>
+            <a:t>repo</a:t>
+          </a:r>
+          <a:endParaRPr lang="en-US" sz="2100" kern="1200"/>
+        </a:p>
+      </dsp:txBody>
+      <dsp:txXfrm>
+        <a:off x="0" y="2276990"/>
+        <a:ext cx="9857509" cy="568830"/>
+      </dsp:txXfrm>
+    </dsp:sp>
+    <dsp:sp modelId="{F86020DB-8FEC-4BDA-9C95-65A453BCAF5D}">
+      <dsp:nvSpPr>
+        <dsp:cNvPr id="0" name=""/>
+        <dsp:cNvSpPr/>
+      </dsp:nvSpPr>
+      <dsp:spPr>
+        <a:xfrm>
+          <a:off x="0" y="2845821"/>
+          <a:ext cx="9857509" cy="0"/>
+        </a:xfrm>
+        <a:prstGeom prst="line">
+          <a:avLst/>
+        </a:prstGeom>
+        <a:solidFill>
+          <a:schemeClr val="accent1">
+            <a:hueOff val="0"/>
+            <a:satOff val="0"/>
+            <a:lumOff val="0"/>
+            <a:alphaOff val="0"/>
+          </a:schemeClr>
+        </a:solidFill>
+        <a:ln w="6350" cap="flat" cmpd="sng" algn="ctr">
+          <a:solidFill>
+            <a:schemeClr val="accent1">
+              <a:hueOff val="0"/>
+              <a:satOff val="0"/>
+              <a:lumOff val="0"/>
+              <a:alphaOff val="0"/>
+            </a:schemeClr>
+          </a:solidFill>
+          <a:prstDash val="solid"/>
+          <a:miter lim="800000"/>
+        </a:ln>
+        <a:effectLst/>
+        <a:scene3d>
+          <a:camera prst="orthographicFront"/>
+          <a:lightRig rig="chilly" dir="t"/>
+        </a:scene3d>
+        <a:sp3d prstMaterial="translucentPowder">
+          <a:bevelT w="127000" h="25400" prst="softRound"/>
+        </a:sp3d>
+      </dsp:spPr>
+      <dsp:style>
+        <a:lnRef idx="1">
+          <a:scrgbClr r="0" g="0" b="0"/>
+        </a:lnRef>
+        <a:fillRef idx="1">
+          <a:scrgbClr r="0" g="0" b="0"/>
+        </a:fillRef>
+        <a:effectRef idx="0">
+          <a:scrgbClr r="0" g="0" b="0"/>
+        </a:effectRef>
+        <a:fontRef idx="minor">
+          <a:schemeClr val="lt1"/>
+        </a:fontRef>
+      </dsp:style>
+    </dsp:sp>
+    <dsp:sp modelId="{A16416D9-8912-4B34-BC25-CBA8E6360E71}">
+      <dsp:nvSpPr>
+        <dsp:cNvPr id="0" name=""/>
+        <dsp:cNvSpPr/>
+      </dsp:nvSpPr>
+      <dsp:spPr>
+        <a:xfrm>
+          <a:off x="0" y="2845821"/>
+          <a:ext cx="9857509" cy="568830"/>
+        </a:xfrm>
+        <a:prstGeom prst="rect">
+          <a:avLst/>
+        </a:prstGeom>
+        <a:noFill/>
+        <a:ln>
+          <a:noFill/>
+        </a:ln>
+        <a:effectLst/>
+      </dsp:spPr>
+      <dsp:style>
+        <a:lnRef idx="0">
+          <a:scrgbClr r="0" g="0" b="0"/>
+        </a:lnRef>
+        <a:fillRef idx="0">
+          <a:scrgbClr r="0" g="0" b="0"/>
+        </a:fillRef>
+        <a:effectRef idx="0">
+          <a:scrgbClr r="0" g="0" b="0"/>
+        </a:effectRef>
+        <a:fontRef idx="minor"/>
+      </dsp:style>
+      <dsp:txBody>
+        <a:bodyPr spcFirstLastPara="0" vert="horz" wrap="square" lIns="80010" tIns="80010" rIns="80010" bIns="80010" numCol="1" spcCol="1270" anchor="t" anchorCtr="0">
+          <a:noAutofit/>
+        </a:bodyPr>
+        <a:lstStyle/>
+        <a:p>
+          <a:pPr marL="0" lvl="0" indent="0" algn="l" defTabSz="933450">
+            <a:lnSpc>
+              <a:spcPct val="90000"/>
+            </a:lnSpc>
+            <a:spcBef>
+              <a:spcPct val="0"/>
+            </a:spcBef>
+            <a:spcAft>
+              <a:spcPct val="35000"/>
+            </a:spcAft>
+            <a:buNone/>
+          </a:pPr>
+          <a:r>
+            <a:rPr lang="it-IT" sz="2100" kern="1200"/>
+            <a:t>LaTex: 		</a:t>
+          </a:r>
+          <a:r>
+            <a:rPr lang="it-IT" sz="2100" kern="1200">
+              <a:hlinkClick xmlns:r="http://schemas.openxmlformats.org/officeDocument/2006/relationships" r:id="rId6"/>
+            </a:rPr>
+            <a:t>paper</a:t>
+          </a:r>
+          <a:r>
+            <a:rPr lang="it-IT" sz="2100" kern="1200"/>
+            <a:t> </a:t>
+          </a:r>
+          <a:endParaRPr lang="en-US" sz="2100" kern="1200"/>
+        </a:p>
+      </dsp:txBody>
+      <dsp:txXfrm>
+        <a:off x="0" y="2845821"/>
+        <a:ext cx="9857509" cy="568830"/>
+      </dsp:txXfrm>
+    </dsp:sp>
+  </dsp:spTree>
+</dsp:drawing>
+</file>
+
+<file path=ppt/diagrams/layout1.xml><?xml version="1.0" encoding="utf-8"?>
+<dgm:layoutDef xmlns:dgm="http://schemas.openxmlformats.org/drawingml/2006/diagram" xmlns:a="http://schemas.openxmlformats.org/drawingml/2006/main" uniqueId="urn:microsoft.com/office/officeart/2008/layout/LinedList">
+  <dgm:title val=""/>
+  <dgm:desc val=""/>
+  <dgm:catLst>
+    <dgm:cat type="hierarchy" pri="8000"/>
+    <dgm:cat type="list" pri="2500"/>
+  </dgm:catLst>
+  <dgm:sampData>
+    <dgm:dataModel>
+      <dgm:ptLst>
+        <dgm:pt modelId="0" type="doc"/>
+        <dgm:pt modelId="1">
+          <dgm:prSet phldr="1"/>
+        </dgm:pt>
+        <dgm:pt modelId="11">
+          <dgm:prSet phldr="1"/>
+        </dgm:pt>
+        <dgm:pt modelId="12">
+          <dgm:prSet phldr="1"/>
+        </dgm:pt>
+        <dgm:pt modelId="13">
+          <dgm:prSet phldr="1"/>
+        </dgm:pt>
+      </dgm:ptLst>
+      <dgm:cxnLst>
+        <dgm:cxn modelId="2" srcId="0" destId="1" srcOrd="0" destOrd="0"/>
+        <dgm:cxn modelId="3" srcId="1" destId="11" srcOrd="0" destOrd="0"/>
+        <dgm:cxn modelId="4" srcId="1" destId="12" srcOrd="1" destOrd="0"/>
+        <dgm:cxn modelId="5" srcId="1" destId="13" srcOrd="2" destOrd="0"/>
+      </dgm:cxnLst>
+      <dgm:bg/>
+      <dgm:whole/>
+    </dgm:dataModel>
+  </dgm:sampData>
+  <dgm:styleData>
+    <dgm:dataModel>
+      <dgm:ptLst>
+        <dgm:pt modelId="0" type="doc"/>
+        <dgm:pt modelId="1">
+          <dgm:prSet phldr="1"/>
+        </dgm:pt>
+        <dgm:pt modelId="11">
+          <dgm:prSet phldr="1"/>
+        </dgm:pt>
+        <dgm:pt modelId="12">
+          <dgm:prSet phldr="1"/>
+        </dgm:pt>
+      </dgm:ptLst>
+      <dgm:cxnLst>
+        <dgm:cxn modelId="2" srcId="0" destId="1" srcOrd="0" destOrd="0"/>
+        <dgm:cxn modelId="3" srcId="1" destId="11" srcOrd="0" destOrd="0"/>
+        <dgm:cxn modelId="4" srcId="1" destId="12" srcOrd="1" destOrd="0"/>
+      </dgm:cxnLst>
+      <dgm:bg/>
+      <dgm:whole/>
+    </dgm:dataModel>
+  </dgm:styleData>
+  <dgm:clrData>
+    <dgm:dataModel>
+      <dgm:ptLst>
+        <dgm:pt modelId="0" type="doc"/>
+        <dgm:pt modelId="1">
+          <dgm:prSet phldr="1"/>
+        </dgm:pt>
+        <dgm:pt modelId="11">
+          <dgm:prSet phldr="1"/>
+        </dgm:pt>
+        <dgm:pt modelId="12">
+          <dgm:prSet phldr="1"/>
+        </dgm:pt>
+      </dgm:ptLst>
+      <dgm:cxnLst>
+        <dgm:cxn modelId="2" srcId="0" destId="1" srcOrd="0" destOrd="0"/>
+        <dgm:cxn modelId="3" srcId="1" destId="11" srcOrd="0" destOrd="0"/>
+        <dgm:cxn modelId="4" srcId="1" destId="12" srcOrd="1" destOrd="0"/>
+      </dgm:cxnLst>
+      <dgm:bg/>
+      <dgm:whole/>
+    </dgm:dataModel>
+  </dgm:clrData>
+  <dgm:layoutNode name="vert0">
+    <dgm:varLst>
+      <dgm:dir/>
+      <dgm:animOne val="branch"/>
+      <dgm:animLvl val="lvl"/>
+    </dgm:varLst>
+    <dgm:choose name="Name0">
+      <dgm:if name="Name1" func="var" arg="dir" op="equ" val="norm">
+        <dgm:alg type="lin">
+          <dgm:param type="linDir" val="fromT"/>
+          <dgm:param type="nodeHorzAlign" val="l"/>
+        </dgm:alg>
+      </dgm:if>
+      <dgm:else name="Name2">
+        <dgm:alg type="lin">
+          <dgm:param type="linDir" val="fromT"/>
+          <dgm:param type="nodeHorzAlign" val="r"/>
+        </dgm:alg>
+      </dgm:else>
+    </dgm:choose>
+    <dgm:shape xmlns:r="http://schemas.openxmlformats.org/officeDocument/2006/relationships" r:blip="">
+      <dgm:adjLst/>
+    </dgm:shape>
+    <dgm:presOf/>
+    <dgm:constrLst>
+      <dgm:constr type="w" for="ch" forName="horz1" refType="w"/>
+      <dgm:constr type="h" for="ch" forName="horz1" refType="h"/>
+      <dgm:constr type="h" for="des" forName="vert1" refType="h"/>
+      <dgm:constr type="h" for="des" forName="tx1" refType="h"/>
+      <dgm:constr type="h" for="des" forName="horz2" refType="h"/>
+      <dgm:constr type="h" for="des" forName="vert2" refType="h"/>
+      <dgm:constr type="h" for="des" forName="horz3" refType="h"/>
+      <dgm:constr type="h" for="des" forName="vert3" refType="h"/>
+      <dgm:constr type="h" for="des" forName="horz4" refType="h"/>
+      <dgm:constr type="h" for="des" ptType="node" refType="h"/>
+      <dgm:constr type="primFontSz" for="des" forName="tx1" op="equ" val="65"/>
+      <dgm:constr type="primFontSz" for="des" forName="tx2" op="equ" val="65"/>
+      <dgm:constr type="primFontSz" for="des" forName="tx3" op="equ" val="65"/>
+      <dgm:constr type="primFontSz" for="des" forName="tx4" op="equ" val="65"/>
+      <dgm:constr type="w" for="des" forName="thickLine" refType="w"/>
+      <dgm:constr type="h" for="des" forName="thickLine"/>
+      <dgm:constr type="h" for="des" forName="thinLine1"/>
+      <dgm:constr type="h" for="des" forName="thinLine2b"/>
+      <dgm:constr type="h" for="des" forName="thinLine3"/>
+      <dgm:constr type="h" for="des" forName="vertSpace2a" refType="h" fact="0.05"/>
+      <dgm:constr type="h" for="des" forName="vertSpace2b" refType="h" refFor="des" refForName="vertSpace2a"/>
+    </dgm:constrLst>
+    <dgm:forEach name="Name3" axis="ch" ptType="node">
+      <dgm:layoutNode name="thickLine" styleLbl="alignNode1">
+        <dgm:alg type="sp"/>
+        <dgm:shape xmlns:r="http://schemas.openxmlformats.org/officeDocument/2006/relationships" type="line" r:blip="">
+          <dgm:adjLst/>
+        </dgm:shape>
+        <dgm:presOf/>
+      </dgm:layoutNode>
+      <dgm:layoutNode name="horz1">
+        <dgm:choose name="Name4">
+          <dgm:if name="Name5" func="var" arg="dir" op="equ" val="norm">
+            <dgm:alg type="lin">
+              <dgm:param type="linDir" val="fromL"/>
+              <dgm:param type="nodeVertAlign" val="t"/>
+            </dgm:alg>
+          </dgm:if>
+          <dgm:else name="Name6">
+            <dgm:alg type="lin">
+              <dgm:param type="linDir" val="fromR"/>
+              <dgm:param type="nodeVertAlign" val="t"/>
+            </dgm:alg>
+          </dgm:else>
+        </dgm:choose>
+        <dgm:shape xmlns:r="http://schemas.openxmlformats.org/officeDocument/2006/relationships" r:blip="">
+          <dgm:adjLst/>
+        </dgm:shape>
+        <dgm:presOf/>
+        <dgm:choose name="Name7">
+          <dgm:if name="Name8" axis="root des" func="maxDepth" op="equ" val="1">
+            <dgm:constrLst>
+              <dgm:constr type="w" for="ch" forName="tx1" refType="w"/>
+            </dgm:constrLst>
+          </dgm:if>
+          <dgm:if name="Name9" axis="root des" func="maxDepth" op="equ" val="2">
+            <dgm:constrLst>
+              <dgm:constr type="w" for="ch" forName="tx1" refType="w" fact="0.2"/>
+              <dgm:constr type="w" for="des" forName="tx2" refType="w" fact="0.785"/>
+              <dgm:constr type="w" for="des" forName="horzSpace2" refType="w" fact="0.015"/>
+              <dgm:constr type="w" for="des" forName="thinLine2b" refType="w" fact="0.8"/>
+            </dgm:constrLst>
+          </dgm:if>
+          <dgm:if name="Name10" axis="root des" func="maxDepth" op="equ" val="3">
+            <dgm:constrLst>
+              <dgm:constr type="w" for="ch" forName="tx1" refType="w" fact="0.2"/>
+              <dgm:constr type="w" for="des" forName="tx2" refType="w" fact="0.385"/>
+              <dgm:constr type="w" for="des" forName="tx3" refType="w" fact="0.385"/>
+              <dgm:constr type="w" for="des" forName="horzSpace2" refType="w" fact="0.015"/>
+              <dgm:constr type="w" for="des" forName="horzSpace3" refType="w" fact="0.015"/>
+              <dgm:constr type="w" for="des" forName="thinLine2b" refType="w" fact="0.8"/>
+              <dgm:constr type="w" for="des" forName="thinLine3" refType="w" fact="0.385"/>
+            </dgm:constrLst>
+          </dgm:if>
+          <dgm:if name="Name11" axis="root des" func="maxDepth" op="gte" val="4">
+            <dgm:constrLst>
+              <dgm:constr type="w" for="ch" forName="tx1" refType="w" fact="0.2"/>
+              <dgm:constr type="w" for="des" forName="tx2" refType="w" fact="0.2516"/>
+              <dgm:constr type="w" for="des" forName="tx3" refType="w" fact="0.2516"/>
+              <dgm:constr type="w" for="des" forName="tx4" refType="w" fact="0.2516"/>
+              <dgm:constr type="w" for="des" forName="horzSpace2" refType="w" fact="0.015"/>
+              <dgm:constr type="w" for="des" forName="horzSpace3" refType="w" fact="0.015"/>
+              <dgm:constr type="w" for="des" forName="horzSpace4" refType="w" fact="0.015"/>
+              <dgm:constr type="w" for="des" forName="thinLine2b" refType="w" fact="0.8"/>
+              <dgm:constr type="w" for="des" forName="thinLine3" refType="w" fact="0.5332"/>
+            </dgm:constrLst>
+          </dgm:if>
+          <dgm:else name="Name12"/>
+        </dgm:choose>
+        <dgm:layoutNode name="tx1" styleLbl="revTx">
+          <dgm:alg type="tx">
+            <dgm:param type="parTxLTRAlign" val="l"/>
+            <dgm:param type="parTxRTLAlign" val="r"/>
+            <dgm:param type="txAnchorVert" val="t"/>
+          </dgm:alg>
+          <dgm:shape xmlns:r="http://schemas.openxmlformats.org/officeDocument/2006/relationships" type="rect" r:blip="">
+            <dgm:adjLst/>
+          </dgm:shape>
+          <dgm:presOf axis="self"/>
+          <dgm:constrLst>
+            <dgm:constr type="tMarg" refType="primFontSz" fact="0.3"/>
+            <dgm:constr type="bMarg" refType="primFontSz" fact="0.3"/>
+            <dgm:constr type="lMarg" refType="primFontSz" fact="0.3"/>
+            <dgm:constr type="rMarg" refType="primFontSz" fact="0.3"/>
+          </dgm:constrLst>
+          <dgm:ruleLst>
+            <dgm:rule type="primFontSz" val="5" fact="NaN" max="NaN"/>
+          </dgm:ruleLst>
+        </dgm:layoutNode>
+        <dgm:layoutNode name="vert1">
+          <dgm:choose name="Name13">
+            <dgm:if name="Name14" func="var" arg="dir" op="equ" val="norm">
+              <dgm:alg type="lin">
+                <dgm:param type="linDir" val="fromT"/>
+                <dgm:param type="nodeHorzAlign" val="l"/>
+              </dgm:alg>
+            </dgm:if>
+            <dgm:else name="Name15">
+              <dgm:alg type="lin">
+                <dgm:param type="linDir" val="fromT"/>
+                <dgm:param type="nodeHorzAlign" val="r"/>
+              </dgm:alg>
+            </dgm:else>
+          </dgm:choose>
+          <dgm:shape xmlns:r="http://schemas.openxmlformats.org/officeDocument/2006/relationships" r:blip="">
+            <dgm:adjLst/>
+          </dgm:shape>
+          <dgm:presOf/>
+          <dgm:forEach name="Name16" axis="ch" ptType="node">
+            <dgm:choose name="Name17">
+              <dgm:if name="Name18" axis="self" ptType="node" func="pos" op="equ" val="1">
+                <dgm:layoutNode name="vertSpace2a">
+                  <dgm:alg type="sp"/>
+                  <dgm:shape xmlns:r="http://schemas.openxmlformats.org/officeDocument/2006/relationships" r:blip="">
+                    <dgm:adjLst/>
+                  </dgm:shape>
+                  <dgm:presOf/>
+                </dgm:layoutNode>
+              </dgm:if>
+              <dgm:else name="Name19"/>
+            </dgm:choose>
+            <dgm:layoutNode name="horz2">
+              <dgm:choose name="Name20">
+                <dgm:if name="Name21" func="var" arg="dir" op="equ" val="norm">
+                  <dgm:alg type="lin">
+                    <dgm:param type="linDir" val="fromL"/>
+                    <dgm:param type="nodeVertAlign" val="t"/>
+                  </dgm:alg>
+                </dgm:if>
+                <dgm:else name="Name22">
+                  <dgm:alg type="lin">
+                    <dgm:param type="linDir" val="fromR"/>
+                    <dgm:param type="nodeVertAlign" val="t"/>
+                  </dgm:alg>
+                </dgm:else>
+              </dgm:choose>
+              <dgm:shape xmlns:r="http://schemas.openxmlformats.org/officeDocument/2006/relationships" r:blip="">
+                <dgm:adjLst/>
+              </dgm:shape>
+              <dgm:presOf/>
+              <dgm:layoutNode name="horzSpace2">
+                <dgm:alg type="sp"/>
+                <dgm:shape xmlns:r="http://schemas.openxmlformats.org/officeDocument/2006/relationships" r:blip="">
+                  <dgm:adjLst/>
+                </dgm:shape>
+                <dgm:presOf/>
+              </dgm:layoutNode>
+              <dgm:layoutNode name="tx2" styleLbl="revTx">
+                <dgm:alg type="tx">
+                  <dgm:param type="parTxLTRAlign" val="l"/>
+                  <dgm:param type="parTxRTLAlign" val="r"/>
+                  <dgm:param type="txAnchorVert" val="t"/>
+                </dgm:alg>
+                <dgm:shape xmlns:r="http://schemas.openxmlformats.org/officeDocument/2006/relationships" type="rect" r:blip="">
+                  <dgm:adjLst/>
+                </dgm:shape>
+                <dgm:presOf axis="self"/>
+                <dgm:constrLst>
+                  <dgm:constr type="tMarg" refType="primFontSz" fact="0.3"/>
+                  <dgm:constr type="bMarg" refType="primFontSz" fact="0.3"/>
+                  <dgm:constr type="lMarg" refType="primFontSz" fact="0.3"/>
+                  <dgm:constr type="rMarg" refType="primFontSz" fact="0.3"/>
+                </dgm:constrLst>
+                <dgm:ruleLst>
+                  <dgm:rule type="primFontSz" val="5" fact="NaN" max="NaN"/>
+                </dgm:ruleLst>
+              </dgm:layoutNode>
+              <dgm:layoutNode name="vert2">
+                <dgm:choose name="Name23">
+                  <dgm:if name="Name24" func="var" arg="dir" op="equ" val="norm">
+                    <dgm:alg type="lin">
+                      <dgm:param type="linDir" val="fromT"/>
+                      <dgm:param type="nodeHorzAlign" val="l"/>
+                    </dgm:alg>
+                  </dgm:if>
+                  <dgm:else name="Name25">
+                    <dgm:alg type="lin">
+                      <dgm:param type="linDir" val="fromT"/>
+                      <dgm:param type="nodeHorzAlign" val="r"/>
+                    </dgm:alg>
+                  </dgm:else>
+                </dgm:choose>
+                <dgm:shape xmlns:r="http://schemas.openxmlformats.org/officeDocument/2006/relationships" r:blip="">
+                  <dgm:adjLst/>
+                </dgm:shape>
+                <dgm:presOf/>
+                <dgm:forEach name="Name26" axis="ch" ptType="node">
+                  <dgm:layoutNode name="horz3">
+                    <dgm:choose name="Name27">
+                      <dgm:if name="Name28" func="var" arg="dir" op="equ" val="norm">
+                        <dgm:alg type="lin">
+                          <dgm:param type="linDir" val="fromL"/>
+                          <dgm:param type="nodeVertAlign" val="t"/>
+                        </dgm:alg>
+                      </dgm:if>
+                      <dgm:else name="Name29">
+                        <dgm:alg type="lin">
+                          <dgm:param type="linDir" val="fromR"/>
+                          <dgm:param type="nodeVertAlign" val="t"/>
+                        </dgm:alg>
+                      </dgm:else>
+                    </dgm:choose>
+                    <dgm:shape xmlns:r="http://schemas.openxmlformats.org/officeDocument/2006/relationships" r:blip="">
+                      <dgm:adjLst/>
+                    </dgm:shape>
+                    <dgm:presOf/>
+                    <dgm:layoutNode name="horzSpace3">
+                      <dgm:alg type="sp"/>
+                      <dgm:shape xmlns:r="http://schemas.openxmlformats.org/officeDocument/2006/relationships" r:blip="">
+                        <dgm:adjLst/>
+                      </dgm:shape>
+                      <dgm:presOf/>
+                    </dgm:layoutNode>
+                    <dgm:layoutNode name="tx3" styleLbl="revTx">
+                      <dgm:alg type="tx">
+                        <dgm:param type="parTxLTRAlign" val="l"/>
+                        <dgm:param type="parTxRTLAlign" val="r"/>
+                        <dgm:param type="txAnchorVert" val="t"/>
+                      </dgm:alg>
+                      <dgm:shape xmlns:r="http://schemas.openxmlformats.org/officeDocument/2006/relationships" type="rect" r:blip="">
+                        <dgm:adjLst/>
+                      </dgm:shape>
+                      <dgm:presOf axis="self"/>
+                      <dgm:constrLst>
+                        <dgm:constr type="tMarg" refType="primFontSz" fact="0.3"/>
+                        <dgm:constr type="bMarg" refType="primFontSz" fact="0.3"/>
+                        <dgm:constr type="lMarg" refType="primFontSz" fact="0.3"/>
+                        <dgm:constr type="rMarg" refType="primFontSz" fact="0.3"/>
+                      </dgm:constrLst>
+                      <dgm:ruleLst>
+                        <dgm:rule type="primFontSz" val="5" fact="NaN" max="NaN"/>
+                      </dgm:ruleLst>
+                    </dgm:layoutNode>
+                    <dgm:layoutNode name="vert3">
+                      <dgm:choose name="Name30">
+                        <dgm:if name="Name31" func="var" arg="dir" op="equ" val="norm">
+                          <dgm:alg type="lin">
+                            <dgm:param type="linDir" val="fromT"/>
+                            <dgm:param type="nodeHorzAlign" val="l"/>
+                          </dgm:alg>
+                        </dgm:if>
+                        <dgm:else name="Name32">
+                          <dgm:alg type="lin">
+                            <dgm:param type="linDir" val="fromT"/>
+                            <dgm:param type="nodeHorzAlign" val="r"/>
+                          </dgm:alg>
+                        </dgm:else>
+                      </dgm:choose>
+                      <dgm:shape xmlns:r="http://schemas.openxmlformats.org/officeDocument/2006/relationships" r:blip="">
+                        <dgm:adjLst/>
+                      </dgm:shape>
+                      <dgm:presOf/>
+                      <dgm:forEach name="Name33" axis="ch" ptType="node">
+                        <dgm:layoutNode name="horz4">
+                          <dgm:choose name="Name34">
+                            <dgm:if name="Name35" func="var" arg="dir" op="equ" val="norm">
+                              <dgm:alg type="lin">
+                                <dgm:param type="linDir" val="fromL"/>
+                                <dgm:param type="nodeVertAlign" val="t"/>
+                              </dgm:alg>
+                            </dgm:if>
+                            <dgm:else name="Name36">
+                              <dgm:alg type="lin">
+                                <dgm:param type="linDir" val="fromR"/>
+                                <dgm:param type="nodeVertAlign" val="t"/>
+                              </dgm:alg>
+                            </dgm:else>
+                          </dgm:choose>
+                          <dgm:shape xmlns:r="http://schemas.openxmlformats.org/officeDocument/2006/relationships" r:blip="">
+                            <dgm:adjLst/>
+                          </dgm:shape>
+                          <dgm:presOf/>
+                          <dgm:layoutNode name="horzSpace4">
+                            <dgm:alg type="sp"/>
+                            <dgm:shape xmlns:r="http://schemas.openxmlformats.org/officeDocument/2006/relationships" r:blip="">
+                              <dgm:adjLst/>
+                            </dgm:shape>
+                            <dgm:presOf/>
+                          </dgm:layoutNode>
+                          <dgm:layoutNode name="tx4" styleLbl="revTx">
+                            <dgm:varLst>
+                              <dgm:bulletEnabled val="1"/>
+                            </dgm:varLst>
+                            <dgm:alg type="tx">
+                              <dgm:param type="parTxLTRAlign" val="l"/>
+                              <dgm:param type="parTxRTLAlign" val="r"/>
+                              <dgm:param type="txAnchorVert" val="t"/>
+                            </dgm:alg>
+                            <dgm:shape xmlns:r="http://schemas.openxmlformats.org/officeDocument/2006/relationships" type="rect" r:blip="">
+                              <dgm:adjLst/>
+                            </dgm:shape>
+                            <dgm:presOf axis="desOrSelf" ptType="node"/>
+                            <dgm:constrLst>
+                              <dgm:constr type="tMarg" refType="primFontSz" fact="0.3"/>
+                              <dgm:constr type="bMarg" refType="primFontSz" fact="0.3"/>
+                              <dgm:constr type="lMarg" refType="primFontSz" fact="0.3"/>
+                              <dgm:constr type="rMarg" refType="primFontSz" fact="0.3"/>
+                            </dgm:constrLst>
+                            <dgm:ruleLst>
+                              <dgm:rule type="primFontSz" val="5" fact="NaN" max="NaN"/>
+                            </dgm:ruleLst>
+                          </dgm:layoutNode>
+                        </dgm:layoutNode>
+                      </dgm:forEach>
+                    </dgm:layoutNode>
+                  </dgm:layoutNode>
+                  <dgm:forEach name="Name37" axis="followSib" ptType="sibTrans" cnt="1">
+                    <dgm:layoutNode name="thinLine3" styleLbl="callout">
+                      <dgm:alg type="sp"/>
+                      <dgm:shape xmlns:r="http://schemas.openxmlformats.org/officeDocument/2006/relationships" type="line" r:blip="">
+                        <dgm:adjLst/>
+                      </dgm:shape>
+                      <dgm:presOf/>
+                    </dgm:layoutNode>
+                  </dgm:forEach>
+                </dgm:forEach>
+              </dgm:layoutNode>
+            </dgm:layoutNode>
+            <dgm:layoutNode name="thinLine2b" styleLbl="callout">
+              <dgm:alg type="sp"/>
+              <dgm:shape xmlns:r="http://schemas.openxmlformats.org/officeDocument/2006/relationships" type="line" r:blip="">
+                <dgm:adjLst/>
+              </dgm:shape>
+              <dgm:presOf/>
+            </dgm:layoutNode>
+            <dgm:layoutNode name="vertSpace2b">
+              <dgm:alg type="sp"/>
+              <dgm:shape xmlns:r="http://schemas.openxmlformats.org/officeDocument/2006/relationships" r:blip="">
+                <dgm:adjLst/>
+              </dgm:shape>
+              <dgm:presOf/>
+            </dgm:layoutNode>
+          </dgm:forEach>
+        </dgm:layoutNode>
+      </dgm:layoutNode>
+    </dgm:forEach>
+  </dgm:layoutNode>
+</dgm:layoutDef>
+</file>
+
+<file path=ppt/diagrams/quickStyle1.xml><?xml version="1.0" encoding="utf-8"?>
+<dgm:styleDef xmlns:dgm="http://schemas.openxmlformats.org/drawingml/2006/diagram" xmlns:a="http://schemas.openxmlformats.org/drawingml/2006/main" uniqueId="urn:microsoft.com/office/officeart/2005/8/quickstyle/3d4">
+  <dgm:title val=""/>
+  <dgm:desc val=""/>
+  <dgm:catLst>
+    <dgm:cat type="3D" pri="11400"/>
+  </dgm:catLst>
+  <dgm:scene3d>
+    <a:camera prst="orthographicFront"/>
+    <a:lightRig rig="threePt" dir="t"/>
+  </dgm:scene3d>
+  <dgm:styleLbl name="node0">
+    <dgm:scene3d>
+      <a:camera prst="orthographicFront"/>
+      <a:lightRig rig="chilly" dir="t"/>
+    </dgm:scene3d>
+    <dgm:sp3d prstMaterial="translucentPowder">
+      <a:bevelT w="127000" h="25400" prst="softRound"/>
+    </dgm:sp3d>
+    <dgm:txPr/>
+    <dgm:style>
+      <a:lnRef idx="0">
+        <a:scrgbClr r="0" g="0" b="0"/>
+      </a:lnRef>
+      <a:fillRef idx="1">
+        <a:scrgbClr r="0" g="0" b="0"/>
+      </a:fillRef>
+      <a:effectRef idx="0">
+        <a:scrgbClr r="0" g="0" b="0"/>
+      </a:effectRef>
+      <a:fontRef idx="minor">
+        <a:schemeClr val="lt1"/>
+      </a:fontRef>
+    </dgm:style>
+  </dgm:styleLbl>
+  <dgm:styleLbl name="lnNode1">
+    <dgm:scene3d>
+      <a:camera prst="orthographicFront"/>
+      <a:lightRig rig="chilly" dir="t"/>
+    </dgm:scene3d>
+    <dgm:sp3d prstMaterial="translucentPowder">
+      <a:bevelT w="127000" h="25400" prst="softRound"/>
+    </dgm:sp3d>
+    <dgm:txPr/>
+    <dgm:style>
+      <a:lnRef idx="0">
+        <a:scrgbClr r="0" g="0" b="0"/>
+      </a:lnRef>
+      <a:fillRef idx="1">
+        <a:scrgbClr r="0" g="0" b="0"/>
+      </a:fillRef>
+      <a:effectRef idx="0">
+        <a:scrgbClr r="0" g="0" b="0"/>
+      </a:effectRef>
+      <a:fontRef idx="minor">
+        <a:schemeClr val="lt1"/>
+      </a:fontRef>
+    </dgm:style>
+  </dgm:styleLbl>
+  <dgm:styleLbl name="vennNode1">
+    <dgm:scene3d>
+      <a:camera prst="orthographicFront"/>
+      <a:lightRig rig="chilly" dir="t"/>
+    </dgm:scene3d>
+    <dgm:sp3d prstMaterial="translucentPowder">
+      <a:bevelT w="127000" h="25400" prst="softRound"/>
+    </dgm:sp3d>
+    <dgm:txPr/>
+    <dgm:style>
+      <a:lnRef idx="0">
+        <a:scrgbClr r="0" g="0" b="0"/>
+      </a:lnRef>
+      <a:fillRef idx="1">
+        <a:scrgbClr r="0" g="0" b="0"/>
+      </a:fillRef>
+      <a:effectRef idx="0">
+        <a:scrgbClr r="0" g="0" b="0"/>
+      </a:effectRef>
+      <a:fontRef idx="minor">
+        <a:schemeClr val="tx1"/>
+      </a:fontRef>
+    </dgm:style>
+  </dgm:styleLbl>
+  <dgm:styleLbl name="alignNode1">
+    <dgm:scene3d>
+      <a:camera prst="orthographicFront"/>
+      <a:lightRig rig="chilly" dir="t"/>
+    </dgm:scene3d>
+    <dgm:sp3d prstMaterial="translucentPowder">
+      <a:bevelT w="127000" h="25400" prst="softRound"/>
+    </dgm:sp3d>
+    <dgm:txPr/>
+    <dgm:style>
+      <a:lnRef idx="1">
+        <a:scrgbClr r="0" g="0" b="0"/>
+      </a:lnRef>
+      <a:fillRef idx="1">
+        <a:scrgbClr r="0" g="0" b="0"/>
+      </a:fillRef>
+      <a:effectRef idx="0">
+        <a:scrgbClr r="0" g="0" b="0"/>
+      </a:effectRef>
+      <a:fontRef idx="minor">
+        <a:schemeClr val="lt1"/>
+      </a:fontRef>
+    </dgm:style>
+  </dgm:styleLbl>
+  <dgm:styleLbl name="node1">
+    <dgm:scene3d>
+      <a:camera prst="orthographicFront"/>
+      <a:lightRig rig="chilly" dir="t"/>
+    </dgm:scene3d>
+    <dgm:sp3d prstMaterial="translucentPowder">
+      <a:bevelT w="127000" h="25400" prst="softRound"/>
+    </dgm:sp3d>
+    <dgm:txPr/>
+    <dgm:style>
+      <a:lnRef idx="0">
+        <a:scrgbClr r="0" g="0" b="0"/>
+      </a:lnRef>
+      <a:fillRef idx="1">
+        <a:scrgbClr r="0" g="0" b="0"/>
+      </a:fillRef>
+      <a:effectRef idx="0">
+        <a:scrgbClr r="0" g="0" b="0"/>
+      </a:effectRef>
+      <a:fontRef idx="minor">
+        <a:schemeClr val="lt1"/>
+      </a:fontRef>
+    </dgm:style>
+  </dgm:styleLbl>
+  <dgm:styleLbl name="node2">
+    <dgm:scene3d>
+      <a:camera prst="orthographicFront"/>
+      <a:lightRig rig="chilly" dir="t"/>
+    </dgm:scene3d>
+    <dgm:sp3d prstMaterial="translucentPowder">
+      <a:bevelT w="127000" h="25400" prst="softRound"/>
+    </dgm:sp3d>
+    <dgm:txPr/>
+    <dgm:style>
+      <a:lnRef idx="0">
+        <a:scrgbClr r="0" g="0" b="0"/>
+      </a:lnRef>
+      <a:fillRef idx="1">
+        <a:scrgbClr r="0" g="0" b="0"/>
+      </a:fillRef>
+      <a:effectRef idx="0">
+        <a:scrgbClr r="0" g="0" b="0"/>
+      </a:effectRef>
+      <a:fontRef idx="minor">
+        <a:schemeClr val="lt1"/>
+      </a:fontRef>
+    </dgm:style>
+  </dgm:styleLbl>
+  <dgm:styleLbl name="node3">
+    <dgm:scene3d>
+      <a:camera prst="orthographicFront"/>
+      <a:lightRig rig="chilly" dir="t"/>
+    </dgm:scene3d>
+    <dgm:sp3d prstMaterial="translucentPowder">
+      <a:bevelT w="127000" h="25400" prst="softRound"/>
+    </dgm:sp3d>
+    <dgm:txPr/>
+    <dgm:style>
+      <a:lnRef idx="0">
+        <a:scrgbClr r="0" g="0" b="0"/>
+      </a:lnRef>
+      <a:fillRef idx="1">
+        <a:scrgbClr r="0" g="0" b="0"/>
+      </a:fillRef>
+      <a:effectRef idx="0">
+        <a:scrgbClr r="0" g="0" b="0"/>
+      </a:effectRef>
+      <a:fontRef idx="minor">
+        <a:schemeClr val="lt1"/>
+      </a:fontRef>
+    </dgm:style>
+  </dgm:styleLbl>
+  <dgm:styleLbl name="node4">
+    <dgm:scene3d>
+      <a:camera prst="orthographicFront"/>
+      <a:lightRig rig="chilly" dir="t"/>
+    </dgm:scene3d>
+    <dgm:sp3d prstMaterial="translucentPowder">
+      <a:bevelT w="127000" h="25400" prst="softRound"/>
+    </dgm:sp3d>
+    <dgm:txPr/>
+    <dgm:style>
+      <a:lnRef idx="0">
+        <a:scrgbClr r="0" g="0" b="0"/>
+      </a:lnRef>
+      <a:fillRef idx="1">
+        <a:scrgbClr r="0" g="0" b="0"/>
+      </a:fillRef>
+      <a:effectRef idx="0">
+        <a:scrgbClr r="0" g="0" b="0"/>
+      </a:effectRef>
+      <a:fontRef idx="minor">
+        <a:schemeClr val="lt1"/>
+      </a:fontRef>
+    </dgm:style>
+  </dgm:styleLbl>
+  <dgm:styleLbl name="fgImgPlace1">
+    <dgm:scene3d>
+      <a:camera prst="orthographicFront"/>
+      <a:lightRig rig="chilly" dir="t"/>
+    </dgm:scene3d>
+    <dgm:sp3d z="12700" extrusionH="12700" prstMaterial="translucentPowder">
+      <a:bevelT w="25400" h="6350" prst="softRound"/>
+      <a:bevelB w="0" h="0" prst="convex"/>
+    </dgm:sp3d>
+    <dgm:txPr/>
+    <dgm:style>
+      <a:lnRef idx="0">
+        <a:scrgbClr r="0" g="0" b="0"/>
+      </a:lnRef>
+      <a:fillRef idx="1">
+        <a:scrgbClr r="0" g="0" b="0"/>
+      </a:fillRef>
+      <a:effectRef idx="0">
+        <a:scrgbClr r="0" g="0" b="0"/>
+      </a:effectRef>
+      <a:fontRef idx="minor"/>
+    </dgm:style>
+  </dgm:styleLbl>
+  <dgm:styleLbl name="alignImgPlace1">
+    <dgm:scene3d>
+      <a:camera prst="orthographicFront"/>
+      <a:lightRig rig="chilly" dir="t"/>
+    </dgm:scene3d>
+    <dgm:sp3d prstMaterial="translucentPowder">
+      <a:bevelT w="127000" h="25400" prst="softRound"/>
+    </dgm:sp3d>
+    <dgm:txPr/>
+    <dgm:style>
+      <a:lnRef idx="0">
+        <a:scrgbClr r="0" g="0" b="0"/>
+      </a:lnRef>
+      <a:fillRef idx="1">
+        <a:scrgbClr r="0" g="0" b="0"/>
+      </a:fillRef>
+      <a:effectRef idx="0">
+        <a:scrgbClr r="0" g="0" b="0"/>
+      </a:effectRef>
+      <a:fontRef idx="minor">
+        <a:schemeClr val="lt1"/>
+      </a:fontRef>
+    </dgm:style>
+  </dgm:styleLbl>
+  <dgm:styleLbl name="bgImgPlace1">
+    <dgm:scene3d>
+      <a:camera prst="orthographicFront"/>
+      <a:lightRig rig="chilly" dir="t"/>
+    </dgm:scene3d>
+    <dgm:sp3d z="-25700" extrusionH="63500" contourW="12700" prstMaterial="matte">
+      <a:contourClr>
+        <a:schemeClr val="lt1"/>
+      </a:contourClr>
+    </dgm:sp3d>
+    <dgm:txPr/>
+    <dgm:style>
+      <a:lnRef idx="0">
+        <a:scrgbClr r="0" g="0" b="0"/>
+      </a:lnRef>
+      <a:fillRef idx="1">
+        <a:scrgbClr r="0" g="0" b="0"/>
+      </a:fillRef>
+      <a:effectRef idx="0">
+        <a:scrgbClr r="0" g="0" b="0"/>
+      </a:effectRef>
+      <a:fontRef idx="minor"/>
+    </dgm:style>
+  </dgm:styleLbl>
+  <dgm:styleLbl name="sibTrans2D1">
+    <dgm:scene3d>
+      <a:camera prst="orthographicFront"/>
+      <a:lightRig rig="chilly" dir="t"/>
+    </dgm:scene3d>
+    <dgm:sp3d z="-70000" extrusionH="1700" prstMaterial="translucentPowder">
+      <a:bevelT w="25400" h="6350" prst="softRound"/>
+      <a:bevelB w="0" h="0" prst="convex"/>
+    </dgm:sp3d>
+    <dgm:txPr/>
+    <dgm:style>
+      <a:lnRef idx="0">
+        <a:scrgbClr r="0" g="0" b="0"/>
+      </a:lnRef>
+      <a:fillRef idx="1">
+        <a:scrgbClr r="0" g="0" b="0"/>
+      </a:fillRef>
+      <a:effectRef idx="0">
+        <a:scrgbClr r="0" g="0" b="0"/>
+      </a:effectRef>
+      <a:fontRef idx="minor">
+        <a:schemeClr val="lt1"/>
+      </a:fontRef>
+    </dgm:style>
+  </dgm:styleLbl>
+  <dgm:styleLbl name="fgSibTrans2D1">
+    <dgm:scene3d>
+      <a:camera prst="orthographicFront"/>
+      <a:lightRig rig="chilly" dir="t"/>
+    </dgm:scene3d>
+    <dgm:sp3d z="12700" extrusionH="1700" prstMaterial="translucentPowder">
+      <a:bevelT w="25400" h="6350" prst="softRound"/>
+      <a:bevelB w="0" h="0" prst="convex"/>
+    </dgm:sp3d>
+    <dgm:txPr/>
+    <dgm:style>
+      <a:lnRef idx="0">
+        <a:scrgbClr r="0" g="0" b="0"/>
+      </a:lnRef>
+      <a:fillRef idx="1">
+        <a:scrgbClr r="0" g="0" b="0"/>
+      </a:fillRef>
+      <a:effectRef idx="0">
+        <a:scrgbClr r="0" g="0" b="0"/>
+      </a:effectRef>
+      <a:fontRef idx="minor"/>
+    </dgm:style>
+  </dgm:styleLbl>
+  <dgm:styleLbl name="bgSibTrans2D1">
+    <dgm:scene3d>
+      <a:camera prst="orthographicFront"/>
+      <a:lightRig rig="chilly" dir="t"/>
+    </dgm:scene3d>
+    <dgm:sp3d z="-25700" extrusionH="1700" prstMaterial="translucentPowder">
+      <a:bevelT w="25400" h="6350" prst="softRound"/>
+      <a:bevelB w="0" h="0" prst="convex"/>
+    </dgm:sp3d>
+    <dgm:txPr/>
+    <dgm:style>
+      <a:lnRef idx="0">
+        <a:scrgbClr r="0" g="0" b="0"/>
+      </a:lnRef>
+      <a:fillRef idx="1">
+        <a:scrgbClr r="0" g="0" b="0"/>
+      </a:fillRef>
+      <a:effectRef idx="0">
+        <a:scrgbClr r="0" g="0" b="0"/>
+      </a:effectRef>
+      <a:fontRef idx="minor"/>
+    </dgm:style>
+  </dgm:styleLbl>
+  <dgm:styleLbl name="sibTrans1D1">
+    <dgm:scene3d>
+      <a:camera prst="orthographicFront"/>
+      <a:lightRig rig="chilly" dir="t"/>
+    </dgm:scene3d>
+    <dgm:sp3d z="-40000" prstMaterial="matte"/>
+    <dgm:txPr/>
+    <dgm:style>
+      <a:lnRef idx="1">
+        <a:scrgbClr r="0" g="0" b="0"/>
+      </a:lnRef>
+      <a:fillRef idx="0">
+        <a:scrgbClr r="0" g="0" b="0"/>
+      </a:fillRef>
+      <a:effectRef idx="0">
+        <a:scrgbClr r="0" g="0" b="0"/>
+      </a:effectRef>
+      <a:fontRef idx="minor"/>
+    </dgm:style>
+  </dgm:styleLbl>
+  <dgm:styleLbl name="callout">
+    <dgm:scene3d>
+      <a:camera prst="orthographicFront"/>
+      <a:lightRig rig="chilly" dir="t"/>
+    </dgm:scene3d>
+    <dgm:sp3d z="127000" prstMaterial="matte"/>
+    <dgm:txPr/>
+    <dgm:style>
+      <a:lnRef idx="2">
+        <a:scrgbClr r="0" g="0" b="0"/>
+      </a:lnRef>
+      <a:fillRef idx="1">
+        <a:scrgbClr r="0" g="0" b="0"/>
+      </a:fillRef>
+      <a:effectRef idx="0">
+        <a:scrgbClr r="0" g="0" b="0"/>
+      </a:effectRef>
+      <a:fontRef idx="minor"/>
+    </dgm:style>
+  </dgm:styleLbl>
+  <dgm:styleLbl name="asst0">
+    <dgm:scene3d>
+      <a:camera prst="orthographicFront"/>
+      <a:lightRig rig="chilly" dir="t"/>
+    </dgm:scene3d>
+    <dgm:sp3d prstMaterial="translucentPowder">
+      <a:bevelT w="127000" h="25400" prst="softRound"/>
+    </dgm:sp3d>
+    <dgm:txPr/>
+    <dgm:style>
+      <a:lnRef idx="0">
+        <a:scrgbClr r="0" g="0" b="0"/>
+      </a:lnRef>
+      <a:fillRef idx="1">
+        <a:scrgbClr r="0" g="0" b="0"/>
+      </a:fillRef>
+      <a:effectRef idx="0">
+        <a:scrgbClr r="0" g="0" b="0"/>
+      </a:effectRef>
+      <a:fontRef idx="minor">
+        <a:schemeClr val="lt1"/>
+      </a:fontRef>
+    </dgm:style>
+  </dgm:styleLbl>
+  <dgm:styleLbl name="asst1">
+    <dgm:scene3d>
+      <a:camera prst="orthographicFront"/>
+      <a:lightRig rig="chilly" dir="t"/>
+    </dgm:scene3d>
+    <dgm:sp3d prstMaterial="translucentPowder">
+      <a:bevelT w="127000" h="25400" prst="softRound"/>
+    </dgm:sp3d>
+    <dgm:txPr/>
+    <dgm:style>
+      <a:lnRef idx="0">
+        <a:scrgbClr r="0" g="0" b="0"/>
+      </a:lnRef>
+      <a:fillRef idx="1">
+        <a:scrgbClr r="0" g="0" b="0"/>
+      </a:fillRef>
+      <a:effectRef idx="0">
+        <a:scrgbClr r="0" g="0" b="0"/>
+      </a:effectRef>
+      <a:fontRef idx="minor">
+        <a:schemeClr val="lt1"/>
+      </a:fontRef>
+    </dgm:style>
+  </dgm:styleLbl>
+  <dgm:styleLbl name="asst2">
+    <dgm:scene3d>
+      <a:camera prst="orthographicFront"/>
+      <a:lightRig rig="chilly" dir="t"/>
+    </dgm:scene3d>
+    <dgm:sp3d prstMaterial="translucentPowder">
+      <a:bevelT w="127000" h="25400" prst="softRound"/>
+    </dgm:sp3d>
+    <dgm:txPr/>
+    <dgm:style>
+      <a:lnRef idx="0">
+        <a:scrgbClr r="0" g="0" b="0"/>
+      </a:lnRef>
+      <a:fillRef idx="1">
+        <a:scrgbClr r="0" g="0" b="0"/>
+      </a:fillRef>
+      <a:effectRef idx="0">
+        <a:scrgbClr r="0" g="0" b="0"/>
+      </a:effectRef>
+      <a:fontRef idx="minor">
+        <a:schemeClr val="lt1"/>
+      </a:fontRef>
+    </dgm:style>
+  </dgm:styleLbl>
+  <dgm:styleLbl name="asst3">
+    <dgm:scene3d>
+      <a:camera prst="orthographicFront"/>
+      <a:lightRig rig="chilly" dir="t"/>
+    </dgm:scene3d>
+    <dgm:sp3d prstMaterial="translucentPowder">
+      <a:bevelT w="127000" h="25400" prst="softRound"/>
+    </dgm:sp3d>
+    <dgm:txPr/>
+    <dgm:style>
+      <a:lnRef idx="0">
+        <a:scrgbClr r="0" g="0" b="0"/>
+      </a:lnRef>
+      <a:fillRef idx="1">
+        <a:scrgbClr r="0" g="0" b="0"/>
+      </a:fillRef>
+      <a:effectRef idx="0">
+        <a:scrgbClr r="0" g="0" b="0"/>
+      </a:effectRef>
+      <a:fontRef idx="minor">
+        <a:schemeClr val="lt1"/>
+      </a:fontRef>
+    </dgm:style>
+  </dgm:styleLbl>
+  <dgm:styleLbl name="parChTrans2D1">
+    <dgm:scene3d>
+      <a:camera prst="orthographicFront"/>
+      <a:lightRig rig="chilly" dir="t"/>
+    </dgm:scene3d>
+    <dgm:sp3d z="1700" extrusionH="1700" prstMaterial="translucentPowder">
+      <a:bevelT w="25400" h="6350" prst="softRound"/>
+      <a:bevelB w="0" h="0" prst="convex"/>
+    </dgm:sp3d>
+    <dgm:txPr/>
+    <dgm:style>
+      <a:lnRef idx="0">
+        <a:scrgbClr r="0" g="0" b="0"/>
+      </a:lnRef>
+      <a:fillRef idx="1">
+        <a:scrgbClr r="0" g="0" b="0"/>
+      </a:fillRef>
+      <a:effectRef idx="0">
+        <a:scrgbClr r="0" g="0" b="0"/>
+      </a:effectRef>
+      <a:fontRef idx="minor"/>
+    </dgm:style>
+  </dgm:styleLbl>
+  <dgm:styleLbl name="parChTrans2D2">
+    <dgm:scene3d>
+      <a:camera prst="orthographicFront"/>
+      <a:lightRig rig="chilly" dir="t"/>
+    </dgm:scene3d>
+    <dgm:sp3d z="1700" extrusionH="1700" prstMaterial="translucentPowder">
+      <a:bevelT w="25400" h="6350" prst="softRound"/>
+      <a:bevelB w="0" h="0" prst="convex"/>
+    </dgm:sp3d>
+    <dgm:txPr/>
+    <dgm:style>
+      <a:lnRef idx="0">
+        <a:scrgbClr r="0" g="0" b="0"/>
+      </a:lnRef>
+      <a:fillRef idx="1">
+        <a:scrgbClr r="0" g="0" b="0"/>
+      </a:fillRef>
+      <a:effectRef idx="0">
+        <a:scrgbClr r="0" g="0" b="0"/>
+      </a:effectRef>
+      <a:fontRef idx="minor"/>
+    </dgm:style>
+  </dgm:styleLbl>
+  <dgm:styleLbl name="parChTrans2D3">
+    <dgm:scene3d>
+      <a:camera prst="orthographicFront"/>
+      <a:lightRig rig="chilly" dir="t"/>
+    </dgm:scene3d>
+    <dgm:sp3d extrusionH="1700" prstMaterial="translucentPowder">
+      <a:bevelT w="25400" h="6350" prst="softRound"/>
+      <a:bevelB w="0" h="0" prst="convex"/>
+    </dgm:sp3d>
+    <dgm:txPr/>
+    <dgm:style>
+      <a:lnRef idx="0">
+        <a:scrgbClr r="0" g="0" b="0"/>
+      </a:lnRef>
+      <a:fillRef idx="1">
+        <a:scrgbClr r="0" g="0" b="0"/>
+      </a:fillRef>
+      <a:effectRef idx="0">
+        <a:scrgbClr r="0" g="0" b="0"/>
+      </a:effectRef>
+      <a:fontRef idx="minor"/>
+    </dgm:style>
+  </dgm:styleLbl>
+  <dgm:styleLbl name="parChTrans2D4">
+    <dgm:scene3d>
+      <a:camera prst="orthographicFront"/>
+      <a:lightRig rig="chilly" dir="t"/>
+    </dgm:scene3d>
+    <dgm:sp3d extrusionH="1700" prstMaterial="translucentPowder">
+      <a:bevelT w="25400" h="6350" prst="softRound"/>
+      <a:bevelB w="0" h="0" prst="convex"/>
+    </dgm:sp3d>
+    <dgm:txPr/>
+    <dgm:style>
+      <a:lnRef idx="0">
+        <a:scrgbClr r="0" g="0" b="0"/>
+      </a:lnRef>
+      <a:fillRef idx="1">
+        <a:scrgbClr r="0" g="0" b="0"/>
+      </a:fillRef>
+      <a:effectRef idx="0">
+        <a:scrgbClr r="0" g="0" b="0"/>
+      </a:effectRef>
+      <a:fontRef idx="minor"/>
+    </dgm:style>
+  </dgm:styleLbl>
+  <dgm:styleLbl name="parChTrans1D1">
+    <dgm:scene3d>
+      <a:camera prst="orthographicFront"/>
+      <a:lightRig rig="chilly" dir="t"/>
+    </dgm:scene3d>
+    <dgm:sp3d z="-40000" prstMaterial="matte"/>
+    <dgm:txPr/>
+    <dgm:style>
+      <a:lnRef idx="2">
+        <a:scrgbClr r="0" g="0" b="0"/>
+      </a:lnRef>
+      <a:fillRef idx="0">
+        <a:scrgbClr r="0" g="0" b="0"/>
+      </a:fillRef>
+      <a:effectRef idx="0">
+        <a:scrgbClr r="0" g="0" b="0"/>
+      </a:effectRef>
+      <a:fontRef idx="minor"/>
+    </dgm:style>
+  </dgm:styleLbl>
+  <dgm:styleLbl name="parChTrans1D2">
+    <dgm:scene3d>
+      <a:camera prst="orthographicFront"/>
+      <a:lightRig rig="threePt" dir="t"/>
+    </dgm:scene3d>
+    <dgm:sp3d z="-40000" prstMaterial="matte"/>
+    <dgm:txPr/>
+    <dgm:style>
+      <a:lnRef idx="2">
+        <a:scrgbClr r="0" g="0" b="0"/>
+      </a:lnRef>
+      <a:fillRef idx="0">
+        <a:scrgbClr r="0" g="0" b="0"/>
+      </a:fillRef>
+      <a:effectRef idx="0">
+        <a:scrgbClr r="0" g="0" b="0"/>
+      </a:effectRef>
+      <a:fontRef idx="minor"/>
+    </dgm:style>
+  </dgm:styleLbl>
+  <dgm:styleLbl name="parChTrans1D3">
+    <dgm:scene3d>
+      <a:camera prst="orthographicFront"/>
+      <a:lightRig rig="chilly" dir="t"/>
+    </dgm:scene3d>
+    <dgm:sp3d z="-40000" prstMaterial="matte"/>
+    <dgm:txPr/>
+    <dgm:style>
+      <a:lnRef idx="2">
+        <a:scrgbClr r="0" g="0" b="0"/>
+      </a:lnRef>
+      <a:fillRef idx="0">
+        <a:scrgbClr r="0" g="0" b="0"/>
+      </a:fillRef>
+      <a:effectRef idx="0">
+        <a:scrgbClr r="0" g="0" b="0"/>
+      </a:effectRef>
+      <a:fontRef idx="minor"/>
+    </dgm:style>
+  </dgm:styleLbl>
+  <dgm:styleLbl name="parChTrans1D4">
+    <dgm:scene3d>
+      <a:camera prst="orthographicFront"/>
+      <a:lightRig rig="chilly" dir="t"/>
+    </dgm:scene3d>
+    <dgm:sp3d z="-40000" prstMaterial="matte"/>
+    <dgm:txPr/>
+    <dgm:style>
+      <a:lnRef idx="2">
+        <a:scrgbClr r="0" g="0" b="0"/>
+      </a:lnRef>
+      <a:fillRef idx="0">
+        <a:scrgbClr r="0" g="0" b="0"/>
+      </a:fillRef>
+      <a:effectRef idx="0">
+        <a:scrgbClr r="0" g="0" b="0"/>
+      </a:effectRef>
+      <a:fontRef idx="minor"/>
+    </dgm:style>
+  </dgm:styleLbl>
+  <dgm:styleLbl name="fgAcc1">
+    <dgm:scene3d>
+      <a:camera prst="orthographicFront"/>
+      <a:lightRig rig="chilly" dir="t"/>
+    </dgm:scene3d>
+    <dgm:sp3d z="12700" extrusionH="1700" prstMaterial="dkEdge">
+      <a:bevelT w="25400" h="6350" prst="softRound"/>
+      <a:bevelB w="0" h="0" prst="convex"/>
+    </dgm:sp3d>
+    <dgm:txPr/>
+    <dgm:style>
+      <a:lnRef idx="1">
+        <a:scrgbClr r="0" g="0" b="0"/>
+      </a:lnRef>
+      <a:fillRef idx="1">
+        <a:scrgbClr r="0" g="0" b="0"/>
+      </a:fillRef>
+      <a:effectRef idx="0">
+        <a:scrgbClr r="0" g="0" b="0"/>
+      </a:effectRef>
+      <a:fontRef idx="minor"/>
+    </dgm:style>
+  </dgm:styleLbl>
+  <dgm:styleLbl name="conFgAcc1">
+    <dgm:scene3d>
+      <a:camera prst="orthographicFront"/>
+      <a:lightRig rig="chilly" dir="t"/>
+    </dgm:scene3d>
+    <dgm:sp3d z="12700" extrusionH="1700" prstMaterial="dkEdge">
+      <a:bevelT w="25400" h="6350" prst="softRound"/>
+      <a:bevelB w="0" h="0" prst="convex"/>
+    </dgm:sp3d>
+    <dgm:txPr/>
+    <dgm:style>
+      <a:lnRef idx="1">
+        <a:scrgbClr r="0" g="0" b="0"/>
+      </a:lnRef>
+      <a:fillRef idx="1">
+        <a:scrgbClr r="0" g="0" b="0"/>
+      </a:fillRef>
+      <a:effectRef idx="0">
+        <a:scrgbClr r="0" g="0" b="0"/>
+      </a:effectRef>
+      <a:fontRef idx="minor"/>
+    </dgm:style>
+  </dgm:styleLbl>
+  <dgm:styleLbl name="alignAcc1">
+    <dgm:scene3d>
+      <a:camera prst="orthographicFront"/>
+      <a:lightRig rig="chilly" dir="t"/>
+    </dgm:scene3d>
+    <dgm:sp3d prstMaterial="dkEdge">
+      <a:bevelT w="25400" h="6350" prst="softRound"/>
+      <a:bevelB w="0" h="0" prst="convex"/>
+    </dgm:sp3d>
+    <dgm:txPr/>
+    <dgm:style>
+      <a:lnRef idx="1">
+        <a:scrgbClr r="0" g="0" b="0"/>
+      </a:lnRef>
+      <a:fillRef idx="1">
+        <a:scrgbClr r="0" g="0" b="0"/>
+      </a:fillRef>
+      <a:effectRef idx="0">
+        <a:scrgbClr r="0" g="0" b="0"/>
+      </a:effectRef>
+      <a:fontRef idx="minor"/>
+    </dgm:style>
+  </dgm:styleLbl>
+  <dgm:styleLbl name="trAlignAcc1">
+    <dgm:scene3d>
+      <a:camera prst="orthographicFront"/>
+      <a:lightRig rig="chilly" dir="t"/>
+    </dgm:scene3d>
+    <dgm:sp3d prstMaterial="dkEdge">
+      <a:bevelT w="127000" h="25400"/>
+    </dgm:sp3d>
+    <dgm:txPr/>
+    <dgm:style>
+      <a:lnRef idx="1">
+        <a:scrgbClr r="0" g="0" b="0"/>
+      </a:lnRef>
+      <a:fillRef idx="1">
+        <a:scrgbClr r="0" g="0" b="0"/>
+      </a:fillRef>
+      <a:effectRef idx="0">
+        <a:scrgbClr r="0" g="0" b="0"/>
+      </a:effectRef>
+      <a:fontRef idx="minor">
+        <a:schemeClr val="lt1"/>
+      </a:fontRef>
+    </dgm:style>
+  </dgm:styleLbl>
+  <dgm:styleLbl name="bgAcc1">
+    <dgm:scene3d>
+      <a:camera prst="orthographicFront"/>
+      <a:lightRig rig="chilly" dir="t"/>
+    </dgm:scene3d>
+    <dgm:sp3d z="-12700" extrusionH="1700" prstMaterial="dkEdge">
+      <a:bevelT w="25400" h="6350" prst="softRound"/>
+      <a:bevelB w="0" h="0" prst="convex"/>
+    </dgm:sp3d>
+    <dgm:txPr/>
+    <dgm:style>
+      <a:lnRef idx="1">
+        <a:scrgbClr r="0" g="0" b="0"/>
+      </a:lnRef>
+      <a:fillRef idx="1">
+        <a:scrgbClr r="0" g="0" b="0"/>
+      </a:fillRef>
+      <a:effectRef idx="0">
+        <a:scrgbClr r="0" g="0" b="0"/>
+      </a:effectRef>
+      <a:fontRef idx="minor"/>
+    </dgm:style>
+  </dgm:styleLbl>
+  <dgm:styleLbl name="solidFgAcc1">
+    <dgm:scene3d>
+      <a:camera prst="orthographicFront"/>
+      <a:lightRig rig="chilly" dir="t"/>
+    </dgm:scene3d>
+    <dgm:sp3d z="12700" extrusionH="1700" prstMaterial="dkEdge">
+      <a:bevelT w="25400" h="6350" prst="softRound"/>
+      <a:bevelB w="0" h="0" prst="convex"/>
+    </dgm:sp3d>
+    <dgm:txPr/>
+    <dgm:style>
+      <a:lnRef idx="1">
+        <a:scrgbClr r="0" g="0" b="0"/>
+      </a:lnRef>
+      <a:fillRef idx="1">
+        <a:scrgbClr r="0" g="0" b="0"/>
+      </a:fillRef>
+      <a:effectRef idx="0">
+        <a:scrgbClr r="0" g="0" b="0"/>
+      </a:effectRef>
+      <a:fontRef idx="minor"/>
+    </dgm:style>
+  </dgm:styleLbl>
+  <dgm:styleLbl name="solidAlignAcc1">
+    <dgm:scene3d>
+      <a:camera prst="orthographicFront"/>
+      <a:lightRig rig="chilly" dir="t"/>
+    </dgm:scene3d>
+    <dgm:sp3d extrusionH="1700" prstMaterial="dkEdge">
+      <a:bevelT w="25400" h="6350" prst="softRound"/>
+      <a:bevelB w="0" h="0" prst="convex"/>
+    </dgm:sp3d>
+    <dgm:txPr/>
+    <dgm:style>
+      <a:lnRef idx="1">
+        <a:scrgbClr r="0" g="0" b="0"/>
+      </a:lnRef>
+      <a:fillRef idx="1">
+        <a:scrgbClr r="0" g="0" b="0"/>
+      </a:fillRef>
+      <a:effectRef idx="0">
+        <a:scrgbClr r="0" g="0" b="0"/>
+      </a:effectRef>
+      <a:fontRef idx="minor"/>
+    </dgm:style>
+  </dgm:styleLbl>
+  <dgm:styleLbl name="solidBgAcc1">
+    <dgm:scene3d>
+      <a:camera prst="orthographicFront"/>
+      <a:lightRig rig="chilly" dir="t"/>
+    </dgm:scene3d>
+    <dgm:sp3d z="-12700" extrusionH="1700" prstMaterial="dkEdge">
+      <a:bevelT w="25400" h="6350" prst="softRound"/>
+      <a:bevelB w="0" h="0" prst="convex"/>
+    </dgm:sp3d>
+    <dgm:txPr/>
+    <dgm:style>
+      <a:lnRef idx="1">
+        <a:scrgbClr r="0" g="0" b="0"/>
+      </a:lnRef>
+      <a:fillRef idx="1">
+        <a:scrgbClr r="0" g="0" b="0"/>
+      </a:fillRef>
+      <a:effectRef idx="0">
+        <a:scrgbClr r="0" g="0" b="0"/>
+      </a:effectRef>
+      <a:fontRef idx="minor"/>
+    </dgm:style>
+  </dgm:styleLbl>
+  <dgm:styleLbl name="fgAccFollowNode1">
+    <dgm:scene3d>
+      <a:camera prst="orthographicFront"/>
+      <a:lightRig rig="chilly" dir="t"/>
+    </dgm:scene3d>
+    <dgm:sp3d z="12700" extrusionH="1700" prstMaterial="dkEdge">
+      <a:bevelT w="25400" h="6350" prst="softRound"/>
+      <a:bevelB w="0" h="0" prst="convex"/>
+    </dgm:sp3d>
+    <dgm:txPr/>
+    <dgm:style>
+      <a:lnRef idx="1">
+        <a:scrgbClr r="0" g="0" b="0"/>
+      </a:lnRef>
+      <a:fillRef idx="1">
+        <a:scrgbClr r="0" g="0" b="0"/>
+      </a:fillRef>
+      <a:effectRef idx="0">
+        <a:scrgbClr r="0" g="0" b="0"/>
+      </a:effectRef>
+      <a:fontRef idx="minor"/>
+    </dgm:style>
+  </dgm:styleLbl>
+  <dgm:styleLbl name="alignAccFollowNode1">
+    <dgm:scene3d>
+      <a:camera prst="orthographicFront"/>
+      <a:lightRig rig="chilly" dir="t"/>
+    </dgm:scene3d>
+    <dgm:sp3d extrusionH="1700" prstMaterial="dkEdge">
+      <a:bevelT w="25400" h="6350" prst="softRound"/>
+      <a:bevelB w="0" h="0" prst="convex"/>
+    </dgm:sp3d>
+    <dgm:txPr/>
+    <dgm:style>
+      <a:lnRef idx="1">
+        <a:scrgbClr r="0" g="0" b="0"/>
+      </a:lnRef>
+      <a:fillRef idx="1">
+        <a:scrgbClr r="0" g="0" b="0"/>
+      </a:fillRef>
+      <a:effectRef idx="0">
+        <a:scrgbClr r="0" g="0" b="0"/>
+      </a:effectRef>
+      <a:fontRef idx="minor"/>
+    </dgm:style>
+  </dgm:styleLbl>
+  <dgm:styleLbl name="bgAccFollowNode1">
+    <dgm:scene3d>
+      <a:camera prst="orthographicFront"/>
+      <a:lightRig rig="chilly" dir="t"/>
+    </dgm:scene3d>
+    <dgm:sp3d z="-12700" extrusionH="1700" prstMaterial="dkEdge">
+      <a:bevelT w="25400" h="6350" prst="softRound"/>
+      <a:bevelB w="0" h="0" prst="convex"/>
+    </dgm:sp3d>
+    <dgm:txPr/>
+    <dgm:style>
+      <a:lnRef idx="1">
+        <a:scrgbClr r="0" g="0" b="0"/>
+      </a:lnRef>
+      <a:fillRef idx="1">
+        <a:scrgbClr r="0" g="0" b="0"/>
+      </a:fillRef>
+      <a:effectRef idx="0">
+        <a:scrgbClr r="0" g="0" b="0"/>
+      </a:effectRef>
+      <a:fontRef idx="minor"/>
+    </dgm:style>
+  </dgm:styleLbl>
+  <dgm:styleLbl name="fgAcc0">
+    <dgm:scene3d>
+      <a:camera prst="orthographicFront"/>
+      <a:lightRig rig="chilly" dir="t"/>
+    </dgm:scene3d>
+    <dgm:sp3d z="12700" extrusionH="1700" prstMaterial="dkEdge">
+      <a:bevelT w="25400" h="6350" prst="softRound"/>
+      <a:bevelB w="0" h="0" prst="convex"/>
+    </dgm:sp3d>
+    <dgm:txPr/>
+    <dgm:style>
+      <a:lnRef idx="1">
+        <a:scrgbClr r="0" g="0" b="0"/>
+      </a:lnRef>
+      <a:fillRef idx="1">
+        <a:scrgbClr r="0" g="0" b="0"/>
+      </a:fillRef>
+      <a:effectRef idx="0">
+        <a:scrgbClr r="0" g="0" b="0"/>
+      </a:effectRef>
+      <a:fontRef idx="minor"/>
+    </dgm:style>
+  </dgm:styleLbl>
+  <dgm:styleLbl name="fgAcc2">
+    <dgm:scene3d>
+      <a:camera prst="orthographicFront"/>
+      <a:lightRig rig="chilly" dir="t"/>
+    </dgm:scene3d>
+    <dgm:sp3d z="12700" extrusionH="1700" prstMaterial="dkEdge">
+      <a:bevelT w="25400" h="6350" prst="softRound"/>
+      <a:bevelB w="0" h="0" prst="convex"/>
+    </dgm:sp3d>
+    <dgm:txPr/>
+    <dgm:style>
+      <a:lnRef idx="1">
+        <a:scrgbClr r="0" g="0" b="0"/>
+      </a:lnRef>
+      <a:fillRef idx="1">
+        <a:scrgbClr r="0" g="0" b="0"/>
+      </a:fillRef>
+      <a:effectRef idx="0">
+        <a:scrgbClr r="0" g="0" b="0"/>
+      </a:effectRef>
+      <a:fontRef idx="minor"/>
+    </dgm:style>
+  </dgm:styleLbl>
+  <dgm:styleLbl name="fgAcc3">
+    <dgm:scene3d>
+      <a:camera prst="orthographicFront"/>
+      <a:lightRig rig="chilly" dir="t"/>
+    </dgm:scene3d>
+    <dgm:sp3d z="12700" extrusionH="1700" prstMaterial="dkEdge">
+      <a:bevelT w="25400" h="6350" prst="softRound"/>
+      <a:bevelB w="0" h="0" prst="convex"/>
+    </dgm:sp3d>
+    <dgm:txPr/>
+    <dgm:style>
+      <a:lnRef idx="1">
+        <a:scrgbClr r="0" g="0" b="0"/>
+      </a:lnRef>
+      <a:fillRef idx="1">
+        <a:scrgbClr r="0" g="0" b="0"/>
+      </a:fillRef>
+      <a:effectRef idx="0">
+        <a:scrgbClr r="0" g="0" b="0"/>
+      </a:effectRef>
+      <a:fontRef idx="minor"/>
+    </dgm:style>
+  </dgm:styleLbl>
+  <dgm:styleLbl name="fgAcc4">
+    <dgm:scene3d>
+      <a:camera prst="orthographicFront"/>
+      <a:lightRig rig="chilly" dir="t"/>
+    </dgm:scene3d>
+    <dgm:sp3d z="12700" extrusionH="1700" prstMaterial="dkEdge">
+      <a:bevelT w="25400" h="6350" prst="softRound"/>
+      <a:bevelB w="0" h="0" prst="convex"/>
+    </dgm:sp3d>
+    <dgm:txPr/>
+    <dgm:style>
+      <a:lnRef idx="1">
+        <a:scrgbClr r="0" g="0" b="0"/>
+      </a:lnRef>
+      <a:fillRef idx="1">
+        <a:scrgbClr r="0" g="0" b="0"/>
+      </a:fillRef>
+      <a:effectRef idx="0">
+        <a:scrgbClr r="0" g="0" b="0"/>
+      </a:effectRef>
+      <a:fontRef idx="minor"/>
+    </dgm:style>
+  </dgm:styleLbl>
+  <dgm:styleLbl name="bgShp">
+    <dgm:scene3d>
+      <a:camera prst="orthographicFront"/>
+      <a:lightRig rig="chilly" dir="t"/>
+    </dgm:scene3d>
+    <dgm:sp3d z="-12700" extrusionH="1700" prstMaterial="translucentPowder">
+      <a:bevelT w="25400" h="6350" prst="softRound"/>
+      <a:bevelB w="0" h="0" prst="convex"/>
+    </dgm:sp3d>
+    <dgm:txPr/>
+    <dgm:style>
+      <a:lnRef idx="0">
+        <a:scrgbClr r="0" g="0" b="0"/>
+      </a:lnRef>
+      <a:fillRef idx="1">
+        <a:scrgbClr r="0" g="0" b="0"/>
+      </a:fillRef>
+      <a:effectRef idx="0">
+        <a:scrgbClr r="0" g="0" b="0"/>
+      </a:effectRef>
+      <a:fontRef idx="minor"/>
+    </dgm:style>
+  </dgm:styleLbl>
+  <dgm:styleLbl name="dkBgShp">
+    <dgm:scene3d>
+      <a:camera prst="orthographicFront"/>
+      <a:lightRig rig="chilly" dir="t"/>
+    </dgm:scene3d>
+    <dgm:sp3d extrusionH="1700" prstMaterial="translucentPowder">
+      <a:bevelT w="25400" h="6350" prst="softRound"/>
+      <a:bevelB w="0" h="0" prst="convex"/>
+    </dgm:sp3d>
+    <dgm:txPr/>
+    <dgm:style>
+      <a:lnRef idx="0">
+        <a:scrgbClr r="0" g="0" b="0"/>
+      </a:lnRef>
+      <a:fillRef idx="1">
+        <a:scrgbClr r="0" g="0" b="0"/>
+      </a:fillRef>
+      <a:effectRef idx="0">
+        <a:scrgbClr r="0" g="0" b="0"/>
+      </a:effectRef>
+      <a:fontRef idx="minor"/>
+    </dgm:style>
+  </dgm:styleLbl>
+  <dgm:styleLbl name="trBgShp">
+    <dgm:scene3d>
+      <a:camera prst="orthographicFront"/>
+      <a:lightRig rig="chilly" dir="t"/>
+    </dgm:scene3d>
+    <dgm:sp3d z="-152400" prstMaterial="matte"/>
+    <dgm:txPr/>
+    <dgm:style>
+      <a:lnRef idx="0">
+        <a:scrgbClr r="0" g="0" b="0"/>
+      </a:lnRef>
+      <a:fillRef idx="1">
+        <a:scrgbClr r="0" g="0" b="0"/>
+      </a:fillRef>
+      <a:effectRef idx="0">
+        <a:scrgbClr r="0" g="0" b="0"/>
+      </a:effectRef>
+      <a:fontRef idx="minor"/>
+    </dgm:style>
+  </dgm:styleLbl>
+  <dgm:styleLbl name="fgShp">
+    <dgm:scene3d>
+      <a:camera prst="orthographicFront"/>
+      <a:lightRig rig="chilly" dir="t"/>
+    </dgm:scene3d>
+    <dgm:sp3d z="12700" extrusionH="1700" prstMaterial="translucentPowder">
+      <a:bevelT w="25400" h="6350" prst="softRound"/>
+      <a:bevelB w="0" h="0" prst="convex"/>
+    </dgm:sp3d>
+    <dgm:txPr/>
+    <dgm:style>
+      <a:lnRef idx="0">
+        <a:scrgbClr r="0" g="0" b="0"/>
+      </a:lnRef>
+      <a:fillRef idx="1">
+        <a:scrgbClr r="0" g="0" b="0"/>
+      </a:fillRef>
+      <a:effectRef idx="0">
+        <a:scrgbClr r="0" g="0" b="0"/>
+      </a:effectRef>
+      <a:fontRef idx="minor"/>
+    </dgm:style>
+  </dgm:styleLbl>
+  <dgm:styleLbl name="revTx">
+    <dgm:scene3d>
+      <a:camera prst="orthographicFront"/>
+      <a:lightRig rig="threePt" dir="t"/>
+    </dgm:scene3d>
+    <dgm:sp3d/>
+    <dgm:txPr/>
+    <dgm:style>
+      <a:lnRef idx="0">
+        <a:scrgbClr r="0" g="0" b="0"/>
+      </a:lnRef>
+      <a:fillRef idx="0">
+        <a:scrgbClr r="0" g="0" b="0"/>
+      </a:fillRef>
+      <a:effectRef idx="0">
+        <a:scrgbClr r="0" g="0" b="0"/>
+      </a:effectRef>
+      <a:fontRef idx="minor"/>
+    </dgm:style>
+  </dgm:styleLbl>
+</dgm:styleDef>
+</file>
+
 <file path=ppt/slideLayouts/slideLayout1.xml><?xml version="1.0" encoding="utf-8"?>
 <p:sldLayout xmlns:a="http://schemas.openxmlformats.org/drawingml/2006/main" xmlns:r="http://schemas.openxmlformats.org/officeDocument/2006/relationships" xmlns:p="http://schemas.openxmlformats.org/presentationml/2006/main" type="title" preserve="1">
   <p:cSld name="Diapositiva titolo">
@@ -1763,7 +5287,7 @@
           <a:p>
             <a:fld id="{A05B6E0C-2D96-4447-90C9-606EE8E391C7}" type="datetimeFigureOut">
               <a:rPr lang="it-IT" smtClean="0"/>
-              <a:t>24/08/2023</a:t>
+              <a:t>25/08/2023</a:t>
             </a:fld>
             <a:endParaRPr lang="it-IT"/>
           </a:p>
@@ -1961,7 +5485,7 @@
           <a:p>
             <a:fld id="{A05B6E0C-2D96-4447-90C9-606EE8E391C7}" type="datetimeFigureOut">
               <a:rPr lang="it-IT" smtClean="0"/>
-              <a:t>24/08/2023</a:t>
+              <a:t>25/08/2023</a:t>
             </a:fld>
             <a:endParaRPr lang="it-IT"/>
           </a:p>
@@ -2169,7 +5693,7 @@
           <a:p>
             <a:fld id="{A05B6E0C-2D96-4447-90C9-606EE8E391C7}" type="datetimeFigureOut">
               <a:rPr lang="it-IT" smtClean="0"/>
-              <a:t>24/08/2023</a:t>
+              <a:t>25/08/2023</a:t>
             </a:fld>
             <a:endParaRPr lang="it-IT"/>
           </a:p>
@@ -2367,7 +5891,7 @@
           <a:p>
             <a:fld id="{A05B6E0C-2D96-4447-90C9-606EE8E391C7}" type="datetimeFigureOut">
               <a:rPr lang="it-IT" smtClean="0"/>
-              <a:t>24/08/2023</a:t>
+              <a:t>25/08/2023</a:t>
             </a:fld>
             <a:endParaRPr lang="it-IT"/>
           </a:p>
@@ -2642,7 +6166,7 @@
           <a:p>
             <a:fld id="{A05B6E0C-2D96-4447-90C9-606EE8E391C7}" type="datetimeFigureOut">
               <a:rPr lang="it-IT" smtClean="0"/>
-              <a:t>24/08/2023</a:t>
+              <a:t>25/08/2023</a:t>
             </a:fld>
             <a:endParaRPr lang="it-IT"/>
           </a:p>
@@ -2907,7 +6431,7 @@
           <a:p>
             <a:fld id="{A05B6E0C-2D96-4447-90C9-606EE8E391C7}" type="datetimeFigureOut">
               <a:rPr lang="it-IT" smtClean="0"/>
-              <a:t>24/08/2023</a:t>
+              <a:t>25/08/2023</a:t>
             </a:fld>
             <a:endParaRPr lang="it-IT"/>
           </a:p>
@@ -3319,7 +6843,7 @@
           <a:p>
             <a:fld id="{A05B6E0C-2D96-4447-90C9-606EE8E391C7}" type="datetimeFigureOut">
               <a:rPr lang="it-IT" smtClean="0"/>
-              <a:t>24/08/2023</a:t>
+              <a:t>25/08/2023</a:t>
             </a:fld>
             <a:endParaRPr lang="it-IT"/>
           </a:p>
@@ -3460,7 +6984,7 @@
           <a:p>
             <a:fld id="{A05B6E0C-2D96-4447-90C9-606EE8E391C7}" type="datetimeFigureOut">
               <a:rPr lang="it-IT" smtClean="0"/>
-              <a:t>24/08/2023</a:t>
+              <a:t>25/08/2023</a:t>
             </a:fld>
             <a:endParaRPr lang="it-IT"/>
           </a:p>
@@ -3573,7 +7097,7 @@
           <a:p>
             <a:fld id="{A05B6E0C-2D96-4447-90C9-606EE8E391C7}" type="datetimeFigureOut">
               <a:rPr lang="it-IT" smtClean="0"/>
-              <a:t>24/08/2023</a:t>
+              <a:t>25/08/2023</a:t>
             </a:fld>
             <a:endParaRPr lang="it-IT"/>
           </a:p>
@@ -3884,7 +7408,7 @@
           <a:p>
             <a:fld id="{A05B6E0C-2D96-4447-90C9-606EE8E391C7}" type="datetimeFigureOut">
               <a:rPr lang="it-IT" smtClean="0"/>
-              <a:t>24/08/2023</a:t>
+              <a:t>25/08/2023</a:t>
             </a:fld>
             <a:endParaRPr lang="it-IT"/>
           </a:p>
@@ -4172,7 +7696,7 @@
           <a:p>
             <a:fld id="{A05B6E0C-2D96-4447-90C9-606EE8E391C7}" type="datetimeFigureOut">
               <a:rPr lang="it-IT" smtClean="0"/>
-              <a:t>24/08/2023</a:t>
+              <a:t>25/08/2023</a:t>
             </a:fld>
             <a:endParaRPr lang="it-IT"/>
           </a:p>
@@ -4413,7 +7937,7 @@
           <a:p>
             <a:fld id="{A05B6E0C-2D96-4447-90C9-606EE8E391C7}" type="datetimeFigureOut">
               <a:rPr lang="it-IT" smtClean="0"/>
-              <a:t>24/08/2023</a:t>
+              <a:t>25/08/2023</a:t>
             </a:fld>
             <a:endParaRPr lang="it-IT"/>
           </a:p>
@@ -5766,25 +9290,46 @@
               <a:t> baseline, </a:t>
             </a:r>
             <a:r>
+              <a:rPr lang="it-IT" b="1" dirty="0" err="1">
+                <a:latin typeface="Arial" panose="020B0604020202020204" pitchFamily="34" charset="0"/>
+                <a:cs typeface="Arial" panose="020B0604020202020204" pitchFamily="34" charset="0"/>
+              </a:rPr>
+              <a:t>anomal</a:t>
+            </a:r>
+            <a:r>
+              <a:rPr lang="it-IT" b="1" dirty="0">
+                <a:latin typeface="Arial" panose="020B0604020202020204" pitchFamily="34" charset="0"/>
+                <a:cs typeface="Arial" panose="020B0604020202020204" pitchFamily="34" charset="0"/>
+              </a:rPr>
+              <a:t> samples </a:t>
+            </a:r>
+            <a:r>
+              <a:rPr lang="it-IT" dirty="0">
+                <a:latin typeface="Arial" panose="020B0604020202020204" pitchFamily="34" charset="0"/>
+                <a:cs typeface="Arial" panose="020B0604020202020204" pitchFamily="34" charset="0"/>
+              </a:rPr>
+              <a:t>are </a:t>
+            </a:r>
+            <a:r>
               <a:rPr lang="it-IT" dirty="0" err="1">
                 <a:latin typeface="Arial" panose="020B0604020202020204" pitchFamily="34" charset="0"/>
                 <a:cs typeface="Arial" panose="020B0604020202020204" pitchFamily="34" charset="0"/>
               </a:rPr>
-              <a:t>anomal</a:t>
+              <a:t>those</a:t>
             </a:r>
             <a:r>
               <a:rPr lang="it-IT" dirty="0">
                 <a:latin typeface="Arial" panose="020B0604020202020204" pitchFamily="34" charset="0"/>
                 <a:cs typeface="Arial" panose="020B0604020202020204" pitchFamily="34" charset="0"/>
               </a:rPr>
-              <a:t> samples are </a:t>
+              <a:t> </a:t>
             </a:r>
             <a:r>
               <a:rPr lang="it-IT" dirty="0" err="1">
                 <a:latin typeface="Arial" panose="020B0604020202020204" pitchFamily="34" charset="0"/>
                 <a:cs typeface="Arial" panose="020B0604020202020204" pitchFamily="34" charset="0"/>
               </a:rPr>
-              <a:t>those</a:t>
+              <a:t>which</a:t>
             </a:r>
             <a:r>
               <a:rPr lang="it-IT" dirty="0">
@@ -5798,28 +9343,28 @@
                 <a:latin typeface="Arial" panose="020B0604020202020204" pitchFamily="34" charset="0"/>
                 <a:cs typeface="Arial" panose="020B0604020202020204" pitchFamily="34" charset="0"/>
               </a:rPr>
-              <a:t>which</a:t>
+              <a:t>belong</a:t>
             </a:r>
             <a:r>
               <a:rPr lang="it-IT" dirty="0">
                 <a:latin typeface="Arial" panose="020B0604020202020204" pitchFamily="34" charset="0"/>
                 <a:cs typeface="Arial" panose="020B0604020202020204" pitchFamily="34" charset="0"/>
               </a:rPr>
-              <a:t> </a:t>
-            </a:r>
-            <a:r>
-              <a:rPr lang="it-IT" dirty="0" err="1">
-                <a:latin typeface="Arial" panose="020B0604020202020204" pitchFamily="34" charset="0"/>
-                <a:cs typeface="Arial" panose="020B0604020202020204" pitchFamily="34" charset="0"/>
-              </a:rPr>
-              <a:t>belong</a:t>
+              <a:t> to </a:t>
+            </a:r>
+            <a:r>
+              <a:rPr lang="it-IT" b="1" dirty="0">
+                <a:latin typeface="Arial" panose="020B0604020202020204" pitchFamily="34" charset="0"/>
+                <a:cs typeface="Arial" panose="020B0604020202020204" pitchFamily="34" charset="0"/>
+              </a:rPr>
+              <a:t>label n.5</a:t>
             </a:r>
             <a:r>
               <a:rPr lang="it-IT" dirty="0">
                 <a:latin typeface="Arial" panose="020B0604020202020204" pitchFamily="34" charset="0"/>
                 <a:cs typeface="Arial" panose="020B0604020202020204" pitchFamily="34" charset="0"/>
               </a:rPr>
-              <a:t> to label n.5.</a:t>
+              <a:t>.</a:t>
             </a:r>
           </a:p>
         </p:txBody>
@@ -6017,46 +9562,53 @@
               <a:t> to </a:t>
             </a:r>
             <a:r>
-              <a:rPr lang="it-IT" sz="1800" b="0" dirty="0" err="1">
+              <a:rPr lang="it-IT" sz="1800" dirty="0" err="1">
                 <a:latin typeface="Arial" panose="020B0604020202020204" pitchFamily="34" charset="0"/>
                 <a:cs typeface="Arial" panose="020B0604020202020204" pitchFamily="34" charset="0"/>
               </a:rPr>
               <a:t>minimize</a:t>
             </a:r>
             <a:r>
+              <a:rPr lang="it-IT" sz="1800" dirty="0">
+                <a:latin typeface="Arial" panose="020B0604020202020204" pitchFamily="34" charset="0"/>
+                <a:cs typeface="Arial" panose="020B0604020202020204" pitchFamily="34" charset="0"/>
+              </a:rPr>
+              <a:t> the </a:t>
+            </a:r>
+            <a:r>
+              <a:rPr lang="it-IT" sz="1800" dirty="0" err="1">
+                <a:latin typeface="Arial" panose="020B0604020202020204" pitchFamily="34" charset="0"/>
+                <a:cs typeface="Arial" panose="020B0604020202020204" pitchFamily="34" charset="0"/>
+              </a:rPr>
+              <a:t>reconstruction</a:t>
+            </a:r>
+            <a:r>
+              <a:rPr lang="it-IT" sz="1800" dirty="0">
+                <a:latin typeface="Arial" panose="020B0604020202020204" pitchFamily="34" charset="0"/>
+                <a:cs typeface="Arial" panose="020B0604020202020204" pitchFamily="34" charset="0"/>
+              </a:rPr>
+              <a:t> </a:t>
+            </a:r>
+            <a:r>
+              <a:rPr lang="it-IT" sz="1800" dirty="0" err="1">
+                <a:latin typeface="Arial" panose="020B0604020202020204" pitchFamily="34" charset="0"/>
+                <a:cs typeface="Arial" panose="020B0604020202020204" pitchFamily="34" charset="0"/>
+              </a:rPr>
+              <a:t>error</a:t>
+            </a:r>
+            <a:r>
+              <a:rPr lang="it-IT" sz="1800" dirty="0">
+                <a:latin typeface="Arial" panose="020B0604020202020204" pitchFamily="34" charset="0"/>
+                <a:cs typeface="Arial" panose="020B0604020202020204" pitchFamily="34" charset="0"/>
+              </a:rPr>
+              <a:t> </a:t>
+            </a:r>
+            <a:r>
               <a:rPr lang="it-IT" sz="1800" b="0" dirty="0">
                 <a:latin typeface="Arial" panose="020B0604020202020204" pitchFamily="34" charset="0"/>
                 <a:cs typeface="Arial" panose="020B0604020202020204" pitchFamily="34" charset="0"/>
               </a:rPr>
-              <a:t> the </a:t>
-            </a:r>
-            <a:r>
-              <a:rPr lang="it-IT" sz="1800" b="0" dirty="0" err="1">
-                <a:latin typeface="Arial" panose="020B0604020202020204" pitchFamily="34" charset="0"/>
-                <a:cs typeface="Arial" panose="020B0604020202020204" pitchFamily="34" charset="0"/>
-              </a:rPr>
-              <a:t>reconstruction</a:t>
-            </a:r>
-            <a:r>
-              <a:rPr lang="it-IT" sz="1800" b="0" dirty="0">
-                <a:latin typeface="Arial" panose="020B0604020202020204" pitchFamily="34" charset="0"/>
-                <a:cs typeface="Arial" panose="020B0604020202020204" pitchFamily="34" charset="0"/>
-              </a:rPr>
-              <a:t> </a:t>
-            </a:r>
-            <a:r>
-              <a:rPr lang="it-IT" sz="1800" b="0" dirty="0" err="1">
-                <a:latin typeface="Arial" panose="020B0604020202020204" pitchFamily="34" charset="0"/>
-                <a:cs typeface="Arial" panose="020B0604020202020204" pitchFamily="34" charset="0"/>
-              </a:rPr>
-              <a:t>error</a:t>
-            </a:r>
-            <a:r>
-              <a:rPr lang="it-IT" sz="1800" b="0" dirty="0">
-                <a:latin typeface="Arial" panose="020B0604020202020204" pitchFamily="34" charset="0"/>
-                <a:cs typeface="Arial" panose="020B0604020202020204" pitchFamily="34" charset="0"/>
-              </a:rPr>
-              <a:t> (</a:t>
+              <a:t>(</a:t>
             </a:r>
             <a:r>
               <a:rPr lang="it-IT" sz="1800" b="0" dirty="0" err="1">
@@ -6525,6 +10077,9 @@
           </a:bodyPr>
           <a:lstStyle/>
           <a:p>
+            <a:pPr marL="0" indent="0">
+              <a:buNone/>
+            </a:pPr>
             <a:r>
               <a:rPr lang="it-IT" sz="2000" dirty="0">
                 <a:latin typeface="Arial" panose="020B0604020202020204" pitchFamily="34" charset="0"/>
@@ -7208,13 +10763,13 @@
           <p:nvPr>
             <p:extLst>
               <p:ext uri="{D42A27DB-BD31-4B8C-83A1-F6EECF244321}">
-                <p14:modId xmlns:p14="http://schemas.microsoft.com/office/powerpoint/2010/main" val="1652823124"/>
+                <p14:modId xmlns:p14="http://schemas.microsoft.com/office/powerpoint/2010/main" val="469111277"/>
               </p:ext>
             </p:extLst>
           </p:nvPr>
         </p:nvGraphicFramePr>
         <p:xfrm>
-          <a:off x="2032000" y="2687320"/>
+          <a:off x="2032000" y="2438579"/>
           <a:ext cx="8128000" cy="1483360"/>
         </p:xfrm>
         <a:graphic>
@@ -7750,13 +11305,13 @@
           <p:nvPr>
             <p:extLst>
               <p:ext uri="{D42A27DB-BD31-4B8C-83A1-F6EECF244321}">
-                <p14:modId xmlns:p14="http://schemas.microsoft.com/office/powerpoint/2010/main" val="1239113919"/>
+                <p14:modId xmlns:p14="http://schemas.microsoft.com/office/powerpoint/2010/main" val="1654874348"/>
               </p:ext>
             </p:extLst>
           </p:nvPr>
         </p:nvGraphicFramePr>
         <p:xfrm>
-          <a:off x="3048000" y="4722077"/>
+          <a:off x="3048000" y="4472262"/>
           <a:ext cx="6096000" cy="741680"/>
         </p:xfrm>
         <a:graphic>
@@ -7989,25 +11544,46 @@
               <a:t>, </a:t>
             </a:r>
             <a:r>
+              <a:rPr lang="it-IT" b="1" dirty="0" err="1">
+                <a:latin typeface="Arial" panose="020B0604020202020204" pitchFamily="34" charset="0"/>
+                <a:cs typeface="Arial" panose="020B0604020202020204" pitchFamily="34" charset="0"/>
+              </a:rPr>
+              <a:t>normal</a:t>
+            </a:r>
+            <a:r>
+              <a:rPr lang="it-IT" b="1" dirty="0">
+                <a:latin typeface="Arial" panose="020B0604020202020204" pitchFamily="34" charset="0"/>
+                <a:cs typeface="Arial" panose="020B0604020202020204" pitchFamily="34" charset="0"/>
+              </a:rPr>
+              <a:t> samples </a:t>
+            </a:r>
+            <a:r>
+              <a:rPr lang="it-IT" dirty="0">
+                <a:latin typeface="Arial" panose="020B0604020202020204" pitchFamily="34" charset="0"/>
+                <a:cs typeface="Arial" panose="020B0604020202020204" pitchFamily="34" charset="0"/>
+              </a:rPr>
+              <a:t>are </a:t>
+            </a:r>
+            <a:r>
               <a:rPr lang="it-IT" dirty="0" err="1">
                 <a:latin typeface="Arial" panose="020B0604020202020204" pitchFamily="34" charset="0"/>
                 <a:cs typeface="Arial" panose="020B0604020202020204" pitchFamily="34" charset="0"/>
               </a:rPr>
-              <a:t>normal</a:t>
+              <a:t>those</a:t>
             </a:r>
             <a:r>
               <a:rPr lang="it-IT" dirty="0">
                 <a:latin typeface="Arial" panose="020B0604020202020204" pitchFamily="34" charset="0"/>
                 <a:cs typeface="Arial" panose="020B0604020202020204" pitchFamily="34" charset="0"/>
               </a:rPr>
-              <a:t> samples are </a:t>
+              <a:t> </a:t>
             </a:r>
             <a:r>
               <a:rPr lang="it-IT" dirty="0" err="1">
                 <a:latin typeface="Arial" panose="020B0604020202020204" pitchFamily="34" charset="0"/>
                 <a:cs typeface="Arial" panose="020B0604020202020204" pitchFamily="34" charset="0"/>
               </a:rPr>
-              <a:t>those</a:t>
+              <a:t>which</a:t>
             </a:r>
             <a:r>
               <a:rPr lang="it-IT" dirty="0">
@@ -8021,28 +11597,28 @@
                 <a:latin typeface="Arial" panose="020B0604020202020204" pitchFamily="34" charset="0"/>
                 <a:cs typeface="Arial" panose="020B0604020202020204" pitchFamily="34" charset="0"/>
               </a:rPr>
-              <a:t>which</a:t>
+              <a:t>belong</a:t>
             </a:r>
             <a:r>
               <a:rPr lang="it-IT" dirty="0">
                 <a:latin typeface="Arial" panose="020B0604020202020204" pitchFamily="34" charset="0"/>
                 <a:cs typeface="Arial" panose="020B0604020202020204" pitchFamily="34" charset="0"/>
               </a:rPr>
-              <a:t> </a:t>
-            </a:r>
-            <a:r>
-              <a:rPr lang="it-IT" dirty="0" err="1">
-                <a:latin typeface="Arial" panose="020B0604020202020204" pitchFamily="34" charset="0"/>
-                <a:cs typeface="Arial" panose="020B0604020202020204" pitchFamily="34" charset="0"/>
-              </a:rPr>
-              <a:t>belong</a:t>
+              <a:t> to </a:t>
+            </a:r>
+            <a:r>
+              <a:rPr lang="it-IT" b="1" dirty="0">
+                <a:latin typeface="Arial" panose="020B0604020202020204" pitchFamily="34" charset="0"/>
+                <a:cs typeface="Arial" panose="020B0604020202020204" pitchFamily="34" charset="0"/>
+              </a:rPr>
+              <a:t>label n.0</a:t>
             </a:r>
             <a:r>
               <a:rPr lang="it-IT" dirty="0">
                 <a:latin typeface="Arial" panose="020B0604020202020204" pitchFamily="34" charset="0"/>
                 <a:cs typeface="Arial" panose="020B0604020202020204" pitchFamily="34" charset="0"/>
               </a:rPr>
-              <a:t> to label n.0.</a:t>
+              <a:t>.</a:t>
             </a:r>
           </a:p>
         </p:txBody>
@@ -8347,196 +11923,203 @@
               <a:t> to </a:t>
             </a:r>
             <a:r>
+              <a:rPr lang="it-IT" sz="1800" dirty="0" err="1">
+                <a:latin typeface="Arial" panose="020B0604020202020204" pitchFamily="34" charset="0"/>
+                <a:cs typeface="Arial" panose="020B0604020202020204" pitchFamily="34" charset="0"/>
+              </a:rPr>
+              <a:t>minimize</a:t>
+            </a:r>
+            <a:r>
+              <a:rPr lang="it-IT" sz="1800" dirty="0">
+                <a:latin typeface="Arial" panose="020B0604020202020204" pitchFamily="34" charset="0"/>
+                <a:cs typeface="Arial" panose="020B0604020202020204" pitchFamily="34" charset="0"/>
+              </a:rPr>
+              <a:t> (</a:t>
+            </a:r>
+            <a:r>
+              <a:rPr lang="it-IT" sz="1800" dirty="0" err="1">
+                <a:latin typeface="Arial" panose="020B0604020202020204" pitchFamily="34" charset="0"/>
+                <a:cs typeface="Arial" panose="020B0604020202020204" pitchFamily="34" charset="0"/>
+              </a:rPr>
+              <a:t>maximize</a:t>
+            </a:r>
+            <a:r>
+              <a:rPr lang="it-IT" sz="1800" dirty="0">
+                <a:latin typeface="Arial" panose="020B0604020202020204" pitchFamily="34" charset="0"/>
+                <a:cs typeface="Arial" panose="020B0604020202020204" pitchFamily="34" charset="0"/>
+              </a:rPr>
+              <a:t>) the </a:t>
+            </a:r>
+            <a:r>
+              <a:rPr lang="it-IT" sz="1800" dirty="0" err="1">
+                <a:latin typeface="Arial" panose="020B0604020202020204" pitchFamily="34" charset="0"/>
+                <a:cs typeface="Arial" panose="020B0604020202020204" pitchFamily="34" charset="0"/>
+              </a:rPr>
+              <a:t>reconstruction</a:t>
+            </a:r>
+            <a:r>
+              <a:rPr lang="it-IT" sz="1800" dirty="0">
+                <a:latin typeface="Arial" panose="020B0604020202020204" pitchFamily="34" charset="0"/>
+                <a:cs typeface="Arial" panose="020B0604020202020204" pitchFamily="34" charset="0"/>
+              </a:rPr>
+              <a:t> </a:t>
+            </a:r>
+            <a:r>
+              <a:rPr lang="it-IT" sz="1800" dirty="0" err="1">
+                <a:latin typeface="Arial" panose="020B0604020202020204" pitchFamily="34" charset="0"/>
+                <a:cs typeface="Arial" panose="020B0604020202020204" pitchFamily="34" charset="0"/>
+              </a:rPr>
+              <a:t>error</a:t>
+            </a:r>
+            <a:r>
+              <a:rPr lang="it-IT" sz="1800" dirty="0">
+                <a:latin typeface="Arial" panose="020B0604020202020204" pitchFamily="34" charset="0"/>
+                <a:cs typeface="Arial" panose="020B0604020202020204" pitchFamily="34" charset="0"/>
+              </a:rPr>
+              <a:t> </a:t>
+            </a:r>
+            <a:r>
+              <a:rPr lang="it-IT" sz="1800" b="0" dirty="0">
+                <a:latin typeface="Arial" panose="020B0604020202020204" pitchFamily="34" charset="0"/>
+                <a:cs typeface="Arial" panose="020B0604020202020204" pitchFamily="34" charset="0"/>
+              </a:rPr>
+              <a:t>(</a:t>
+            </a:r>
+            <a:r>
               <a:rPr lang="it-IT" sz="1800" b="0" dirty="0" err="1">
                 <a:latin typeface="Arial" panose="020B0604020202020204" pitchFamily="34" charset="0"/>
                 <a:cs typeface="Arial" panose="020B0604020202020204" pitchFamily="34" charset="0"/>
               </a:rPr>
-              <a:t>minimize</a:t>
+              <a:t>mean</a:t>
             </a:r>
             <a:r>
               <a:rPr lang="it-IT" sz="1800" b="0" dirty="0">
                 <a:latin typeface="Arial" panose="020B0604020202020204" pitchFamily="34" charset="0"/>
                 <a:cs typeface="Arial" panose="020B0604020202020204" pitchFamily="34" charset="0"/>
               </a:rPr>
+              <a:t> </a:t>
+            </a:r>
+            <a:r>
+              <a:rPr lang="it-IT" sz="1800" b="0" dirty="0" err="1">
+                <a:latin typeface="Arial" panose="020B0604020202020204" pitchFamily="34" charset="0"/>
+                <a:cs typeface="Arial" panose="020B0604020202020204" pitchFamily="34" charset="0"/>
+              </a:rPr>
+              <a:t>squared</a:t>
+            </a:r>
+            <a:r>
+              <a:rPr lang="it-IT" sz="1800" b="0" dirty="0">
+                <a:latin typeface="Arial" panose="020B0604020202020204" pitchFamily="34" charset="0"/>
+                <a:cs typeface="Arial" panose="020B0604020202020204" pitchFamily="34" charset="0"/>
+              </a:rPr>
+              <a:t> </a:t>
+            </a:r>
+            <a:r>
+              <a:rPr lang="it-IT" sz="1800" b="0" dirty="0" err="1">
+                <a:latin typeface="Arial" panose="020B0604020202020204" pitchFamily="34" charset="0"/>
+                <a:cs typeface="Arial" panose="020B0604020202020204" pitchFamily="34" charset="0"/>
+              </a:rPr>
+              <a:t>error</a:t>
+            </a:r>
+            <a:r>
+              <a:rPr lang="it-IT" sz="1800" b="0" dirty="0">
+                <a:latin typeface="Arial" panose="020B0604020202020204" pitchFamily="34" charset="0"/>
+                <a:cs typeface="Arial" panose="020B0604020202020204" pitchFamily="34" charset="0"/>
+              </a:rPr>
+              <a:t>) </a:t>
+            </a:r>
+            <a:r>
+              <a:rPr lang="it-IT" sz="1800" b="0" dirty="0" err="1">
+                <a:latin typeface="Arial" panose="020B0604020202020204" pitchFamily="34" charset="0"/>
+                <a:cs typeface="Arial" panose="020B0604020202020204" pitchFamily="34" charset="0"/>
+              </a:rPr>
+              <a:t>between</a:t>
+            </a:r>
+            <a:r>
+              <a:rPr lang="it-IT" sz="1800" b="0" dirty="0">
+                <a:latin typeface="Arial" panose="020B0604020202020204" pitchFamily="34" charset="0"/>
+                <a:cs typeface="Arial" panose="020B0604020202020204" pitchFamily="34" charset="0"/>
+              </a:rPr>
+              <a:t> the input image and the </a:t>
+            </a:r>
+            <a:r>
+              <a:rPr lang="it-IT" sz="1800" b="0" dirty="0" err="1">
+                <a:latin typeface="Arial" panose="020B0604020202020204" pitchFamily="34" charset="0"/>
+                <a:cs typeface="Arial" panose="020B0604020202020204" pitchFamily="34" charset="0"/>
+              </a:rPr>
+              <a:t>reconstructed</a:t>
+            </a:r>
+            <a:r>
+              <a:rPr lang="it-IT" sz="1800" b="0" dirty="0">
+                <a:latin typeface="Arial" panose="020B0604020202020204" pitchFamily="34" charset="0"/>
+                <a:cs typeface="Arial" panose="020B0604020202020204" pitchFamily="34" charset="0"/>
+              </a:rPr>
+              <a:t> image </a:t>
+            </a:r>
+            <a:r>
+              <a:rPr lang="it-IT" sz="1800" dirty="0" err="1">
+                <a:latin typeface="Arial" panose="020B0604020202020204" pitchFamily="34" charset="0"/>
+                <a:cs typeface="Arial" panose="020B0604020202020204" pitchFamily="34" charset="0"/>
+              </a:rPr>
+              <a:t>when</a:t>
+            </a:r>
+            <a:r>
+              <a:rPr lang="it-IT" sz="1800" dirty="0">
+                <a:latin typeface="Arial" panose="020B0604020202020204" pitchFamily="34" charset="0"/>
+                <a:cs typeface="Arial" panose="020B0604020202020204" pitchFamily="34" charset="0"/>
+              </a:rPr>
+              <a:t> </a:t>
+            </a:r>
+            <a:r>
+              <a:rPr lang="it-IT" sz="1800" dirty="0" err="1">
+                <a:latin typeface="Arial" panose="020B0604020202020204" pitchFamily="34" charset="0"/>
+                <a:cs typeface="Arial" panose="020B0604020202020204" pitchFamily="34" charset="0"/>
+              </a:rPr>
+              <a:t>normal</a:t>
+            </a:r>
+            <a:r>
+              <a:rPr lang="it-IT" sz="1800" dirty="0">
+                <a:latin typeface="Arial" panose="020B0604020202020204" pitchFamily="34" charset="0"/>
+                <a:cs typeface="Arial" panose="020B0604020202020204" pitchFamily="34" charset="0"/>
+              </a:rPr>
               <a:t> (</a:t>
             </a:r>
             <a:r>
-              <a:rPr lang="it-IT" sz="1800" b="0" dirty="0" err="1">
-                <a:latin typeface="Arial" panose="020B0604020202020204" pitchFamily="34" charset="0"/>
-                <a:cs typeface="Arial" panose="020B0604020202020204" pitchFamily="34" charset="0"/>
-              </a:rPr>
-              <a:t>maximize</a:t>
-            </a:r>
-            <a:r>
-              <a:rPr lang="it-IT" sz="1800" b="0" dirty="0">
-                <a:latin typeface="Arial" panose="020B0604020202020204" pitchFamily="34" charset="0"/>
-                <a:cs typeface="Arial" panose="020B0604020202020204" pitchFamily="34" charset="0"/>
-              </a:rPr>
-              <a:t>) the </a:t>
-            </a:r>
-            <a:r>
-              <a:rPr lang="it-IT" sz="1800" b="0" dirty="0" err="1">
-                <a:latin typeface="Arial" panose="020B0604020202020204" pitchFamily="34" charset="0"/>
-                <a:cs typeface="Arial" panose="020B0604020202020204" pitchFamily="34" charset="0"/>
-              </a:rPr>
-              <a:t>reconstruction</a:t>
-            </a:r>
-            <a:r>
-              <a:rPr lang="it-IT" sz="1800" b="0" dirty="0">
+              <a:rPr lang="it-IT" sz="1800" dirty="0" err="1">
+                <a:latin typeface="Arial" panose="020B0604020202020204" pitchFamily="34" charset="0"/>
+                <a:cs typeface="Arial" panose="020B0604020202020204" pitchFamily="34" charset="0"/>
+              </a:rPr>
+              <a:t>anomal</a:t>
+            </a:r>
+            <a:r>
+              <a:rPr lang="it-IT" sz="1800" dirty="0">
+                <a:latin typeface="Arial" panose="020B0604020202020204" pitchFamily="34" charset="0"/>
+                <a:cs typeface="Arial" panose="020B0604020202020204" pitchFamily="34" charset="0"/>
+              </a:rPr>
+              <a:t>) data </a:t>
+            </a:r>
+            <a:r>
+              <a:rPr lang="it-IT" sz="1800" dirty="0" err="1">
+                <a:latin typeface="Arial" panose="020B0604020202020204" pitchFamily="34" charset="0"/>
+                <a:cs typeface="Arial" panose="020B0604020202020204" pitchFamily="34" charset="0"/>
+              </a:rPr>
+              <a:t>is</a:t>
+            </a:r>
+            <a:r>
+              <a:rPr lang="it-IT" sz="1800" dirty="0">
                 <a:latin typeface="Arial" panose="020B0604020202020204" pitchFamily="34" charset="0"/>
                 <a:cs typeface="Arial" panose="020B0604020202020204" pitchFamily="34" charset="0"/>
               </a:rPr>
               <a:t> </a:t>
             </a:r>
             <a:r>
-              <a:rPr lang="it-IT" sz="1800" b="0" dirty="0" err="1">
-                <a:latin typeface="Arial" panose="020B0604020202020204" pitchFamily="34" charset="0"/>
-                <a:cs typeface="Arial" panose="020B0604020202020204" pitchFamily="34" charset="0"/>
-              </a:rPr>
-              <a:t>error</a:t>
-            </a:r>
-            <a:r>
-              <a:rPr lang="it-IT" sz="1800" b="0" dirty="0">
-                <a:latin typeface="Arial" panose="020B0604020202020204" pitchFamily="34" charset="0"/>
-                <a:cs typeface="Arial" panose="020B0604020202020204" pitchFamily="34" charset="0"/>
-              </a:rPr>
-              <a:t> (</a:t>
-            </a:r>
-            <a:r>
-              <a:rPr lang="it-IT" sz="1800" b="0" dirty="0" err="1">
-                <a:latin typeface="Arial" panose="020B0604020202020204" pitchFamily="34" charset="0"/>
-                <a:cs typeface="Arial" panose="020B0604020202020204" pitchFamily="34" charset="0"/>
-              </a:rPr>
-              <a:t>mean</a:t>
-            </a:r>
-            <a:r>
-              <a:rPr lang="it-IT" sz="1800" b="0" dirty="0">
-                <a:latin typeface="Arial" panose="020B0604020202020204" pitchFamily="34" charset="0"/>
-                <a:cs typeface="Arial" panose="020B0604020202020204" pitchFamily="34" charset="0"/>
-              </a:rPr>
-              <a:t> </a:t>
-            </a:r>
-            <a:r>
-              <a:rPr lang="it-IT" sz="1800" b="0" dirty="0" err="1">
-                <a:latin typeface="Arial" panose="020B0604020202020204" pitchFamily="34" charset="0"/>
-                <a:cs typeface="Arial" panose="020B0604020202020204" pitchFamily="34" charset="0"/>
-              </a:rPr>
-              <a:t>squared</a:t>
-            </a:r>
-            <a:r>
-              <a:rPr lang="it-IT" sz="1800" b="0" dirty="0">
-                <a:latin typeface="Arial" panose="020B0604020202020204" pitchFamily="34" charset="0"/>
-                <a:cs typeface="Arial" panose="020B0604020202020204" pitchFamily="34" charset="0"/>
-              </a:rPr>
-              <a:t> </a:t>
-            </a:r>
-            <a:r>
-              <a:rPr lang="it-IT" sz="1800" b="0" dirty="0" err="1">
-                <a:latin typeface="Arial" panose="020B0604020202020204" pitchFamily="34" charset="0"/>
-                <a:cs typeface="Arial" panose="020B0604020202020204" pitchFamily="34" charset="0"/>
-              </a:rPr>
-              <a:t>error</a:t>
-            </a:r>
-            <a:r>
-              <a:rPr lang="it-IT" sz="1800" b="0" dirty="0">
-                <a:latin typeface="Arial" panose="020B0604020202020204" pitchFamily="34" charset="0"/>
-                <a:cs typeface="Arial" panose="020B0604020202020204" pitchFamily="34" charset="0"/>
-              </a:rPr>
-              <a:t>) </a:t>
-            </a:r>
-            <a:r>
-              <a:rPr lang="it-IT" sz="1800" b="0" dirty="0" err="1">
-                <a:latin typeface="Arial" panose="020B0604020202020204" pitchFamily="34" charset="0"/>
-                <a:cs typeface="Arial" panose="020B0604020202020204" pitchFamily="34" charset="0"/>
-              </a:rPr>
-              <a:t>between</a:t>
-            </a:r>
-            <a:r>
-              <a:rPr lang="it-IT" sz="1800" b="0" dirty="0">
-                <a:latin typeface="Arial" panose="020B0604020202020204" pitchFamily="34" charset="0"/>
-                <a:cs typeface="Arial" panose="020B0604020202020204" pitchFamily="34" charset="0"/>
-              </a:rPr>
-              <a:t> the input image and the </a:t>
-            </a:r>
-            <a:r>
-              <a:rPr lang="it-IT" sz="1800" b="0" dirty="0" err="1">
-                <a:latin typeface="Arial" panose="020B0604020202020204" pitchFamily="34" charset="0"/>
-                <a:cs typeface="Arial" panose="020B0604020202020204" pitchFamily="34" charset="0"/>
-              </a:rPr>
-              <a:t>reconstructed</a:t>
-            </a:r>
-            <a:r>
-              <a:rPr lang="it-IT" sz="1800" b="0" dirty="0">
-                <a:latin typeface="Arial" panose="020B0604020202020204" pitchFamily="34" charset="0"/>
-                <a:cs typeface="Arial" panose="020B0604020202020204" pitchFamily="34" charset="0"/>
-              </a:rPr>
-              <a:t> image </a:t>
-            </a:r>
-            <a:r>
-              <a:rPr lang="it-IT" sz="1800" b="0" dirty="0" err="1">
-                <a:latin typeface="Arial" panose="020B0604020202020204" pitchFamily="34" charset="0"/>
-                <a:cs typeface="Arial" panose="020B0604020202020204" pitchFamily="34" charset="0"/>
-              </a:rPr>
-              <a:t>when</a:t>
-            </a:r>
-            <a:r>
-              <a:rPr lang="it-IT" sz="1800" b="0" dirty="0">
-                <a:latin typeface="Arial" panose="020B0604020202020204" pitchFamily="34" charset="0"/>
-                <a:cs typeface="Arial" panose="020B0604020202020204" pitchFamily="34" charset="0"/>
-              </a:rPr>
-              <a:t> </a:t>
-            </a:r>
-            <a:r>
-              <a:rPr lang="it-IT" sz="1800" b="0" dirty="0" err="1">
-                <a:latin typeface="Arial" panose="020B0604020202020204" pitchFamily="34" charset="0"/>
-                <a:cs typeface="Arial" panose="020B0604020202020204" pitchFamily="34" charset="0"/>
-              </a:rPr>
-              <a:t>normal</a:t>
-            </a:r>
-            <a:r>
-              <a:rPr lang="it-IT" sz="1800" b="0" dirty="0">
-                <a:latin typeface="Arial" panose="020B0604020202020204" pitchFamily="34" charset="0"/>
-                <a:cs typeface="Arial" panose="020B0604020202020204" pitchFamily="34" charset="0"/>
-              </a:rPr>
-              <a:t> (</a:t>
-            </a:r>
-            <a:r>
-              <a:rPr lang="it-IT" sz="1800" b="0" dirty="0" err="1">
-                <a:latin typeface="Arial" panose="020B0604020202020204" pitchFamily="34" charset="0"/>
-                <a:cs typeface="Arial" panose="020B0604020202020204" pitchFamily="34" charset="0"/>
-              </a:rPr>
-              <a:t>anomal</a:t>
-            </a:r>
-            <a:r>
-              <a:rPr lang="it-IT" sz="1800" b="0" dirty="0">
-                <a:latin typeface="Arial" panose="020B0604020202020204" pitchFamily="34" charset="0"/>
-                <a:cs typeface="Arial" panose="020B0604020202020204" pitchFamily="34" charset="0"/>
-              </a:rPr>
-              <a:t>) data </a:t>
-            </a:r>
-            <a:r>
-              <a:rPr lang="it-IT" sz="1800" b="0" dirty="0" err="1">
-                <a:latin typeface="Arial" panose="020B0604020202020204" pitchFamily="34" charset="0"/>
-                <a:cs typeface="Arial" panose="020B0604020202020204" pitchFamily="34" charset="0"/>
-              </a:rPr>
-              <a:t>is</a:t>
-            </a:r>
-            <a:r>
-              <a:rPr lang="it-IT" sz="1800" b="0" dirty="0">
-                <a:latin typeface="Arial" panose="020B0604020202020204" pitchFamily="34" charset="0"/>
-                <a:cs typeface="Arial" panose="020B0604020202020204" pitchFamily="34" charset="0"/>
-              </a:rPr>
-              <a:t> </a:t>
-            </a:r>
-            <a:r>
-              <a:rPr lang="it-IT" sz="1800" b="0" dirty="0" err="1">
+              <a:rPr lang="it-IT" sz="1800" dirty="0" err="1">
                 <a:latin typeface="Arial" panose="020B0604020202020204" pitchFamily="34" charset="0"/>
                 <a:cs typeface="Arial" panose="020B0604020202020204" pitchFamily="34" charset="0"/>
               </a:rPr>
               <a:t>entered</a:t>
             </a:r>
             <a:r>
-              <a:rPr lang="it-IT" sz="1800" b="0" dirty="0">
+              <a:rPr lang="it-IT" sz="1800" dirty="0">
                 <a:latin typeface="Arial" panose="020B0604020202020204" pitchFamily="34" charset="0"/>
                 <a:cs typeface="Arial" panose="020B0604020202020204" pitchFamily="34" charset="0"/>
               </a:rPr>
@@ -9366,6 +12949,9 @@
           </a:bodyPr>
           <a:lstStyle/>
           <a:p>
+            <a:pPr marL="0" indent="0">
+              <a:buNone/>
+            </a:pPr>
             <a:r>
               <a:rPr lang="it-IT" sz="2000" dirty="0">
                 <a:latin typeface="Arial" panose="020B0604020202020204" pitchFamily="34" charset="0"/>
@@ -9472,7 +13058,7 @@
               <a:t> </a:t>
             </a:r>
             <a:r>
-              <a:rPr lang="it-IT" sz="2000" dirty="0" err="1">
+              <a:rPr lang="it-IT" sz="2000" b="1" i="1" dirty="0" err="1">
                 <a:latin typeface="Arial" panose="020B0604020202020204" pitchFamily="34" charset="0"/>
                 <a:cs typeface="Arial" panose="020B0604020202020204" pitchFamily="34" charset="0"/>
               </a:rPr>
@@ -9529,6 +13115,9 @@
             </a:r>
           </a:p>
           <a:p>
+            <a:pPr marL="0" indent="0">
+              <a:buNone/>
+            </a:pPr>
             <a:r>
               <a:rPr lang="it-IT" sz="2000" dirty="0" err="1">
                 <a:latin typeface="Arial" panose="020B0604020202020204" pitchFamily="34" charset="0"/>
@@ -9853,191 +13442,34 @@
           </a:p>
         </p:txBody>
       </p:sp>
-      <p:sp>
-        <p:nvSpPr>
-          <p:cNvPr id="3" name="CasellaDiTesto 2">
+      <p:graphicFrame>
+        <p:nvGraphicFramePr>
+          <p:cNvPr id="6" name="CasellaDiTesto 2">
             <a:extLst>
               <a:ext uri="{FF2B5EF4-FFF2-40B4-BE49-F238E27FC236}">
-                <a16:creationId xmlns:a16="http://schemas.microsoft.com/office/drawing/2014/main" id="{EAA31EC1-8D13-B3BA-B96F-15C366F25358}"/>
+                <a16:creationId xmlns:a16="http://schemas.microsoft.com/office/drawing/2014/main" id="{F51D83C8-60E9-C2E0-8C88-D305F48BAD5B}"/>
               </a:ext>
             </a:extLst>
           </p:cNvPr>
-          <p:cNvSpPr txBox="1"/>
-          <p:nvPr/>
-        </p:nvSpPr>
-        <p:spPr>
-          <a:xfrm>
-            <a:off x="838200" y="1782618"/>
-            <a:ext cx="9857509" cy="1477328"/>
-          </a:xfrm>
-          <a:prstGeom prst="rect">
-            <a:avLst/>
-          </a:prstGeom>
-          <a:noFill/>
-        </p:spPr>
-        <p:txBody>
-          <a:bodyPr wrap="square" rtlCol="0">
-            <a:spAutoFit/>
-          </a:bodyPr>
-          <a:lstStyle/>
-          <a:p>
-            <a:r>
-              <a:rPr lang="it-IT"/>
-              <a:t>[1] AE: 		</a:t>
-            </a:r>
-            <a:r>
-              <a:rPr lang="en-US">
-                <a:hlinkClick r:id="rId2"/>
-              </a:rPr>
-              <a:t>Robust Anomaly Detection in Images using Adversarial Autoencoders</a:t>
-            </a:r>
-            <a:endParaRPr lang="en-US"/>
-          </a:p>
-          <a:p>
-            <a:endParaRPr lang="en-US"/>
-          </a:p>
-          <a:p>
-            <a:r>
-              <a:rPr lang="en-US"/>
-              <a:t>[2] VAE: 		</a:t>
-            </a:r>
-            <a:r>
-              <a:rPr lang="en-US">
-                <a:hlinkClick r:id="rId3"/>
-              </a:rPr>
-              <a:t>Auto-Encoding Variational Bayes</a:t>
-            </a:r>
-            <a:endParaRPr lang="en-US"/>
-          </a:p>
-          <a:p>
-            <a:endParaRPr lang="en-US"/>
-          </a:p>
-          <a:p>
-            <a:r>
-              <a:rPr lang="en-US"/>
-              <a:t>[3] GAN: 		</a:t>
-            </a:r>
-            <a:r>
-              <a:rPr lang="en-US">
-                <a:hlinkClick r:id="rId4"/>
-              </a:rPr>
-              <a:t>Gan Based Anomaly Detection in Imbalance Problems</a:t>
-            </a:r>
-            <a:endParaRPr lang="it-IT" dirty="0"/>
-          </a:p>
-        </p:txBody>
-      </p:sp>
-      <p:sp>
-        <p:nvSpPr>
-          <p:cNvPr id="5" name="CasellaDiTesto 4">
-            <a:extLst>
-              <a:ext uri="{FF2B5EF4-FFF2-40B4-BE49-F238E27FC236}">
-                <a16:creationId xmlns:a16="http://schemas.microsoft.com/office/drawing/2014/main" id="{7C7CDF59-DBFE-70A5-0EE9-A2F1CA2D4F0F}"/>
-              </a:ext>
-            </a:extLst>
-          </p:cNvPr>
-          <p:cNvSpPr txBox="1"/>
-          <p:nvPr/>
-        </p:nvSpPr>
-        <p:spPr>
-          <a:xfrm>
-            <a:off x="838200" y="3787775"/>
-            <a:ext cx="9984509" cy="1477328"/>
-          </a:xfrm>
-          <a:prstGeom prst="rect">
-            <a:avLst/>
-          </a:prstGeom>
-          <a:noFill/>
-        </p:spPr>
-        <p:txBody>
-          <a:bodyPr wrap="square" rtlCol="0">
-            <a:spAutoFit/>
-          </a:bodyPr>
-          <a:lstStyle/>
-          <a:p>
-            <a:r>
-              <a:rPr lang="it-IT">
-                <a:latin typeface="Arial" panose="020B0604020202020204" pitchFamily="34" charset="0"/>
-                <a:cs typeface="Arial" panose="020B0604020202020204" pitchFamily="34" charset="0"/>
-              </a:rPr>
-              <a:t>Colab:  		</a:t>
-            </a:r>
-            <a:r>
-              <a:rPr lang="it-IT">
-                <a:latin typeface="Arial" panose="020B0604020202020204" pitchFamily="34" charset="0"/>
-                <a:cs typeface="Arial" panose="020B0604020202020204" pitchFamily="34" charset="0"/>
-                <a:hlinkClick r:id="rId5"/>
-              </a:rPr>
-              <a:t>code</a:t>
-            </a:r>
-            <a:endParaRPr lang="it-IT">
-              <a:latin typeface="Arial" panose="020B0604020202020204" pitchFamily="34" charset="0"/>
-              <a:cs typeface="Arial" panose="020B0604020202020204" pitchFamily="34" charset="0"/>
-            </a:endParaRPr>
-          </a:p>
-          <a:p>
-            <a:endParaRPr lang="it-IT">
-              <a:latin typeface="Arial" panose="020B0604020202020204" pitchFamily="34" charset="0"/>
-              <a:cs typeface="Arial" panose="020B0604020202020204" pitchFamily="34" charset="0"/>
-            </a:endParaRPr>
-          </a:p>
-          <a:p>
-            <a:r>
-              <a:rPr lang="it-IT">
-                <a:latin typeface="Arial" panose="020B0604020202020204" pitchFamily="34" charset="0"/>
-                <a:cs typeface="Arial" panose="020B0604020202020204" pitchFamily="34" charset="0"/>
-              </a:rPr>
-              <a:t>GitHub: 		</a:t>
-            </a:r>
-            <a:r>
-              <a:rPr lang="it-IT">
-                <a:latin typeface="Arial" panose="020B0604020202020204" pitchFamily="34" charset="0"/>
-                <a:cs typeface="Arial" panose="020B0604020202020204" pitchFamily="34" charset="0"/>
-                <a:hlinkClick r:id="rId6"/>
-              </a:rPr>
-              <a:t>repo</a:t>
-            </a:r>
-            <a:endParaRPr lang="it-IT">
-              <a:latin typeface="Arial" panose="020B0604020202020204" pitchFamily="34" charset="0"/>
-              <a:cs typeface="Arial" panose="020B0604020202020204" pitchFamily="34" charset="0"/>
-            </a:endParaRPr>
-          </a:p>
-          <a:p>
-            <a:endParaRPr lang="it-IT">
-              <a:latin typeface="Arial" panose="020B0604020202020204" pitchFamily="34" charset="0"/>
-              <a:cs typeface="Arial" panose="020B0604020202020204" pitchFamily="34" charset="0"/>
-            </a:endParaRPr>
-          </a:p>
-          <a:p>
-            <a:r>
-              <a:rPr lang="it-IT">
-                <a:latin typeface="Arial" panose="020B0604020202020204" pitchFamily="34" charset="0"/>
-                <a:cs typeface="Arial" panose="020B0604020202020204" pitchFamily="34" charset="0"/>
-              </a:rPr>
-              <a:t>LaTex: 		</a:t>
-            </a:r>
-            <a:r>
-              <a:rPr lang="it-IT">
-                <a:latin typeface="Arial" panose="020B0604020202020204" pitchFamily="34" charset="0"/>
-                <a:cs typeface="Arial" panose="020B0604020202020204" pitchFamily="34" charset="0"/>
-                <a:hlinkClick r:id="rId7"/>
-              </a:rPr>
-              <a:t>paper</a:t>
-            </a:r>
-            <a:r>
-              <a:rPr lang="it-IT">
-                <a:latin typeface="Arial" panose="020B0604020202020204" pitchFamily="34" charset="0"/>
-                <a:cs typeface="Arial" panose="020B0604020202020204" pitchFamily="34" charset="0"/>
-              </a:rPr>
-              <a:t> </a:t>
-            </a:r>
-            <a:endParaRPr lang="it-IT" dirty="0">
-              <a:latin typeface="Arial" panose="020B0604020202020204" pitchFamily="34" charset="0"/>
-              <a:cs typeface="Arial" panose="020B0604020202020204" pitchFamily="34" charset="0"/>
-            </a:endParaRPr>
-          </a:p>
-        </p:txBody>
-      </p:sp>
+          <p:cNvGraphicFramePr/>
+          <p:nvPr>
+            <p:extLst>
+              <p:ext uri="{D42A27DB-BD31-4B8C-83A1-F6EECF244321}">
+                <p14:modId xmlns:p14="http://schemas.microsoft.com/office/powerpoint/2010/main" val="4183746703"/>
+              </p:ext>
+            </p:extLst>
+          </p:nvPr>
+        </p:nvGraphicFramePr>
+        <p:xfrm>
+          <a:off x="838200" y="1782618"/>
+          <a:ext cx="9857509" cy="3416320"/>
+        </p:xfrm>
+        <a:graphic>
+          <a:graphicData uri="http://schemas.openxmlformats.org/drawingml/2006/diagram">
+            <dgm:relIds xmlns:dgm="http://schemas.openxmlformats.org/drawingml/2006/diagram" xmlns:r="http://schemas.openxmlformats.org/officeDocument/2006/relationships" r:dm="rId2" r:lo="rId3" r:qs="rId4" r:cs="rId5"/>
+          </a:graphicData>
+        </a:graphic>
+      </p:graphicFrame>
     </p:spTree>
     <p:extLst>
       <p:ext uri="{BB962C8B-B14F-4D97-AF65-F5344CB8AC3E}">
@@ -10609,7 +14041,35 @@
                 <a:latin typeface="Arial" panose="020B0604020202020204" pitchFamily="34" charset="0"/>
                 <a:cs typeface="Arial" panose="020B0604020202020204" pitchFamily="34" charset="0"/>
               </a:rPr>
-              <a:t>AD consists in identifying observations in a dataset that significantly deviate from the remaining observation.</a:t>
+              <a:t>AD consists in </a:t>
+            </a:r>
+            <a:r>
+              <a:rPr lang="en-US" b="1" dirty="0">
+                <a:latin typeface="Arial" panose="020B0604020202020204" pitchFamily="34" charset="0"/>
+                <a:cs typeface="Arial" panose="020B0604020202020204" pitchFamily="34" charset="0"/>
+              </a:rPr>
+              <a:t>identifying observations </a:t>
+            </a:r>
+            <a:r>
+              <a:rPr lang="en-US" dirty="0">
+                <a:latin typeface="Arial" panose="020B0604020202020204" pitchFamily="34" charset="0"/>
+                <a:cs typeface="Arial" panose="020B0604020202020204" pitchFamily="34" charset="0"/>
+              </a:rPr>
+              <a:t>in a dataset that significantly </a:t>
+            </a:r>
+            <a:r>
+              <a:rPr lang="en-US" b="1" dirty="0">
+                <a:latin typeface="Arial" panose="020B0604020202020204" pitchFamily="34" charset="0"/>
+                <a:cs typeface="Arial" panose="020B0604020202020204" pitchFamily="34" charset="0"/>
+              </a:rPr>
+              <a:t>deviate</a:t>
+            </a:r>
+            <a:r>
+              <a:rPr lang="en-US" dirty="0">
+                <a:latin typeface="Arial" panose="020B0604020202020204" pitchFamily="34" charset="0"/>
+                <a:cs typeface="Arial" panose="020B0604020202020204" pitchFamily="34" charset="0"/>
+              </a:rPr>
+              <a:t> from the remaining observation.</a:t>
             </a:r>
           </a:p>
           <a:p>
@@ -10638,7 +14098,21 @@
                 <a:latin typeface="Arial" panose="020B0604020202020204" pitchFamily="34" charset="0"/>
                 <a:cs typeface="Arial" panose="020B0604020202020204" pitchFamily="34" charset="0"/>
               </a:rPr>
-              <a:t>: a binary classification task.</a:t>
+              <a:t>: a </a:t>
+            </a:r>
+            <a:r>
+              <a:rPr lang="en-US" b="1" dirty="0">
+                <a:latin typeface="Arial" panose="020B0604020202020204" pitchFamily="34" charset="0"/>
+                <a:cs typeface="Arial" panose="020B0604020202020204" pitchFamily="34" charset="0"/>
+              </a:rPr>
+              <a:t>binary classification </a:t>
+            </a:r>
+            <a:r>
+              <a:rPr lang="en-US" dirty="0">
+                <a:latin typeface="Arial" panose="020B0604020202020204" pitchFamily="34" charset="0"/>
+                <a:cs typeface="Arial" panose="020B0604020202020204" pitchFamily="34" charset="0"/>
+              </a:rPr>
+              <a:t>task.</a:t>
             </a:r>
             <a:endParaRPr lang="it-IT" dirty="0">
               <a:latin typeface="Arial" panose="020B0604020202020204" pitchFamily="34" charset="0"/>
@@ -10767,7 +14241,7 @@
               <a:t>: </a:t>
             </a:r>
             <a:r>
-              <a:rPr lang="it-IT" dirty="0" err="1">
+              <a:rPr lang="it-IT" b="1" dirty="0" err="1">
                 <a:latin typeface="Arial" panose="020B0604020202020204" pitchFamily="34" charset="0"/>
                 <a:cs typeface="Arial" panose="020B0604020202020204" pitchFamily="34" charset="0"/>
               </a:rPr>
@@ -10781,41 +14255,48 @@
               <a:t>, </a:t>
             </a:r>
             <a:r>
-              <a:rPr lang="it-IT" dirty="0" err="1">
+              <a:rPr lang="it-IT" b="1" dirty="0" err="1">
                 <a:latin typeface="Arial" panose="020B0604020202020204" pitchFamily="34" charset="0"/>
                 <a:cs typeface="Arial" panose="020B0604020202020204" pitchFamily="34" charset="0"/>
               </a:rPr>
               <a:t>Variational</a:t>
             </a:r>
             <a:r>
+              <a:rPr lang="it-IT" b="1" dirty="0">
+                <a:latin typeface="Arial" panose="020B0604020202020204" pitchFamily="34" charset="0"/>
+                <a:cs typeface="Arial" panose="020B0604020202020204" pitchFamily="34" charset="0"/>
+              </a:rPr>
+              <a:t> </a:t>
+            </a:r>
+            <a:r>
+              <a:rPr lang="it-IT" b="1" dirty="0" err="1">
+                <a:latin typeface="Arial" panose="020B0604020202020204" pitchFamily="34" charset="0"/>
+                <a:cs typeface="Arial" panose="020B0604020202020204" pitchFamily="34" charset="0"/>
+              </a:rPr>
+              <a:t>AutoEncoder</a:t>
+            </a:r>
+            <a:r>
+              <a:rPr lang="it-IT" b="1" dirty="0">
+                <a:latin typeface="Arial" panose="020B0604020202020204" pitchFamily="34" charset="0"/>
+                <a:cs typeface="Arial" panose="020B0604020202020204" pitchFamily="34" charset="0"/>
+              </a:rPr>
+              <a:t> </a:t>
+            </a:r>
+            <a:r>
               <a:rPr lang="it-IT" dirty="0">
                 <a:latin typeface="Arial" panose="020B0604020202020204" pitchFamily="34" charset="0"/>
                 <a:cs typeface="Arial" panose="020B0604020202020204" pitchFamily="34" charset="0"/>
               </a:rPr>
-              <a:t> </a:t>
-            </a:r>
-            <a:r>
-              <a:rPr lang="it-IT" dirty="0" err="1">
-                <a:latin typeface="Arial" panose="020B0604020202020204" pitchFamily="34" charset="0"/>
-                <a:cs typeface="Arial" panose="020B0604020202020204" pitchFamily="34" charset="0"/>
-              </a:rPr>
-              <a:t>AutoEncoder</a:t>
-            </a:r>
-            <a:r>
-              <a:rPr lang="it-IT" dirty="0">
-                <a:latin typeface="Arial" panose="020B0604020202020204" pitchFamily="34" charset="0"/>
-                <a:cs typeface="Arial" panose="020B0604020202020204" pitchFamily="34" charset="0"/>
-              </a:rPr>
-              <a:t> and </a:t>
-            </a:r>
-            <a:r>
-              <a:rPr lang="it-IT" dirty="0" err="1">
+              <a:t>and </a:t>
+            </a:r>
+            <a:r>
+              <a:rPr lang="it-IT" b="1" dirty="0" err="1">
                 <a:latin typeface="Arial" panose="020B0604020202020204" pitchFamily="34" charset="0"/>
                 <a:cs typeface="Arial" panose="020B0604020202020204" pitchFamily="34" charset="0"/>
               </a:rPr>
               <a:t>Gan</a:t>
             </a:r>
-            <a:endParaRPr lang="it-IT" dirty="0">
+            <a:endParaRPr lang="it-IT" b="1" dirty="0">
               <a:latin typeface="Arial" panose="020B0604020202020204" pitchFamily="34" charset="0"/>
               <a:cs typeface="Arial" panose="020B0604020202020204" pitchFamily="34" charset="0"/>
             </a:endParaRPr>
@@ -11315,13 +14796,27 @@
                 <a:latin typeface="Arial" panose="020B0604020202020204" pitchFamily="34" charset="0"/>
                 <a:cs typeface="Arial" panose="020B0604020202020204" pitchFamily="34" charset="0"/>
               </a:rPr>
-              <a:t>The encoder maps the input into the embedding vector z. We can refer to this process as a learnable function </a:t>
+              <a:t>The encoder computes a </a:t>
             </a:r>
             <a:r>
               <a:rPr lang="en-US" sz="1400" dirty="0" err="1">
                 <a:latin typeface="Arial" panose="020B0604020202020204" pitchFamily="34" charset="0"/>
                 <a:cs typeface="Arial" panose="020B0604020202020204" pitchFamily="34" charset="0"/>
               </a:rPr>
+              <a:t>a</a:t>
+            </a:r>
+            <a:r>
+              <a:rPr lang="en-US" sz="1400" dirty="0">
+                <a:latin typeface="Arial" panose="020B0604020202020204" pitchFamily="34" charset="0"/>
+                <a:cs typeface="Arial" panose="020B0604020202020204" pitchFamily="34" charset="0"/>
+              </a:rPr>
+              <a:t> learnable function </a:t>
+            </a:r>
+            <a:r>
+              <a:rPr lang="en-US" sz="1400" dirty="0" err="1">
+                <a:latin typeface="Arial" panose="020B0604020202020204" pitchFamily="34" charset="0"/>
+                <a:cs typeface="Arial" panose="020B0604020202020204" pitchFamily="34" charset="0"/>
+              </a:rPr>
               <a:t>fϕ</a:t>
             </a:r>
             <a:r>
@@ -11329,7 +14824,7 @@
                 <a:latin typeface="Arial" panose="020B0604020202020204" pitchFamily="34" charset="0"/>
                 <a:cs typeface="Arial" panose="020B0604020202020204" pitchFamily="34" charset="0"/>
               </a:rPr>
-              <a:t>. </a:t>
+              <a:t> which maps the input into the embedding vector z. </a:t>
             </a:r>
             <a:endParaRPr lang="it-IT" sz="1400" dirty="0">
               <a:latin typeface="Arial" panose="020B0604020202020204" pitchFamily="34" charset="0"/>
@@ -11371,7 +14866,7 @@
                 <a:latin typeface="Arial" panose="020B0604020202020204" pitchFamily="34" charset="0"/>
                 <a:cs typeface="Arial" panose="020B0604020202020204" pitchFamily="34" charset="0"/>
               </a:rPr>
-              <a:t>The decoder tries to reconstruct the input using z. We can refer to this process as a learnable function </a:t>
+              <a:t>The decoder tries to reconstruct the input using z computing a learnable function </a:t>
             </a:r>
             <a:r>
               <a:rPr lang="en-US" sz="1400" dirty="0" err="1">
@@ -12241,25 +15736,46 @@
               <a:t> baseline, </a:t>
             </a:r>
             <a:r>
+              <a:rPr lang="it-IT" b="1" dirty="0" err="1">
+                <a:latin typeface="Arial" panose="020B0604020202020204" pitchFamily="34" charset="0"/>
+                <a:cs typeface="Arial" panose="020B0604020202020204" pitchFamily="34" charset="0"/>
+              </a:rPr>
+              <a:t>anomal</a:t>
+            </a:r>
+            <a:r>
+              <a:rPr lang="it-IT" b="1" dirty="0">
+                <a:latin typeface="Arial" panose="020B0604020202020204" pitchFamily="34" charset="0"/>
+                <a:cs typeface="Arial" panose="020B0604020202020204" pitchFamily="34" charset="0"/>
+              </a:rPr>
+              <a:t> samples </a:t>
+            </a:r>
+            <a:r>
+              <a:rPr lang="it-IT" dirty="0">
+                <a:latin typeface="Arial" panose="020B0604020202020204" pitchFamily="34" charset="0"/>
+                <a:cs typeface="Arial" panose="020B0604020202020204" pitchFamily="34" charset="0"/>
+              </a:rPr>
+              <a:t>are </a:t>
+            </a:r>
+            <a:r>
               <a:rPr lang="it-IT" dirty="0" err="1">
                 <a:latin typeface="Arial" panose="020B0604020202020204" pitchFamily="34" charset="0"/>
                 <a:cs typeface="Arial" panose="020B0604020202020204" pitchFamily="34" charset="0"/>
               </a:rPr>
-              <a:t>anomal</a:t>
+              <a:t>those</a:t>
             </a:r>
             <a:r>
               <a:rPr lang="it-IT" dirty="0">
                 <a:latin typeface="Arial" panose="020B0604020202020204" pitchFamily="34" charset="0"/>
                 <a:cs typeface="Arial" panose="020B0604020202020204" pitchFamily="34" charset="0"/>
               </a:rPr>
-              <a:t> samples are </a:t>
+              <a:t> </a:t>
             </a:r>
             <a:r>
               <a:rPr lang="it-IT" dirty="0" err="1">
                 <a:latin typeface="Arial" panose="020B0604020202020204" pitchFamily="34" charset="0"/>
                 <a:cs typeface="Arial" panose="020B0604020202020204" pitchFamily="34" charset="0"/>
               </a:rPr>
-              <a:t>those</a:t>
+              <a:t>which</a:t>
             </a:r>
             <a:r>
               <a:rPr lang="it-IT" dirty="0">
@@ -12273,28 +15789,28 @@
                 <a:latin typeface="Arial" panose="020B0604020202020204" pitchFamily="34" charset="0"/>
                 <a:cs typeface="Arial" panose="020B0604020202020204" pitchFamily="34" charset="0"/>
               </a:rPr>
-              <a:t>which</a:t>
+              <a:t>belong</a:t>
             </a:r>
             <a:r>
               <a:rPr lang="it-IT" dirty="0">
                 <a:latin typeface="Arial" panose="020B0604020202020204" pitchFamily="34" charset="0"/>
                 <a:cs typeface="Arial" panose="020B0604020202020204" pitchFamily="34" charset="0"/>
               </a:rPr>
-              <a:t> </a:t>
-            </a:r>
-            <a:r>
-              <a:rPr lang="it-IT" dirty="0" err="1">
-                <a:latin typeface="Arial" panose="020B0604020202020204" pitchFamily="34" charset="0"/>
-                <a:cs typeface="Arial" panose="020B0604020202020204" pitchFamily="34" charset="0"/>
-              </a:rPr>
-              <a:t>belong</a:t>
+              <a:t> to </a:t>
+            </a:r>
+            <a:r>
+              <a:rPr lang="it-IT" b="1" dirty="0">
+                <a:latin typeface="Arial" panose="020B0604020202020204" pitchFamily="34" charset="0"/>
+                <a:cs typeface="Arial" panose="020B0604020202020204" pitchFamily="34" charset="0"/>
+              </a:rPr>
+              <a:t>label n.5</a:t>
             </a:r>
             <a:r>
               <a:rPr lang="it-IT" dirty="0">
                 <a:latin typeface="Arial" panose="020B0604020202020204" pitchFamily="34" charset="0"/>
                 <a:cs typeface="Arial" panose="020B0604020202020204" pitchFamily="34" charset="0"/>
               </a:rPr>
-              <a:t> to label n.5.</a:t>
+              <a:t>.</a:t>
             </a:r>
           </a:p>
         </p:txBody>
@@ -12664,46 +16180,53 @@
               <a:t> to </a:t>
             </a:r>
             <a:r>
-              <a:rPr lang="it-IT" sz="1800" b="0" dirty="0" err="1">
+              <a:rPr lang="it-IT" sz="1800" dirty="0" err="1">
                 <a:latin typeface="Arial" panose="020B0604020202020204" pitchFamily="34" charset="0"/>
                 <a:cs typeface="Arial" panose="020B0604020202020204" pitchFamily="34" charset="0"/>
               </a:rPr>
               <a:t>minimize</a:t>
             </a:r>
             <a:r>
+              <a:rPr lang="it-IT" sz="1800" dirty="0">
+                <a:latin typeface="Arial" panose="020B0604020202020204" pitchFamily="34" charset="0"/>
+                <a:cs typeface="Arial" panose="020B0604020202020204" pitchFamily="34" charset="0"/>
+              </a:rPr>
+              <a:t> the </a:t>
+            </a:r>
+            <a:r>
+              <a:rPr lang="it-IT" sz="1800" dirty="0" err="1">
+                <a:latin typeface="Arial" panose="020B0604020202020204" pitchFamily="34" charset="0"/>
+                <a:cs typeface="Arial" panose="020B0604020202020204" pitchFamily="34" charset="0"/>
+              </a:rPr>
+              <a:t>reconstruction</a:t>
+            </a:r>
+            <a:r>
+              <a:rPr lang="it-IT" sz="1800" dirty="0">
+                <a:latin typeface="Arial" panose="020B0604020202020204" pitchFamily="34" charset="0"/>
+                <a:cs typeface="Arial" panose="020B0604020202020204" pitchFamily="34" charset="0"/>
+              </a:rPr>
+              <a:t> </a:t>
+            </a:r>
+            <a:r>
+              <a:rPr lang="it-IT" sz="1800" dirty="0" err="1">
+                <a:latin typeface="Arial" panose="020B0604020202020204" pitchFamily="34" charset="0"/>
+                <a:cs typeface="Arial" panose="020B0604020202020204" pitchFamily="34" charset="0"/>
+              </a:rPr>
+              <a:t>error</a:t>
+            </a:r>
+            <a:r>
+              <a:rPr lang="it-IT" sz="1800" dirty="0">
+                <a:latin typeface="Arial" panose="020B0604020202020204" pitchFamily="34" charset="0"/>
+                <a:cs typeface="Arial" panose="020B0604020202020204" pitchFamily="34" charset="0"/>
+              </a:rPr>
+              <a:t> </a:t>
+            </a:r>
+            <a:r>
               <a:rPr lang="it-IT" sz="1800" b="0" dirty="0">
                 <a:latin typeface="Arial" panose="020B0604020202020204" pitchFamily="34" charset="0"/>
                 <a:cs typeface="Arial" panose="020B0604020202020204" pitchFamily="34" charset="0"/>
               </a:rPr>
-              <a:t> the </a:t>
-            </a:r>
-            <a:r>
-              <a:rPr lang="it-IT" sz="1800" b="0" dirty="0" err="1">
-                <a:latin typeface="Arial" panose="020B0604020202020204" pitchFamily="34" charset="0"/>
-                <a:cs typeface="Arial" panose="020B0604020202020204" pitchFamily="34" charset="0"/>
-              </a:rPr>
-              <a:t>reconstruction</a:t>
-            </a:r>
-            <a:r>
-              <a:rPr lang="it-IT" sz="1800" b="0" dirty="0">
-                <a:latin typeface="Arial" panose="020B0604020202020204" pitchFamily="34" charset="0"/>
-                <a:cs typeface="Arial" panose="020B0604020202020204" pitchFamily="34" charset="0"/>
-              </a:rPr>
-              <a:t> </a:t>
-            </a:r>
-            <a:r>
-              <a:rPr lang="it-IT" sz="1800" b="0" dirty="0" err="1">
-                <a:latin typeface="Arial" panose="020B0604020202020204" pitchFamily="34" charset="0"/>
-                <a:cs typeface="Arial" panose="020B0604020202020204" pitchFamily="34" charset="0"/>
-              </a:rPr>
-              <a:t>error</a:t>
-            </a:r>
-            <a:r>
-              <a:rPr lang="it-IT" sz="1800" b="0" dirty="0">
-                <a:latin typeface="Arial" panose="020B0604020202020204" pitchFamily="34" charset="0"/>
-                <a:cs typeface="Arial" panose="020B0604020202020204" pitchFamily="34" charset="0"/>
-              </a:rPr>
-              <a:t> (</a:t>
+              <a:t>(</a:t>
             </a:r>
             <a:r>
               <a:rPr lang="it-IT" sz="1800" b="0" dirty="0" err="1">
@@ -13204,6 +16727,9 @@
           </a:bodyPr>
           <a:lstStyle/>
           <a:p>
+            <a:pPr marL="0" indent="0">
+              <a:buNone/>
+            </a:pPr>
             <a:r>
               <a:rPr lang="it-IT" sz="1800" dirty="0">
                 <a:latin typeface="Arial" panose="020B0604020202020204" pitchFamily="34" charset="0"/>
@@ -13426,8 +16952,8 @@
         </p:nvSpPr>
         <p:spPr>
           <a:xfrm>
-            <a:off x="5988754" y="2197298"/>
-            <a:ext cx="5157787" cy="3992365"/>
+            <a:off x="6194426" y="2197298"/>
+            <a:ext cx="5083173" cy="3992365"/>
           </a:xfrm>
           <a:prstGeom prst="rect">
             <a:avLst/>
@@ -13602,6 +17128,9 @@
             </a:lvl9pPr>
           </a:lstStyle>
           <a:p>
+            <a:pPr marL="0" indent="0">
+              <a:buNone/>
+            </a:pPr>
             <a:r>
               <a:rPr lang="en-US" sz="1600" dirty="0">
                 <a:latin typeface="Arial" panose="020B0604020202020204" pitchFamily="34" charset="0"/>
@@ -14367,7 +17896,7 @@
         <p:spPr>
           <a:xfrm>
             <a:off x="1015280" y="4987636"/>
-            <a:ext cx="5080720" cy="738664"/>
+            <a:ext cx="5080720" cy="523220"/>
           </a:xfrm>
           <a:prstGeom prst="rect">
             <a:avLst/>
@@ -14385,7 +17914,35 @@
                 <a:latin typeface="Arial" panose="020B0604020202020204" pitchFamily="34" charset="0"/>
                 <a:cs typeface="Arial" panose="020B0604020202020204" pitchFamily="34" charset="0"/>
               </a:rPr>
-              <a:t>The Probabilistic Encoder maps the input x into two vectors µ and σ of the latent state distribution q which wants to be as close as possible to the real distribution p</a:t>
+              <a:t>The Probabilistic Encoder maps the input x into two vectors </a:t>
+            </a:r>
+            <a:r>
+              <a:rPr lang="en-US" sz="1400" b="1" dirty="0">
+                <a:latin typeface="Arial" panose="020B0604020202020204" pitchFamily="34" charset="0"/>
+                <a:cs typeface="Arial" panose="020B0604020202020204" pitchFamily="34" charset="0"/>
+              </a:rPr>
+              <a:t>µ</a:t>
+            </a:r>
+            <a:r>
+              <a:rPr lang="en-US" sz="1400" dirty="0">
+                <a:latin typeface="Arial" panose="020B0604020202020204" pitchFamily="34" charset="0"/>
+                <a:cs typeface="Arial" panose="020B0604020202020204" pitchFamily="34" charset="0"/>
+              </a:rPr>
+              <a:t> and </a:t>
+            </a:r>
+            <a:r>
+              <a:rPr lang="en-US" sz="1400" b="1" dirty="0">
+                <a:latin typeface="Arial" panose="020B0604020202020204" pitchFamily="34" charset="0"/>
+                <a:cs typeface="Arial" panose="020B0604020202020204" pitchFamily="34" charset="0"/>
+              </a:rPr>
+              <a:t>σ</a:t>
+            </a:r>
+            <a:r>
+              <a:rPr lang="en-US" sz="1400" dirty="0">
+                <a:latin typeface="Arial" panose="020B0604020202020204" pitchFamily="34" charset="0"/>
+                <a:cs typeface="Arial" panose="020B0604020202020204" pitchFamily="34" charset="0"/>
+              </a:rPr>
+              <a:t> describing the approximated distribution q of p</a:t>
             </a:r>
             <a:endParaRPr lang="it-IT" sz="1400" dirty="0">
               <a:latin typeface="Arial" panose="020B0604020202020204" pitchFamily="34" charset="0"/>
@@ -14409,7 +17966,7 @@
         <p:spPr>
           <a:xfrm>
             <a:off x="6650182" y="4987636"/>
-            <a:ext cx="4817486" cy="738664"/>
+            <a:ext cx="4817486" cy="523220"/>
           </a:xfrm>
           <a:prstGeom prst="rect">
             <a:avLst/>
@@ -14427,21 +17984,7 @@
                 <a:latin typeface="Arial" panose="020B0604020202020204" pitchFamily="34" charset="0"/>
                 <a:cs typeface="Arial" panose="020B0604020202020204" pitchFamily="34" charset="0"/>
               </a:rPr>
-              <a:t>The Probabilistic Decoder model will proceed to develop a reconstruction of the original input by finding the distribution p(</a:t>
-            </a:r>
-            <a:r>
-              <a:rPr lang="en-US" sz="1400" dirty="0" err="1">
-                <a:latin typeface="Arial" panose="020B0604020202020204" pitchFamily="34" charset="0"/>
-                <a:cs typeface="Arial" panose="020B0604020202020204" pitchFamily="34" charset="0"/>
-              </a:rPr>
-              <a:t>x|z</a:t>
-            </a:r>
-            <a:r>
-              <a:rPr lang="en-US" sz="1400" dirty="0">
-                <a:latin typeface="Arial" panose="020B0604020202020204" pitchFamily="34" charset="0"/>
-                <a:cs typeface="Arial" panose="020B0604020202020204" pitchFamily="34" charset="0"/>
-              </a:rPr>
-              <a:t>)</a:t>
+              <a:t>The Probabilistic Decoder model will proceed to develop a reconstruction of the original input by learning p</a:t>
             </a:r>
             <a:endParaRPr lang="it-IT" sz="1400" dirty="0">
               <a:latin typeface="Arial" panose="020B0604020202020204" pitchFamily="34" charset="0"/>
